--- a/ppt/快速搭建Web服务器.pptx
+++ b/ppt/快速搭建Web服务器.pptx
@@ -2,7 +2,7 @@
 <file path=ppt/presentation.xml><?xml version="1.0" encoding="utf-8"?>
 <p:presentation xmlns:a="http://schemas.openxmlformats.org/drawingml/2006/main" xmlns:r="http://schemas.openxmlformats.org/officeDocument/2006/relationships" xmlns:p="http://schemas.openxmlformats.org/presentationml/2006/main" saveSubsetFonts="1">
   <p:sldMasterIdLst>
-    <p:sldMasterId id="2147483648" r:id="rId1"/>
+    <p:sldMasterId id="2147483660" r:id="rId1"/>
   </p:sldMasterIdLst>
   <p:notesMasterIdLst>
     <p:notesMasterId r:id="rId10"/>
@@ -114,6 +114,22 @@
       </a:defRPr>
     </a:lvl9pPr>
   </p:defaultTextStyle>
+  <p:extLst>
+    <p:ext uri="{EFAFB233-063F-42B5-8137-9DF3F51BA10A}">
+      <p15:sldGuideLst xmlns:p15="http://schemas.microsoft.com/office/powerpoint/2012/main">
+        <p15:guide id="1" orient="horz" pos="2160">
+          <p15:clr>
+            <a:srgbClr val="A4A3A4"/>
+          </p15:clr>
+        </p15:guide>
+        <p15:guide id="2" pos="2880">
+          <p15:clr>
+            <a:srgbClr val="A4A3A4"/>
+          </p15:clr>
+        </p15:guide>
+      </p15:sldGuideLst>
+    </p:ext>
+  </p:extLst>
 </p:presentation>
 </file>
 
@@ -636,7 +652,7 @@
 </file>
 
 <file path=ppt/slideLayouts/slideLayout1.xml><?xml version="1.0" encoding="utf-8"?>
-<p:sldLayout xmlns:a="http://schemas.openxmlformats.org/drawingml/2006/main" xmlns:r="http://schemas.openxmlformats.org/officeDocument/2006/relationships" xmlns:p="http://schemas.openxmlformats.org/presentationml/2006/main" type="title" preserve="1">
+<p:sldLayout xmlns:a="http://schemas.openxmlformats.org/drawingml/2006/main" xmlns:r="http://schemas.openxmlformats.org/officeDocument/2006/relationships" xmlns:p="http://schemas.openxmlformats.org/presentationml/2006/main" showMasterSp="0" type="title" preserve="1">
   <p:cSld name="标题幻灯片">
     <p:spTree>
       <p:nvGrpSpPr>
@@ -652,9 +668,611 @@
           <a:chExt cx="0" cy="0"/>
         </a:xfrm>
       </p:grpSpPr>
-      <p:sp>
-        <p:nvSpPr>
-          <p:cNvPr id="2" name="标题 1"/>
+      <p:grpSp>
+        <p:nvGrpSpPr>
+          <p:cNvPr id="7" name="Group 6"/>
+          <p:cNvGrpSpPr/>
+          <p:nvPr/>
+        </p:nvGrpSpPr>
+        <p:grpSpPr>
+          <a:xfrm>
+            <a:off x="-8466" y="-8468"/>
+            <a:ext cx="9169804" cy="6874935"/>
+            <a:chOff x="-8466" y="-8468"/>
+            <a:chExt cx="9169804" cy="6874935"/>
+          </a:xfrm>
+        </p:grpSpPr>
+        <p:cxnSp>
+          <p:nvCxnSpPr>
+            <p:cNvPr id="17" name="Straight Connector 16"/>
+            <p:cNvCxnSpPr/>
+            <p:nvPr/>
+          </p:nvCxnSpPr>
+          <p:spPr>
+            <a:xfrm flipV="1">
+              <a:off x="5130830" y="4175605"/>
+              <a:ext cx="4022475" cy="2682396"/>
+            </a:xfrm>
+            <a:prstGeom prst="line">
+              <a:avLst/>
+            </a:prstGeom>
+            <a:ln w="9525">
+              <a:solidFill>
+                <a:schemeClr val="bg1">
+                  <a:lumMod val="85000"/>
+                </a:schemeClr>
+              </a:solidFill>
+            </a:ln>
+          </p:spPr>
+          <p:style>
+            <a:lnRef idx="2">
+              <a:schemeClr val="accent1"/>
+            </a:lnRef>
+            <a:fillRef idx="0">
+              <a:schemeClr val="accent1"/>
+            </a:fillRef>
+            <a:effectRef idx="1">
+              <a:schemeClr val="accent1"/>
+            </a:effectRef>
+            <a:fontRef idx="minor">
+              <a:schemeClr val="tx1"/>
+            </a:fontRef>
+          </p:style>
+        </p:cxnSp>
+        <p:cxnSp>
+          <p:nvCxnSpPr>
+            <p:cNvPr id="18" name="Straight Connector 17"/>
+            <p:cNvCxnSpPr/>
+            <p:nvPr/>
+          </p:nvCxnSpPr>
+          <p:spPr>
+            <a:xfrm>
+              <a:off x="7042707" y="0"/>
+              <a:ext cx="1219200" cy="6858000"/>
+            </a:xfrm>
+            <a:prstGeom prst="line">
+              <a:avLst/>
+            </a:prstGeom>
+            <a:ln w="9525">
+              <a:solidFill>
+                <a:schemeClr val="bg1">
+                  <a:lumMod val="75000"/>
+                </a:schemeClr>
+              </a:solidFill>
+            </a:ln>
+          </p:spPr>
+          <p:style>
+            <a:lnRef idx="2">
+              <a:schemeClr val="accent1"/>
+            </a:lnRef>
+            <a:fillRef idx="0">
+              <a:schemeClr val="accent1"/>
+            </a:fillRef>
+            <a:effectRef idx="1">
+              <a:schemeClr val="accent1"/>
+            </a:effectRef>
+            <a:fontRef idx="minor">
+              <a:schemeClr val="tx1"/>
+            </a:fontRef>
+          </p:style>
+        </p:cxnSp>
+        <p:sp>
+          <p:nvSpPr>
+            <p:cNvPr id="19" name="Freeform 18"/>
+            <p:cNvSpPr/>
+            <p:nvPr/>
+          </p:nvSpPr>
+          <p:spPr>
+            <a:xfrm>
+              <a:off x="6891896" y="1"/>
+              <a:ext cx="2269442" cy="6866466"/>
+            </a:xfrm>
+            <a:custGeom>
+              <a:avLst/>
+              <a:gdLst/>
+              <a:ahLst/>
+              <a:cxnLst/>
+              <a:rect l="l" t="t" r="r" b="b"/>
+              <a:pathLst>
+                <a:path w="2269442" h="6866466">
+                  <a:moveTo>
+                    <a:pt x="2023534" y="0"/>
+                  </a:moveTo>
+                  <a:lnTo>
+                    <a:pt x="0" y="6858000"/>
+                  </a:lnTo>
+                  <a:lnTo>
+                    <a:pt x="2269067" y="6866466"/>
+                  </a:lnTo>
+                  <a:cubicBezTo>
+                    <a:pt x="2271889" y="4580466"/>
+                    <a:pt x="2257778" y="2294466"/>
+                    <a:pt x="2260600" y="8466"/>
+                  </a:cubicBezTo>
+                  <a:lnTo>
+                    <a:pt x="2023534" y="0"/>
+                  </a:lnTo>
+                  <a:close/>
+                </a:path>
+              </a:pathLst>
+            </a:custGeom>
+            <a:solidFill>
+              <a:schemeClr val="accent1">
+                <a:alpha val="30000"/>
+              </a:schemeClr>
+            </a:solidFill>
+            <a:ln>
+              <a:noFill/>
+            </a:ln>
+            <a:effectLst/>
+          </p:spPr>
+          <p:style>
+            <a:lnRef idx="1">
+              <a:schemeClr val="accent1"/>
+            </a:lnRef>
+            <a:fillRef idx="3">
+              <a:schemeClr val="accent1"/>
+            </a:fillRef>
+            <a:effectRef idx="2">
+              <a:schemeClr val="accent1"/>
+            </a:effectRef>
+            <a:fontRef idx="minor">
+              <a:schemeClr val="lt1"/>
+            </a:fontRef>
+          </p:style>
+        </p:sp>
+        <p:sp>
+          <p:nvSpPr>
+            <p:cNvPr id="20" name="Freeform 19"/>
+            <p:cNvSpPr/>
+            <p:nvPr/>
+          </p:nvSpPr>
+          <p:spPr>
+            <a:xfrm>
+              <a:off x="7205158" y="-8467"/>
+              <a:ext cx="1948147" cy="6866467"/>
+            </a:xfrm>
+            <a:custGeom>
+              <a:avLst/>
+              <a:gdLst/>
+              <a:ahLst/>
+              <a:cxnLst/>
+              <a:rect l="l" t="t" r="r" b="b"/>
+              <a:pathLst>
+                <a:path w="1948147" h="6866467">
+                  <a:moveTo>
+                    <a:pt x="0" y="0"/>
+                  </a:moveTo>
+                  <a:lnTo>
+                    <a:pt x="1202267" y="6866467"/>
+                  </a:lnTo>
+                  <a:lnTo>
+                    <a:pt x="1947333" y="6866467"/>
+                  </a:lnTo>
+                  <a:cubicBezTo>
+                    <a:pt x="1944511" y="4577645"/>
+                    <a:pt x="1950155" y="2288822"/>
+                    <a:pt x="1947333" y="0"/>
+                  </a:cubicBezTo>
+                  <a:lnTo>
+                    <a:pt x="0" y="0"/>
+                  </a:lnTo>
+                  <a:close/>
+                </a:path>
+              </a:pathLst>
+            </a:custGeom>
+            <a:solidFill>
+              <a:schemeClr val="accent1">
+                <a:alpha val="20000"/>
+              </a:schemeClr>
+            </a:solidFill>
+            <a:ln>
+              <a:noFill/>
+            </a:ln>
+            <a:effectLst/>
+          </p:spPr>
+          <p:style>
+            <a:lnRef idx="1">
+              <a:schemeClr val="accent1"/>
+            </a:lnRef>
+            <a:fillRef idx="3">
+              <a:schemeClr val="accent1"/>
+            </a:fillRef>
+            <a:effectRef idx="2">
+              <a:schemeClr val="accent1"/>
+            </a:effectRef>
+            <a:fontRef idx="minor">
+              <a:schemeClr val="lt1"/>
+            </a:fontRef>
+          </p:style>
+        </p:sp>
+        <p:sp>
+          <p:nvSpPr>
+            <p:cNvPr id="21" name="Freeform 20"/>
+            <p:cNvSpPr/>
+            <p:nvPr/>
+          </p:nvSpPr>
+          <p:spPr>
+            <a:xfrm>
+              <a:off x="6637896" y="3920066"/>
+              <a:ext cx="2513565" cy="2937933"/>
+            </a:xfrm>
+            <a:custGeom>
+              <a:avLst/>
+              <a:gdLst/>
+              <a:ahLst/>
+              <a:cxnLst/>
+              <a:rect l="l" t="t" r="r" b="b"/>
+              <a:pathLst>
+                <a:path w="3259667" h="3810000">
+                  <a:moveTo>
+                    <a:pt x="0" y="3810000"/>
+                  </a:moveTo>
+                  <a:lnTo>
+                    <a:pt x="3251200" y="0"/>
+                  </a:lnTo>
+                  <a:cubicBezTo>
+                    <a:pt x="3254022" y="1270000"/>
+                    <a:pt x="3256845" y="2540000"/>
+                    <a:pt x="3259667" y="3810000"/>
+                  </a:cubicBezTo>
+                  <a:lnTo>
+                    <a:pt x="0" y="3810000"/>
+                  </a:lnTo>
+                  <a:close/>
+                </a:path>
+              </a:pathLst>
+            </a:custGeom>
+            <a:solidFill>
+              <a:schemeClr val="accent2">
+                <a:alpha val="72000"/>
+              </a:schemeClr>
+            </a:solidFill>
+            <a:ln>
+              <a:noFill/>
+            </a:ln>
+            <a:effectLst/>
+          </p:spPr>
+          <p:style>
+            <a:lnRef idx="1">
+              <a:schemeClr val="accent1"/>
+            </a:lnRef>
+            <a:fillRef idx="3">
+              <a:schemeClr val="accent1"/>
+            </a:fillRef>
+            <a:effectRef idx="2">
+              <a:schemeClr val="accent1"/>
+            </a:effectRef>
+            <a:fontRef idx="minor">
+              <a:schemeClr val="lt1"/>
+            </a:fontRef>
+          </p:style>
+        </p:sp>
+        <p:sp>
+          <p:nvSpPr>
+            <p:cNvPr id="22" name="Freeform 21"/>
+            <p:cNvSpPr/>
+            <p:nvPr/>
+          </p:nvSpPr>
+          <p:spPr>
+            <a:xfrm>
+              <a:off x="7010429" y="-8467"/>
+              <a:ext cx="2142876" cy="6866467"/>
+            </a:xfrm>
+            <a:custGeom>
+              <a:avLst/>
+              <a:gdLst/>
+              <a:ahLst/>
+              <a:cxnLst/>
+              <a:rect l="l" t="t" r="r" b="b"/>
+              <a:pathLst>
+                <a:path w="2853267" h="6866467">
+                  <a:moveTo>
+                    <a:pt x="0" y="0"/>
+                  </a:moveTo>
+                  <a:lnTo>
+                    <a:pt x="2472267" y="6866467"/>
+                  </a:lnTo>
+                  <a:lnTo>
+                    <a:pt x="2853267" y="6858000"/>
+                  </a:lnTo>
+                  <a:lnTo>
+                    <a:pt x="2853267" y="0"/>
+                  </a:lnTo>
+                  <a:lnTo>
+                    <a:pt x="0" y="0"/>
+                  </a:lnTo>
+                  <a:close/>
+                </a:path>
+              </a:pathLst>
+            </a:custGeom>
+            <a:solidFill>
+              <a:schemeClr val="accent2">
+                <a:lumMod val="75000"/>
+                <a:alpha val="70000"/>
+              </a:schemeClr>
+            </a:solidFill>
+            <a:ln>
+              <a:noFill/>
+            </a:ln>
+            <a:effectLst/>
+          </p:spPr>
+          <p:style>
+            <a:lnRef idx="1">
+              <a:schemeClr val="accent1"/>
+            </a:lnRef>
+            <a:fillRef idx="3">
+              <a:schemeClr val="accent1"/>
+            </a:fillRef>
+            <a:effectRef idx="2">
+              <a:schemeClr val="accent1"/>
+            </a:effectRef>
+            <a:fontRef idx="minor">
+              <a:schemeClr val="lt1"/>
+            </a:fontRef>
+          </p:style>
+        </p:sp>
+        <p:sp>
+          <p:nvSpPr>
+            <p:cNvPr id="23" name="Freeform 22"/>
+            <p:cNvSpPr/>
+            <p:nvPr/>
+          </p:nvSpPr>
+          <p:spPr>
+            <a:xfrm>
+              <a:off x="8295776" y="-8467"/>
+              <a:ext cx="857530" cy="6866467"/>
+            </a:xfrm>
+            <a:custGeom>
+              <a:avLst/>
+              <a:gdLst/>
+              <a:ahLst/>
+              <a:cxnLst/>
+              <a:rect l="l" t="t" r="r" b="b"/>
+              <a:pathLst>
+                <a:path w="1286933" h="6866467">
+                  <a:moveTo>
+                    <a:pt x="1016000" y="0"/>
+                  </a:moveTo>
+                  <a:lnTo>
+                    <a:pt x="0" y="6866467"/>
+                  </a:lnTo>
+                  <a:lnTo>
+                    <a:pt x="1286933" y="6866467"/>
+                  </a:lnTo>
+                  <a:cubicBezTo>
+                    <a:pt x="1284111" y="4577645"/>
+                    <a:pt x="1281288" y="2288822"/>
+                    <a:pt x="1278466" y="0"/>
+                  </a:cubicBezTo>
+                  <a:lnTo>
+                    <a:pt x="1016000" y="0"/>
+                  </a:lnTo>
+                  <a:close/>
+                </a:path>
+              </a:pathLst>
+            </a:custGeom>
+            <a:solidFill>
+              <a:schemeClr val="accent1">
+                <a:lumMod val="60000"/>
+                <a:lumOff val="40000"/>
+                <a:alpha val="70000"/>
+              </a:schemeClr>
+            </a:solidFill>
+            <a:ln>
+              <a:noFill/>
+            </a:ln>
+            <a:effectLst/>
+          </p:spPr>
+          <p:style>
+            <a:lnRef idx="1">
+              <a:schemeClr val="accent1"/>
+            </a:lnRef>
+            <a:fillRef idx="3">
+              <a:schemeClr val="accent1"/>
+            </a:fillRef>
+            <a:effectRef idx="2">
+              <a:schemeClr val="accent1"/>
+            </a:effectRef>
+            <a:fontRef idx="minor">
+              <a:schemeClr val="lt1"/>
+            </a:fontRef>
+          </p:style>
+        </p:sp>
+        <p:sp>
+          <p:nvSpPr>
+            <p:cNvPr id="24" name="Freeform 23"/>
+            <p:cNvSpPr/>
+            <p:nvPr/>
+          </p:nvSpPr>
+          <p:spPr>
+            <a:xfrm>
+              <a:off x="8077231" y="-8468"/>
+              <a:ext cx="1066770" cy="6866467"/>
+            </a:xfrm>
+            <a:custGeom>
+              <a:avLst/>
+              <a:gdLst/>
+              <a:ahLst/>
+              <a:cxnLst/>
+              <a:rect l="l" t="t" r="r" b="b"/>
+              <a:pathLst>
+                <a:path w="1270244" h="6866467">
+                  <a:moveTo>
+                    <a:pt x="0" y="0"/>
+                  </a:moveTo>
+                  <a:lnTo>
+                    <a:pt x="1117600" y="6866467"/>
+                  </a:lnTo>
+                  <a:lnTo>
+                    <a:pt x="1270000" y="6866467"/>
+                  </a:lnTo>
+                  <a:cubicBezTo>
+                    <a:pt x="1272822" y="4574822"/>
+                    <a:pt x="1250245" y="2291645"/>
+                    <a:pt x="1253067" y="0"/>
+                  </a:cubicBezTo>
+                  <a:lnTo>
+                    <a:pt x="0" y="0"/>
+                  </a:lnTo>
+                  <a:close/>
+                </a:path>
+              </a:pathLst>
+            </a:custGeom>
+            <a:solidFill>
+              <a:schemeClr val="accent1">
+                <a:alpha val="65000"/>
+              </a:schemeClr>
+            </a:solidFill>
+            <a:ln>
+              <a:noFill/>
+            </a:ln>
+            <a:effectLst/>
+          </p:spPr>
+          <p:style>
+            <a:lnRef idx="1">
+              <a:schemeClr val="accent1"/>
+            </a:lnRef>
+            <a:fillRef idx="3">
+              <a:schemeClr val="accent1"/>
+            </a:fillRef>
+            <a:effectRef idx="2">
+              <a:schemeClr val="accent1"/>
+            </a:effectRef>
+            <a:fontRef idx="minor">
+              <a:schemeClr val="lt1"/>
+            </a:fontRef>
+          </p:style>
+        </p:sp>
+        <p:sp>
+          <p:nvSpPr>
+            <p:cNvPr id="25" name="Freeform 24"/>
+            <p:cNvSpPr/>
+            <p:nvPr/>
+          </p:nvSpPr>
+          <p:spPr>
+            <a:xfrm>
+              <a:off x="8060297" y="4893733"/>
+              <a:ext cx="1094086" cy="1964267"/>
+            </a:xfrm>
+            <a:custGeom>
+              <a:avLst/>
+              <a:gdLst/>
+              <a:ahLst/>
+              <a:cxnLst/>
+              <a:rect l="l" t="t" r="r" b="b"/>
+              <a:pathLst>
+                <a:path w="1820333" h="3268133">
+                  <a:moveTo>
+                    <a:pt x="0" y="3268133"/>
+                  </a:moveTo>
+                  <a:lnTo>
+                    <a:pt x="1811866" y="0"/>
+                  </a:lnTo>
+                  <a:cubicBezTo>
+                    <a:pt x="1814688" y="1086555"/>
+                    <a:pt x="1817511" y="2173111"/>
+                    <a:pt x="1820333" y="3259666"/>
+                  </a:cubicBezTo>
+                  <a:lnTo>
+                    <a:pt x="0" y="3268133"/>
+                  </a:lnTo>
+                  <a:close/>
+                </a:path>
+              </a:pathLst>
+            </a:custGeom>
+            <a:solidFill>
+              <a:schemeClr val="accent1">
+                <a:alpha val="80000"/>
+              </a:schemeClr>
+            </a:solidFill>
+            <a:ln>
+              <a:noFill/>
+            </a:ln>
+            <a:effectLst/>
+          </p:spPr>
+          <p:style>
+            <a:lnRef idx="1">
+              <a:schemeClr val="accent1"/>
+            </a:lnRef>
+            <a:fillRef idx="3">
+              <a:schemeClr val="accent1"/>
+            </a:fillRef>
+            <a:effectRef idx="2">
+              <a:schemeClr val="accent1"/>
+            </a:effectRef>
+            <a:fontRef idx="minor">
+              <a:schemeClr val="lt1"/>
+            </a:fontRef>
+          </p:style>
+        </p:sp>
+        <p:sp>
+          <p:nvSpPr>
+            <p:cNvPr id="28" name="Freeform 27"/>
+            <p:cNvSpPr/>
+            <p:nvPr/>
+          </p:nvSpPr>
+          <p:spPr>
+            <a:xfrm>
+              <a:off x="-8466" y="-8468"/>
+              <a:ext cx="863600" cy="5698067"/>
+            </a:xfrm>
+            <a:custGeom>
+              <a:avLst/>
+              <a:gdLst/>
+              <a:ahLst/>
+              <a:cxnLst/>
+              <a:rect l="l" t="t" r="r" b="b"/>
+              <a:pathLst>
+                <a:path w="863600" h="5698067">
+                  <a:moveTo>
+                    <a:pt x="0" y="8467"/>
+                  </a:moveTo>
+                  <a:lnTo>
+                    <a:pt x="863600" y="0"/>
+                  </a:lnTo>
+                  <a:lnTo>
+                    <a:pt x="863600" y="16934"/>
+                  </a:lnTo>
+                  <a:lnTo>
+                    <a:pt x="0" y="5698067"/>
+                  </a:lnTo>
+                  <a:lnTo>
+                    <a:pt x="0" y="8467"/>
+                  </a:lnTo>
+                  <a:close/>
+                </a:path>
+              </a:pathLst>
+            </a:custGeom>
+            <a:solidFill>
+              <a:schemeClr val="accent1">
+                <a:alpha val="85000"/>
+              </a:schemeClr>
+            </a:solidFill>
+            <a:ln>
+              <a:noFill/>
+            </a:ln>
+            <a:effectLst/>
+          </p:spPr>
+          <p:style>
+            <a:lnRef idx="1">
+              <a:schemeClr val="accent1"/>
+            </a:lnRef>
+            <a:fillRef idx="3">
+              <a:schemeClr val="accent1"/>
+            </a:fillRef>
+            <a:effectRef idx="2">
+              <a:schemeClr val="accent1"/>
+            </a:effectRef>
+            <a:fontRef idx="minor">
+              <a:schemeClr val="lt1"/>
+            </a:fontRef>
+          </p:style>
+        </p:sp>
+      </p:grpSp>
+      <p:sp>
+        <p:nvSpPr>
+          <p:cNvPr id="2" name="Title 1"/>
           <p:cNvSpPr>
             <a:spLocks noGrp="1"/>
           </p:cNvSpPr>
@@ -664,25 +1282,35 @@
         </p:nvSpPr>
         <p:spPr>
           <a:xfrm>
-            <a:off x="685800" y="2130425"/>
-            <a:ext cx="7772400" cy="1470025"/>
+            <a:off x="1130595" y="2404534"/>
+            <a:ext cx="5826719" cy="1646302"/>
           </a:xfrm>
         </p:spPr>
         <p:txBody>
-          <a:bodyPr/>
-          <a:lstStyle/>
+          <a:bodyPr anchor="b">
+            <a:noAutofit/>
+          </a:bodyPr>
+          <a:lstStyle>
+            <a:lvl1pPr algn="r">
+              <a:defRPr sz="5400">
+                <a:solidFill>
+                  <a:schemeClr val="accent1"/>
+                </a:solidFill>
+              </a:defRPr>
+            </a:lvl1pPr>
+          </a:lstStyle>
           <a:p>
             <a:r>
               <a:rPr lang="zh-CN" altLang="en-US" smtClean="0"/>
               <a:t>单击此处编辑母版标题样式</a:t>
             </a:r>
-            <a:endParaRPr lang="zh-CN" altLang="en-US"/>
-          </a:p>
-        </p:txBody>
-      </p:sp>
-      <p:sp>
-        <p:nvSpPr>
-          <p:cNvPr id="3" name="副标题 2"/>
+            <a:endParaRPr lang="en-US" dirty="0"/>
+          </a:p>
+        </p:txBody>
+      </p:sp>
+      <p:sp>
+        <p:nvSpPr>
+          <p:cNvPr id="3" name="Subtitle 2"/>
           <p:cNvSpPr>
             <a:spLocks noGrp="1"/>
           </p:cNvSpPr>
@@ -692,19 +1320,20 @@
         </p:nvSpPr>
         <p:spPr>
           <a:xfrm>
-            <a:off x="1371600" y="3886200"/>
-            <a:ext cx="6400800" cy="1752600"/>
+            <a:off x="1130595" y="4050834"/>
+            <a:ext cx="5826719" cy="1096899"/>
           </a:xfrm>
         </p:spPr>
         <p:txBody>
-          <a:bodyPr/>
+          <a:bodyPr anchor="t"/>
           <a:lstStyle>
-            <a:lvl1pPr marL="0" indent="0" algn="ctr">
+            <a:lvl1pPr marL="0" indent="0" algn="r">
               <a:buNone/>
               <a:defRPr>
                 <a:solidFill>
                   <a:schemeClr val="tx1">
-                    <a:tint val="75000"/>
+                    <a:lumMod val="50000"/>
+                    <a:lumOff val="50000"/>
                   </a:schemeClr>
                 </a:solidFill>
               </a:defRPr>
@@ -795,13 +1424,13 @@
               <a:rPr lang="zh-CN" altLang="en-US" smtClean="0"/>
               <a:t>单击此处编辑母版副标题样式</a:t>
             </a:r>
-            <a:endParaRPr lang="zh-CN" altLang="en-US"/>
-          </a:p>
-        </p:txBody>
-      </p:sp>
-      <p:sp>
-        <p:nvSpPr>
-          <p:cNvPr id="4" name="日期占位符 3"/>
+            <a:endParaRPr lang="en-US" dirty="0"/>
+          </a:p>
+        </p:txBody>
+      </p:sp>
+      <p:sp>
+        <p:nvSpPr>
+          <p:cNvPr id="4" name="Date Placeholder 3"/>
           <p:cNvSpPr>
             <a:spLocks noGrp="1"/>
           </p:cNvSpPr>
@@ -824,7 +1453,7 @@
       </p:sp>
       <p:sp>
         <p:nvSpPr>
-          <p:cNvPr id="5" name="页脚占位符 4"/>
+          <p:cNvPr id="5" name="Footer Placeholder 4"/>
           <p:cNvSpPr>
             <a:spLocks noGrp="1"/>
           </p:cNvSpPr>
@@ -843,7 +1472,7 @@
       </p:sp>
       <p:sp>
         <p:nvSpPr>
-          <p:cNvPr id="6" name="灯片编号占位符 5"/>
+          <p:cNvPr id="6" name="Slide Number Placeholder 5"/>
           <p:cNvSpPr>
             <a:spLocks noGrp="1"/>
           </p:cNvSpPr>
@@ -867,7 +1496,7 @@
     </p:spTree>
     <p:extLst>
       <p:ext uri="{BB962C8B-B14F-4D97-AF65-F5344CB8AC3E}">
-        <p14:creationId xmlns:p14="http://schemas.microsoft.com/office/powerpoint/2010/main" val="1096988444"/>
+        <p14:creationId xmlns:p14="http://schemas.microsoft.com/office/powerpoint/2010/main" val="22853046"/>
       </p:ext>
     </p:extLst>
   </p:cSld>
@@ -878,6 +1507,1611 @@
 </file>
 
 <file path=ppt/slideLayouts/slideLayout10.xml><?xml version="1.0" encoding="utf-8"?>
+<p:sldLayout xmlns:a="http://schemas.openxmlformats.org/drawingml/2006/main" xmlns:r="http://schemas.openxmlformats.org/officeDocument/2006/relationships" xmlns:p="http://schemas.openxmlformats.org/presentationml/2006/main" preserve="1">
+  <p:cSld name="标题和描述">
+    <p:spTree>
+      <p:nvGrpSpPr>
+        <p:cNvPr id="1" name=""/>
+        <p:cNvGrpSpPr/>
+        <p:nvPr/>
+      </p:nvGrpSpPr>
+      <p:grpSpPr>
+        <a:xfrm>
+          <a:off x="0" y="0"/>
+          <a:ext cx="0" cy="0"/>
+          <a:chOff x="0" y="0"/>
+          <a:chExt cx="0" cy="0"/>
+        </a:xfrm>
+      </p:grpSpPr>
+      <p:sp>
+        <p:nvSpPr>
+          <p:cNvPr id="2" name="Title 1"/>
+          <p:cNvSpPr>
+            <a:spLocks noGrp="1"/>
+          </p:cNvSpPr>
+          <p:nvPr>
+            <p:ph type="title"/>
+          </p:nvPr>
+        </p:nvSpPr>
+        <p:spPr>
+          <a:xfrm>
+            <a:off x="609600" y="609600"/>
+            <a:ext cx="6347714" cy="3403600"/>
+          </a:xfrm>
+        </p:spPr>
+        <p:txBody>
+          <a:bodyPr anchor="ctr">
+            <a:normAutofit/>
+          </a:bodyPr>
+          <a:lstStyle>
+            <a:lvl1pPr algn="l">
+              <a:defRPr sz="4400" b="0" cap="none"/>
+            </a:lvl1pPr>
+          </a:lstStyle>
+          <a:p>
+            <a:r>
+              <a:rPr lang="zh-CN" altLang="en-US" smtClean="0"/>
+              <a:t>单击此处编辑母版标题样式</a:t>
+            </a:r>
+            <a:endParaRPr lang="en-US" dirty="0"/>
+          </a:p>
+        </p:txBody>
+      </p:sp>
+      <p:sp>
+        <p:nvSpPr>
+          <p:cNvPr id="3" name="Text Placeholder 2"/>
+          <p:cNvSpPr>
+            <a:spLocks noGrp="1"/>
+          </p:cNvSpPr>
+          <p:nvPr>
+            <p:ph type="body" idx="1"/>
+          </p:nvPr>
+        </p:nvSpPr>
+        <p:spPr>
+          <a:xfrm>
+            <a:off x="609600" y="4470400"/>
+            <a:ext cx="6347714" cy="1570962"/>
+          </a:xfrm>
+        </p:spPr>
+        <p:txBody>
+          <a:bodyPr anchor="ctr">
+            <a:normAutofit/>
+          </a:bodyPr>
+          <a:lstStyle>
+            <a:lvl1pPr marL="0" indent="0" algn="l">
+              <a:buNone/>
+              <a:defRPr sz="1800">
+                <a:solidFill>
+                  <a:schemeClr val="tx1">
+                    <a:lumMod val="75000"/>
+                    <a:lumOff val="25000"/>
+                  </a:schemeClr>
+                </a:solidFill>
+              </a:defRPr>
+            </a:lvl1pPr>
+            <a:lvl2pPr marL="457200" indent="0">
+              <a:buNone/>
+              <a:defRPr sz="1800">
+                <a:solidFill>
+                  <a:schemeClr val="tx1">
+                    <a:tint val="75000"/>
+                  </a:schemeClr>
+                </a:solidFill>
+              </a:defRPr>
+            </a:lvl2pPr>
+            <a:lvl3pPr marL="914400" indent="0">
+              <a:buNone/>
+              <a:defRPr sz="1600">
+                <a:solidFill>
+                  <a:schemeClr val="tx1">
+                    <a:tint val="75000"/>
+                  </a:schemeClr>
+                </a:solidFill>
+              </a:defRPr>
+            </a:lvl3pPr>
+            <a:lvl4pPr marL="1371600" indent="0">
+              <a:buNone/>
+              <a:defRPr sz="1400">
+                <a:solidFill>
+                  <a:schemeClr val="tx1">
+                    <a:tint val="75000"/>
+                  </a:schemeClr>
+                </a:solidFill>
+              </a:defRPr>
+            </a:lvl4pPr>
+            <a:lvl5pPr marL="1828800" indent="0">
+              <a:buNone/>
+              <a:defRPr sz="1400">
+                <a:solidFill>
+                  <a:schemeClr val="tx1">
+                    <a:tint val="75000"/>
+                  </a:schemeClr>
+                </a:solidFill>
+              </a:defRPr>
+            </a:lvl5pPr>
+            <a:lvl6pPr marL="2286000" indent="0">
+              <a:buNone/>
+              <a:defRPr sz="1400">
+                <a:solidFill>
+                  <a:schemeClr val="tx1">
+                    <a:tint val="75000"/>
+                  </a:schemeClr>
+                </a:solidFill>
+              </a:defRPr>
+            </a:lvl6pPr>
+            <a:lvl7pPr marL="2743200" indent="0">
+              <a:buNone/>
+              <a:defRPr sz="1400">
+                <a:solidFill>
+                  <a:schemeClr val="tx1">
+                    <a:tint val="75000"/>
+                  </a:schemeClr>
+                </a:solidFill>
+              </a:defRPr>
+            </a:lvl7pPr>
+            <a:lvl8pPr marL="3200400" indent="0">
+              <a:buNone/>
+              <a:defRPr sz="1400">
+                <a:solidFill>
+                  <a:schemeClr val="tx1">
+                    <a:tint val="75000"/>
+                  </a:schemeClr>
+                </a:solidFill>
+              </a:defRPr>
+            </a:lvl8pPr>
+            <a:lvl9pPr marL="3657600" indent="0">
+              <a:buNone/>
+              <a:defRPr sz="1400">
+                <a:solidFill>
+                  <a:schemeClr val="tx1">
+                    <a:tint val="75000"/>
+                  </a:schemeClr>
+                </a:solidFill>
+              </a:defRPr>
+            </a:lvl9pPr>
+          </a:lstStyle>
+          <a:p>
+            <a:pPr lvl="0"/>
+            <a:r>
+              <a:rPr lang="zh-CN" altLang="en-US" smtClean="0"/>
+              <a:t>单击此处编辑母版文本样式</a:t>
+            </a:r>
+          </a:p>
+        </p:txBody>
+      </p:sp>
+      <p:sp>
+        <p:nvSpPr>
+          <p:cNvPr id="4" name="Date Placeholder 3"/>
+          <p:cNvSpPr>
+            <a:spLocks noGrp="1"/>
+          </p:cNvSpPr>
+          <p:nvPr>
+            <p:ph type="dt" sz="half" idx="10"/>
+          </p:nvPr>
+        </p:nvSpPr>
+        <p:spPr/>
+        <p:txBody>
+          <a:bodyPr/>
+          <a:lstStyle/>
+          <a:p>
+            <a:fld id="{F1C92752-C3AA-4A5A-8540-7D075EE62FAD}" type="datetimeFigureOut">
+              <a:rPr lang="zh-CN" altLang="en-US" smtClean="0"/>
+              <a:t>2017/9/13</a:t>
+            </a:fld>
+            <a:endParaRPr lang="zh-CN" altLang="en-US"/>
+          </a:p>
+        </p:txBody>
+      </p:sp>
+      <p:sp>
+        <p:nvSpPr>
+          <p:cNvPr id="5" name="Footer Placeholder 4"/>
+          <p:cNvSpPr>
+            <a:spLocks noGrp="1"/>
+          </p:cNvSpPr>
+          <p:nvPr>
+            <p:ph type="ftr" sz="quarter" idx="11"/>
+          </p:nvPr>
+        </p:nvSpPr>
+        <p:spPr/>
+        <p:txBody>
+          <a:bodyPr/>
+          <a:lstStyle/>
+          <a:p>
+            <a:endParaRPr lang="zh-CN" altLang="en-US"/>
+          </a:p>
+        </p:txBody>
+      </p:sp>
+      <p:sp>
+        <p:nvSpPr>
+          <p:cNvPr id="6" name="Slide Number Placeholder 5"/>
+          <p:cNvSpPr>
+            <a:spLocks noGrp="1"/>
+          </p:cNvSpPr>
+          <p:nvPr>
+            <p:ph type="sldNum" sz="quarter" idx="12"/>
+          </p:nvPr>
+        </p:nvSpPr>
+        <p:spPr/>
+        <p:txBody>
+          <a:bodyPr/>
+          <a:lstStyle/>
+          <a:p>
+            <a:fld id="{1B948B72-432E-4841-A94A-8C040C98AB27}" type="slidenum">
+              <a:rPr lang="zh-CN" altLang="en-US" smtClean="0"/>
+              <a:t>‹#›</a:t>
+            </a:fld>
+            <a:endParaRPr lang="zh-CN" altLang="en-US"/>
+          </a:p>
+        </p:txBody>
+      </p:sp>
+    </p:spTree>
+    <p:extLst>
+      <p:ext uri="{BB962C8B-B14F-4D97-AF65-F5344CB8AC3E}">
+        <p14:creationId xmlns:p14="http://schemas.microsoft.com/office/powerpoint/2010/main" val="3531969355"/>
+      </p:ext>
+    </p:extLst>
+  </p:cSld>
+  <p:clrMapOvr>
+    <a:masterClrMapping/>
+  </p:clrMapOvr>
+</p:sldLayout>
+</file>
+
+<file path=ppt/slideLayouts/slideLayout11.xml><?xml version="1.0" encoding="utf-8"?>
+<p:sldLayout xmlns:a="http://schemas.openxmlformats.org/drawingml/2006/main" xmlns:r="http://schemas.openxmlformats.org/officeDocument/2006/relationships" xmlns:p="http://schemas.openxmlformats.org/presentationml/2006/main" preserve="1">
+  <p:cSld name="带描述的引言">
+    <p:spTree>
+      <p:nvGrpSpPr>
+        <p:cNvPr id="1" name=""/>
+        <p:cNvGrpSpPr/>
+        <p:nvPr/>
+      </p:nvGrpSpPr>
+      <p:grpSpPr>
+        <a:xfrm>
+          <a:off x="0" y="0"/>
+          <a:ext cx="0" cy="0"/>
+          <a:chOff x="0" y="0"/>
+          <a:chExt cx="0" cy="0"/>
+        </a:xfrm>
+      </p:grpSpPr>
+      <p:sp>
+        <p:nvSpPr>
+          <p:cNvPr id="2" name="Title 1"/>
+          <p:cNvSpPr>
+            <a:spLocks noGrp="1"/>
+          </p:cNvSpPr>
+          <p:nvPr>
+            <p:ph type="title"/>
+          </p:nvPr>
+        </p:nvSpPr>
+        <p:spPr>
+          <a:xfrm>
+            <a:off x="774885" y="609600"/>
+            <a:ext cx="6072182" cy="3022600"/>
+          </a:xfrm>
+        </p:spPr>
+        <p:txBody>
+          <a:bodyPr anchor="ctr">
+            <a:normAutofit/>
+          </a:bodyPr>
+          <a:lstStyle>
+            <a:lvl1pPr algn="l">
+              <a:defRPr sz="4400" b="0" cap="none"/>
+            </a:lvl1pPr>
+          </a:lstStyle>
+          <a:p>
+            <a:r>
+              <a:rPr lang="zh-CN" altLang="en-US" smtClean="0"/>
+              <a:t>单击此处编辑母版标题样式</a:t>
+            </a:r>
+            <a:endParaRPr lang="en-US" dirty="0"/>
+          </a:p>
+        </p:txBody>
+      </p:sp>
+      <p:sp>
+        <p:nvSpPr>
+          <p:cNvPr id="23" name="Text Placeholder 9"/>
+          <p:cNvSpPr>
+            <a:spLocks noGrp="1"/>
+          </p:cNvSpPr>
+          <p:nvPr>
+            <p:ph type="body" sz="quarter" idx="13"/>
+          </p:nvPr>
+        </p:nvSpPr>
+        <p:spPr>
+          <a:xfrm>
+            <a:off x="1101074" y="3632200"/>
+            <a:ext cx="5419804" cy="381000"/>
+          </a:xfrm>
+        </p:spPr>
+        <p:txBody>
+          <a:bodyPr anchor="ctr">
+            <a:noAutofit/>
+          </a:bodyPr>
+          <a:lstStyle>
+            <a:lvl1pPr marL="0" indent="0">
+              <a:buFontTx/>
+              <a:buNone/>
+              <a:defRPr sz="1600">
+                <a:solidFill>
+                  <a:schemeClr val="tx1">
+                    <a:lumMod val="50000"/>
+                    <a:lumOff val="50000"/>
+                  </a:schemeClr>
+                </a:solidFill>
+              </a:defRPr>
+            </a:lvl1pPr>
+            <a:lvl2pPr marL="457200" indent="0">
+              <a:buFontTx/>
+              <a:buNone/>
+              <a:defRPr/>
+            </a:lvl2pPr>
+            <a:lvl3pPr marL="914400" indent="0">
+              <a:buFontTx/>
+              <a:buNone/>
+              <a:defRPr/>
+            </a:lvl3pPr>
+            <a:lvl4pPr marL="1371600" indent="0">
+              <a:buFontTx/>
+              <a:buNone/>
+              <a:defRPr/>
+            </a:lvl4pPr>
+            <a:lvl5pPr marL="1828800" indent="0">
+              <a:buFontTx/>
+              <a:buNone/>
+              <a:defRPr/>
+            </a:lvl5pPr>
+          </a:lstStyle>
+          <a:p>
+            <a:pPr lvl="0"/>
+            <a:r>
+              <a:rPr lang="zh-CN" altLang="en-US" smtClean="0"/>
+              <a:t>单击此处编辑母版文本样式</a:t>
+            </a:r>
+          </a:p>
+        </p:txBody>
+      </p:sp>
+      <p:sp>
+        <p:nvSpPr>
+          <p:cNvPr id="3" name="Text Placeholder 2"/>
+          <p:cNvSpPr>
+            <a:spLocks noGrp="1"/>
+          </p:cNvSpPr>
+          <p:nvPr>
+            <p:ph type="body" idx="1"/>
+          </p:nvPr>
+        </p:nvSpPr>
+        <p:spPr>
+          <a:xfrm>
+            <a:off x="609598" y="4470400"/>
+            <a:ext cx="6347715" cy="1570962"/>
+          </a:xfrm>
+        </p:spPr>
+        <p:txBody>
+          <a:bodyPr anchor="ctr">
+            <a:normAutofit/>
+          </a:bodyPr>
+          <a:lstStyle>
+            <a:lvl1pPr marL="0" indent="0" algn="l">
+              <a:buNone/>
+              <a:defRPr sz="1800">
+                <a:solidFill>
+                  <a:schemeClr val="tx1">
+                    <a:lumMod val="75000"/>
+                    <a:lumOff val="25000"/>
+                  </a:schemeClr>
+                </a:solidFill>
+              </a:defRPr>
+            </a:lvl1pPr>
+            <a:lvl2pPr marL="457200" indent="0">
+              <a:buNone/>
+              <a:defRPr sz="1800">
+                <a:solidFill>
+                  <a:schemeClr val="tx1">
+                    <a:tint val="75000"/>
+                  </a:schemeClr>
+                </a:solidFill>
+              </a:defRPr>
+            </a:lvl2pPr>
+            <a:lvl3pPr marL="914400" indent="0">
+              <a:buNone/>
+              <a:defRPr sz="1600">
+                <a:solidFill>
+                  <a:schemeClr val="tx1">
+                    <a:tint val="75000"/>
+                  </a:schemeClr>
+                </a:solidFill>
+              </a:defRPr>
+            </a:lvl3pPr>
+            <a:lvl4pPr marL="1371600" indent="0">
+              <a:buNone/>
+              <a:defRPr sz="1400">
+                <a:solidFill>
+                  <a:schemeClr val="tx1">
+                    <a:tint val="75000"/>
+                  </a:schemeClr>
+                </a:solidFill>
+              </a:defRPr>
+            </a:lvl4pPr>
+            <a:lvl5pPr marL="1828800" indent="0">
+              <a:buNone/>
+              <a:defRPr sz="1400">
+                <a:solidFill>
+                  <a:schemeClr val="tx1">
+                    <a:tint val="75000"/>
+                  </a:schemeClr>
+                </a:solidFill>
+              </a:defRPr>
+            </a:lvl5pPr>
+            <a:lvl6pPr marL="2286000" indent="0">
+              <a:buNone/>
+              <a:defRPr sz="1400">
+                <a:solidFill>
+                  <a:schemeClr val="tx1">
+                    <a:tint val="75000"/>
+                  </a:schemeClr>
+                </a:solidFill>
+              </a:defRPr>
+            </a:lvl6pPr>
+            <a:lvl7pPr marL="2743200" indent="0">
+              <a:buNone/>
+              <a:defRPr sz="1400">
+                <a:solidFill>
+                  <a:schemeClr val="tx1">
+                    <a:tint val="75000"/>
+                  </a:schemeClr>
+                </a:solidFill>
+              </a:defRPr>
+            </a:lvl7pPr>
+            <a:lvl8pPr marL="3200400" indent="0">
+              <a:buNone/>
+              <a:defRPr sz="1400">
+                <a:solidFill>
+                  <a:schemeClr val="tx1">
+                    <a:tint val="75000"/>
+                  </a:schemeClr>
+                </a:solidFill>
+              </a:defRPr>
+            </a:lvl8pPr>
+            <a:lvl9pPr marL="3657600" indent="0">
+              <a:buNone/>
+              <a:defRPr sz="1400">
+                <a:solidFill>
+                  <a:schemeClr val="tx1">
+                    <a:tint val="75000"/>
+                  </a:schemeClr>
+                </a:solidFill>
+              </a:defRPr>
+            </a:lvl9pPr>
+          </a:lstStyle>
+          <a:p>
+            <a:pPr lvl="0"/>
+            <a:r>
+              <a:rPr lang="zh-CN" altLang="en-US" smtClean="0"/>
+              <a:t>单击此处编辑母版文本样式</a:t>
+            </a:r>
+          </a:p>
+        </p:txBody>
+      </p:sp>
+      <p:sp>
+        <p:nvSpPr>
+          <p:cNvPr id="4" name="Date Placeholder 3"/>
+          <p:cNvSpPr>
+            <a:spLocks noGrp="1"/>
+          </p:cNvSpPr>
+          <p:nvPr>
+            <p:ph type="dt" sz="half" idx="10"/>
+          </p:nvPr>
+        </p:nvSpPr>
+        <p:spPr/>
+        <p:txBody>
+          <a:bodyPr/>
+          <a:lstStyle/>
+          <a:p>
+            <a:fld id="{F1C92752-C3AA-4A5A-8540-7D075EE62FAD}" type="datetimeFigureOut">
+              <a:rPr lang="zh-CN" altLang="en-US" smtClean="0"/>
+              <a:t>2017/9/13</a:t>
+            </a:fld>
+            <a:endParaRPr lang="zh-CN" altLang="en-US"/>
+          </a:p>
+        </p:txBody>
+      </p:sp>
+      <p:sp>
+        <p:nvSpPr>
+          <p:cNvPr id="5" name="Footer Placeholder 4"/>
+          <p:cNvSpPr>
+            <a:spLocks noGrp="1"/>
+          </p:cNvSpPr>
+          <p:nvPr>
+            <p:ph type="ftr" sz="quarter" idx="11"/>
+          </p:nvPr>
+        </p:nvSpPr>
+        <p:spPr/>
+        <p:txBody>
+          <a:bodyPr/>
+          <a:lstStyle/>
+          <a:p>
+            <a:endParaRPr lang="zh-CN" altLang="en-US"/>
+          </a:p>
+        </p:txBody>
+      </p:sp>
+      <p:sp>
+        <p:nvSpPr>
+          <p:cNvPr id="6" name="Slide Number Placeholder 5"/>
+          <p:cNvSpPr>
+            <a:spLocks noGrp="1"/>
+          </p:cNvSpPr>
+          <p:nvPr>
+            <p:ph type="sldNum" sz="quarter" idx="12"/>
+          </p:nvPr>
+        </p:nvSpPr>
+        <p:spPr/>
+        <p:txBody>
+          <a:bodyPr/>
+          <a:lstStyle/>
+          <a:p>
+            <a:fld id="{1B948B72-432E-4841-A94A-8C040C98AB27}" type="slidenum">
+              <a:rPr lang="zh-CN" altLang="en-US" smtClean="0"/>
+              <a:t>‹#›</a:t>
+            </a:fld>
+            <a:endParaRPr lang="zh-CN" altLang="en-US"/>
+          </a:p>
+        </p:txBody>
+      </p:sp>
+      <p:sp>
+        <p:nvSpPr>
+          <p:cNvPr id="24" name="TextBox 23"/>
+          <p:cNvSpPr txBox="1"/>
+          <p:nvPr/>
+        </p:nvSpPr>
+        <p:spPr>
+          <a:xfrm>
+            <a:off x="482711" y="790378"/>
+            <a:ext cx="457319" cy="584776"/>
+          </a:xfrm>
+          <a:prstGeom prst="rect">
+            <a:avLst/>
+          </a:prstGeom>
+        </p:spPr>
+        <p:txBody>
+          <a:bodyPr vert="horz" lIns="91440" tIns="45720" rIns="91440" bIns="45720" rtlCol="0" anchor="ctr">
+            <a:noAutofit/>
+          </a:bodyPr>
+          <a:lstStyle/>
+          <a:p>
+            <a:pPr lvl="0"/>
+            <a:r>
+              <a:rPr lang="en-US" sz="8000" baseline="0" dirty="0">
+                <a:ln w="3175" cmpd="sng">
+                  <a:noFill/>
+                </a:ln>
+                <a:solidFill>
+                  <a:schemeClr val="accent1">
+                    <a:lumMod val="60000"/>
+                    <a:lumOff val="40000"/>
+                  </a:schemeClr>
+                </a:solidFill>
+                <a:effectLst/>
+                <a:latin typeface="Arial"/>
+              </a:rPr>
+              <a:t>“</a:t>
+            </a:r>
+          </a:p>
+        </p:txBody>
+      </p:sp>
+      <p:sp>
+        <p:nvSpPr>
+          <p:cNvPr id="25" name="TextBox 24"/>
+          <p:cNvSpPr txBox="1"/>
+          <p:nvPr/>
+        </p:nvSpPr>
+        <p:spPr>
+          <a:xfrm>
+            <a:off x="6747699" y="2886556"/>
+            <a:ext cx="457319" cy="584776"/>
+          </a:xfrm>
+          <a:prstGeom prst="rect">
+            <a:avLst/>
+          </a:prstGeom>
+        </p:spPr>
+        <p:txBody>
+          <a:bodyPr vert="horz" lIns="91440" tIns="45720" rIns="91440" bIns="45720" rtlCol="0" anchor="ctr">
+            <a:noAutofit/>
+          </a:bodyPr>
+          <a:lstStyle/>
+          <a:p>
+            <a:pPr lvl="0"/>
+            <a:r>
+              <a:rPr lang="en-US" sz="8000" baseline="0" dirty="0">
+                <a:ln w="3175" cmpd="sng">
+                  <a:noFill/>
+                </a:ln>
+                <a:solidFill>
+                  <a:schemeClr val="accent1">
+                    <a:lumMod val="60000"/>
+                    <a:lumOff val="40000"/>
+                  </a:schemeClr>
+                </a:solidFill>
+                <a:effectLst/>
+                <a:latin typeface="Arial"/>
+              </a:rPr>
+              <a:t>”</a:t>
+            </a:r>
+          </a:p>
+        </p:txBody>
+      </p:sp>
+    </p:spTree>
+    <p:extLst>
+      <p:ext uri="{BB962C8B-B14F-4D97-AF65-F5344CB8AC3E}">
+        <p14:creationId xmlns:p14="http://schemas.microsoft.com/office/powerpoint/2010/main" val="948740046"/>
+      </p:ext>
+    </p:extLst>
+  </p:cSld>
+  <p:clrMapOvr>
+    <a:masterClrMapping/>
+  </p:clrMapOvr>
+</p:sldLayout>
+</file>
+
+<file path=ppt/slideLayouts/slideLayout12.xml><?xml version="1.0" encoding="utf-8"?>
+<p:sldLayout xmlns:a="http://schemas.openxmlformats.org/drawingml/2006/main" xmlns:r="http://schemas.openxmlformats.org/officeDocument/2006/relationships" xmlns:p="http://schemas.openxmlformats.org/presentationml/2006/main" preserve="1">
+  <p:cSld name="名片">
+    <p:spTree>
+      <p:nvGrpSpPr>
+        <p:cNvPr id="1" name=""/>
+        <p:cNvGrpSpPr/>
+        <p:nvPr/>
+      </p:nvGrpSpPr>
+      <p:grpSpPr>
+        <a:xfrm>
+          <a:off x="0" y="0"/>
+          <a:ext cx="0" cy="0"/>
+          <a:chOff x="0" y="0"/>
+          <a:chExt cx="0" cy="0"/>
+        </a:xfrm>
+      </p:grpSpPr>
+      <p:sp>
+        <p:nvSpPr>
+          <p:cNvPr id="2" name="Title 1"/>
+          <p:cNvSpPr>
+            <a:spLocks noGrp="1"/>
+          </p:cNvSpPr>
+          <p:nvPr>
+            <p:ph type="title"/>
+          </p:nvPr>
+        </p:nvSpPr>
+        <p:spPr>
+          <a:xfrm>
+            <a:off x="609598" y="1931988"/>
+            <a:ext cx="6347715" cy="2595460"/>
+          </a:xfrm>
+        </p:spPr>
+        <p:txBody>
+          <a:bodyPr anchor="b">
+            <a:normAutofit/>
+          </a:bodyPr>
+          <a:lstStyle>
+            <a:lvl1pPr algn="l">
+              <a:defRPr sz="4400" b="0" cap="none"/>
+            </a:lvl1pPr>
+          </a:lstStyle>
+          <a:p>
+            <a:r>
+              <a:rPr lang="zh-CN" altLang="en-US" smtClean="0"/>
+              <a:t>单击此处编辑母版标题样式</a:t>
+            </a:r>
+            <a:endParaRPr lang="en-US" dirty="0"/>
+          </a:p>
+        </p:txBody>
+      </p:sp>
+      <p:sp>
+        <p:nvSpPr>
+          <p:cNvPr id="3" name="Text Placeholder 2"/>
+          <p:cNvSpPr>
+            <a:spLocks noGrp="1"/>
+          </p:cNvSpPr>
+          <p:nvPr>
+            <p:ph type="body" idx="1"/>
+          </p:nvPr>
+        </p:nvSpPr>
+        <p:spPr>
+          <a:xfrm>
+            <a:off x="609598" y="4527448"/>
+            <a:ext cx="6347715" cy="1513914"/>
+          </a:xfrm>
+        </p:spPr>
+        <p:txBody>
+          <a:bodyPr anchor="t">
+            <a:normAutofit/>
+          </a:bodyPr>
+          <a:lstStyle>
+            <a:lvl1pPr marL="0" indent="0" algn="l">
+              <a:buNone/>
+              <a:defRPr sz="1800">
+                <a:solidFill>
+                  <a:schemeClr val="tx1">
+                    <a:lumMod val="75000"/>
+                    <a:lumOff val="25000"/>
+                  </a:schemeClr>
+                </a:solidFill>
+              </a:defRPr>
+            </a:lvl1pPr>
+            <a:lvl2pPr marL="457200" indent="0">
+              <a:buNone/>
+              <a:defRPr sz="1800">
+                <a:solidFill>
+                  <a:schemeClr val="tx1">
+                    <a:tint val="75000"/>
+                  </a:schemeClr>
+                </a:solidFill>
+              </a:defRPr>
+            </a:lvl2pPr>
+            <a:lvl3pPr marL="914400" indent="0">
+              <a:buNone/>
+              <a:defRPr sz="1600">
+                <a:solidFill>
+                  <a:schemeClr val="tx1">
+                    <a:tint val="75000"/>
+                  </a:schemeClr>
+                </a:solidFill>
+              </a:defRPr>
+            </a:lvl3pPr>
+            <a:lvl4pPr marL="1371600" indent="0">
+              <a:buNone/>
+              <a:defRPr sz="1400">
+                <a:solidFill>
+                  <a:schemeClr val="tx1">
+                    <a:tint val="75000"/>
+                  </a:schemeClr>
+                </a:solidFill>
+              </a:defRPr>
+            </a:lvl4pPr>
+            <a:lvl5pPr marL="1828800" indent="0">
+              <a:buNone/>
+              <a:defRPr sz="1400">
+                <a:solidFill>
+                  <a:schemeClr val="tx1">
+                    <a:tint val="75000"/>
+                  </a:schemeClr>
+                </a:solidFill>
+              </a:defRPr>
+            </a:lvl5pPr>
+            <a:lvl6pPr marL="2286000" indent="0">
+              <a:buNone/>
+              <a:defRPr sz="1400">
+                <a:solidFill>
+                  <a:schemeClr val="tx1">
+                    <a:tint val="75000"/>
+                  </a:schemeClr>
+                </a:solidFill>
+              </a:defRPr>
+            </a:lvl6pPr>
+            <a:lvl7pPr marL="2743200" indent="0">
+              <a:buNone/>
+              <a:defRPr sz="1400">
+                <a:solidFill>
+                  <a:schemeClr val="tx1">
+                    <a:tint val="75000"/>
+                  </a:schemeClr>
+                </a:solidFill>
+              </a:defRPr>
+            </a:lvl7pPr>
+            <a:lvl8pPr marL="3200400" indent="0">
+              <a:buNone/>
+              <a:defRPr sz="1400">
+                <a:solidFill>
+                  <a:schemeClr val="tx1">
+                    <a:tint val="75000"/>
+                  </a:schemeClr>
+                </a:solidFill>
+              </a:defRPr>
+            </a:lvl8pPr>
+            <a:lvl9pPr marL="3657600" indent="0">
+              <a:buNone/>
+              <a:defRPr sz="1400">
+                <a:solidFill>
+                  <a:schemeClr val="tx1">
+                    <a:tint val="75000"/>
+                  </a:schemeClr>
+                </a:solidFill>
+              </a:defRPr>
+            </a:lvl9pPr>
+          </a:lstStyle>
+          <a:p>
+            <a:pPr lvl="0"/>
+            <a:r>
+              <a:rPr lang="zh-CN" altLang="en-US" smtClean="0"/>
+              <a:t>单击此处编辑母版文本样式</a:t>
+            </a:r>
+          </a:p>
+        </p:txBody>
+      </p:sp>
+      <p:sp>
+        <p:nvSpPr>
+          <p:cNvPr id="4" name="Date Placeholder 3"/>
+          <p:cNvSpPr>
+            <a:spLocks noGrp="1"/>
+          </p:cNvSpPr>
+          <p:nvPr>
+            <p:ph type="dt" sz="half" idx="10"/>
+          </p:nvPr>
+        </p:nvSpPr>
+        <p:spPr/>
+        <p:txBody>
+          <a:bodyPr/>
+          <a:lstStyle/>
+          <a:p>
+            <a:fld id="{F1C92752-C3AA-4A5A-8540-7D075EE62FAD}" type="datetimeFigureOut">
+              <a:rPr lang="zh-CN" altLang="en-US" smtClean="0"/>
+              <a:t>2017/9/13</a:t>
+            </a:fld>
+            <a:endParaRPr lang="zh-CN" altLang="en-US"/>
+          </a:p>
+        </p:txBody>
+      </p:sp>
+      <p:sp>
+        <p:nvSpPr>
+          <p:cNvPr id="5" name="Footer Placeholder 4"/>
+          <p:cNvSpPr>
+            <a:spLocks noGrp="1"/>
+          </p:cNvSpPr>
+          <p:nvPr>
+            <p:ph type="ftr" sz="quarter" idx="11"/>
+          </p:nvPr>
+        </p:nvSpPr>
+        <p:spPr/>
+        <p:txBody>
+          <a:bodyPr/>
+          <a:lstStyle/>
+          <a:p>
+            <a:endParaRPr lang="zh-CN" altLang="en-US"/>
+          </a:p>
+        </p:txBody>
+      </p:sp>
+      <p:sp>
+        <p:nvSpPr>
+          <p:cNvPr id="6" name="Slide Number Placeholder 5"/>
+          <p:cNvSpPr>
+            <a:spLocks noGrp="1"/>
+          </p:cNvSpPr>
+          <p:nvPr>
+            <p:ph type="sldNum" sz="quarter" idx="12"/>
+          </p:nvPr>
+        </p:nvSpPr>
+        <p:spPr/>
+        <p:txBody>
+          <a:bodyPr/>
+          <a:lstStyle/>
+          <a:p>
+            <a:fld id="{1B948B72-432E-4841-A94A-8C040C98AB27}" type="slidenum">
+              <a:rPr lang="zh-CN" altLang="en-US" smtClean="0"/>
+              <a:t>‹#›</a:t>
+            </a:fld>
+            <a:endParaRPr lang="zh-CN" altLang="en-US"/>
+          </a:p>
+        </p:txBody>
+      </p:sp>
+    </p:spTree>
+    <p:extLst>
+      <p:ext uri="{BB962C8B-B14F-4D97-AF65-F5344CB8AC3E}">
+        <p14:creationId xmlns:p14="http://schemas.microsoft.com/office/powerpoint/2010/main" val="2413108161"/>
+      </p:ext>
+    </p:extLst>
+  </p:cSld>
+  <p:clrMapOvr>
+    <a:masterClrMapping/>
+  </p:clrMapOvr>
+</p:sldLayout>
+</file>
+
+<file path=ppt/slideLayouts/slideLayout13.xml><?xml version="1.0" encoding="utf-8"?>
+<p:sldLayout xmlns:a="http://schemas.openxmlformats.org/drawingml/2006/main" xmlns:r="http://schemas.openxmlformats.org/officeDocument/2006/relationships" xmlns:p="http://schemas.openxmlformats.org/presentationml/2006/main" preserve="1">
+  <p:cSld name="引言名片">
+    <p:spTree>
+      <p:nvGrpSpPr>
+        <p:cNvPr id="1" name=""/>
+        <p:cNvGrpSpPr/>
+        <p:nvPr/>
+      </p:nvGrpSpPr>
+      <p:grpSpPr>
+        <a:xfrm>
+          <a:off x="0" y="0"/>
+          <a:ext cx="0" cy="0"/>
+          <a:chOff x="0" y="0"/>
+          <a:chExt cx="0" cy="0"/>
+        </a:xfrm>
+      </p:grpSpPr>
+      <p:sp>
+        <p:nvSpPr>
+          <p:cNvPr id="2" name="Title 1"/>
+          <p:cNvSpPr>
+            <a:spLocks noGrp="1"/>
+          </p:cNvSpPr>
+          <p:nvPr>
+            <p:ph type="title"/>
+          </p:nvPr>
+        </p:nvSpPr>
+        <p:spPr>
+          <a:xfrm>
+            <a:off x="774885" y="609600"/>
+            <a:ext cx="6072182" cy="3022600"/>
+          </a:xfrm>
+        </p:spPr>
+        <p:txBody>
+          <a:bodyPr anchor="ctr">
+            <a:normAutofit/>
+          </a:bodyPr>
+          <a:lstStyle>
+            <a:lvl1pPr algn="l">
+              <a:defRPr sz="4400" b="0" cap="none"/>
+            </a:lvl1pPr>
+          </a:lstStyle>
+          <a:p>
+            <a:r>
+              <a:rPr lang="zh-CN" altLang="en-US" smtClean="0"/>
+              <a:t>单击此处编辑母版标题样式</a:t>
+            </a:r>
+            <a:endParaRPr lang="en-US" dirty="0"/>
+          </a:p>
+        </p:txBody>
+      </p:sp>
+      <p:sp>
+        <p:nvSpPr>
+          <p:cNvPr id="23" name="Text Placeholder 9"/>
+          <p:cNvSpPr>
+            <a:spLocks noGrp="1"/>
+          </p:cNvSpPr>
+          <p:nvPr>
+            <p:ph type="body" sz="quarter" idx="13"/>
+          </p:nvPr>
+        </p:nvSpPr>
+        <p:spPr>
+          <a:xfrm>
+            <a:off x="609597" y="4013200"/>
+            <a:ext cx="6347716" cy="514248"/>
+          </a:xfrm>
+        </p:spPr>
+        <p:txBody>
+          <a:bodyPr anchor="b">
+            <a:noAutofit/>
+          </a:bodyPr>
+          <a:lstStyle>
+            <a:lvl1pPr marL="0" indent="0">
+              <a:buFontTx/>
+              <a:buNone/>
+              <a:defRPr sz="2400">
+                <a:solidFill>
+                  <a:schemeClr val="tx1">
+                    <a:lumMod val="75000"/>
+                    <a:lumOff val="25000"/>
+                  </a:schemeClr>
+                </a:solidFill>
+              </a:defRPr>
+            </a:lvl1pPr>
+            <a:lvl2pPr marL="457200" indent="0">
+              <a:buFontTx/>
+              <a:buNone/>
+              <a:defRPr/>
+            </a:lvl2pPr>
+            <a:lvl3pPr marL="914400" indent="0">
+              <a:buFontTx/>
+              <a:buNone/>
+              <a:defRPr/>
+            </a:lvl3pPr>
+            <a:lvl4pPr marL="1371600" indent="0">
+              <a:buFontTx/>
+              <a:buNone/>
+              <a:defRPr/>
+            </a:lvl4pPr>
+            <a:lvl5pPr marL="1828800" indent="0">
+              <a:buFontTx/>
+              <a:buNone/>
+              <a:defRPr/>
+            </a:lvl5pPr>
+          </a:lstStyle>
+          <a:p>
+            <a:pPr lvl="0"/>
+            <a:r>
+              <a:rPr lang="zh-CN" altLang="en-US" smtClean="0"/>
+              <a:t>单击此处编辑母版文本样式</a:t>
+            </a:r>
+          </a:p>
+        </p:txBody>
+      </p:sp>
+      <p:sp>
+        <p:nvSpPr>
+          <p:cNvPr id="3" name="Text Placeholder 2"/>
+          <p:cNvSpPr>
+            <a:spLocks noGrp="1"/>
+          </p:cNvSpPr>
+          <p:nvPr>
+            <p:ph type="body" idx="1"/>
+          </p:nvPr>
+        </p:nvSpPr>
+        <p:spPr>
+          <a:xfrm>
+            <a:off x="609598" y="4527448"/>
+            <a:ext cx="6347715" cy="1513914"/>
+          </a:xfrm>
+        </p:spPr>
+        <p:txBody>
+          <a:bodyPr anchor="t">
+            <a:normAutofit/>
+          </a:bodyPr>
+          <a:lstStyle>
+            <a:lvl1pPr marL="0" indent="0" algn="l">
+              <a:buNone/>
+              <a:defRPr sz="1800">
+                <a:solidFill>
+                  <a:schemeClr val="tx1">
+                    <a:lumMod val="50000"/>
+                    <a:lumOff val="50000"/>
+                  </a:schemeClr>
+                </a:solidFill>
+              </a:defRPr>
+            </a:lvl1pPr>
+            <a:lvl2pPr marL="457200" indent="0">
+              <a:buNone/>
+              <a:defRPr sz="1800">
+                <a:solidFill>
+                  <a:schemeClr val="tx1">
+                    <a:tint val="75000"/>
+                  </a:schemeClr>
+                </a:solidFill>
+              </a:defRPr>
+            </a:lvl2pPr>
+            <a:lvl3pPr marL="914400" indent="0">
+              <a:buNone/>
+              <a:defRPr sz="1600">
+                <a:solidFill>
+                  <a:schemeClr val="tx1">
+                    <a:tint val="75000"/>
+                  </a:schemeClr>
+                </a:solidFill>
+              </a:defRPr>
+            </a:lvl3pPr>
+            <a:lvl4pPr marL="1371600" indent="0">
+              <a:buNone/>
+              <a:defRPr sz="1400">
+                <a:solidFill>
+                  <a:schemeClr val="tx1">
+                    <a:tint val="75000"/>
+                  </a:schemeClr>
+                </a:solidFill>
+              </a:defRPr>
+            </a:lvl4pPr>
+            <a:lvl5pPr marL="1828800" indent="0">
+              <a:buNone/>
+              <a:defRPr sz="1400">
+                <a:solidFill>
+                  <a:schemeClr val="tx1">
+                    <a:tint val="75000"/>
+                  </a:schemeClr>
+                </a:solidFill>
+              </a:defRPr>
+            </a:lvl5pPr>
+            <a:lvl6pPr marL="2286000" indent="0">
+              <a:buNone/>
+              <a:defRPr sz="1400">
+                <a:solidFill>
+                  <a:schemeClr val="tx1">
+                    <a:tint val="75000"/>
+                  </a:schemeClr>
+                </a:solidFill>
+              </a:defRPr>
+            </a:lvl6pPr>
+            <a:lvl7pPr marL="2743200" indent="0">
+              <a:buNone/>
+              <a:defRPr sz="1400">
+                <a:solidFill>
+                  <a:schemeClr val="tx1">
+                    <a:tint val="75000"/>
+                  </a:schemeClr>
+                </a:solidFill>
+              </a:defRPr>
+            </a:lvl7pPr>
+            <a:lvl8pPr marL="3200400" indent="0">
+              <a:buNone/>
+              <a:defRPr sz="1400">
+                <a:solidFill>
+                  <a:schemeClr val="tx1">
+                    <a:tint val="75000"/>
+                  </a:schemeClr>
+                </a:solidFill>
+              </a:defRPr>
+            </a:lvl8pPr>
+            <a:lvl9pPr marL="3657600" indent="0">
+              <a:buNone/>
+              <a:defRPr sz="1400">
+                <a:solidFill>
+                  <a:schemeClr val="tx1">
+                    <a:tint val="75000"/>
+                  </a:schemeClr>
+                </a:solidFill>
+              </a:defRPr>
+            </a:lvl9pPr>
+          </a:lstStyle>
+          <a:p>
+            <a:pPr lvl="0"/>
+            <a:r>
+              <a:rPr lang="zh-CN" altLang="en-US" smtClean="0"/>
+              <a:t>单击此处编辑母版文本样式</a:t>
+            </a:r>
+          </a:p>
+        </p:txBody>
+      </p:sp>
+      <p:sp>
+        <p:nvSpPr>
+          <p:cNvPr id="4" name="Date Placeholder 3"/>
+          <p:cNvSpPr>
+            <a:spLocks noGrp="1"/>
+          </p:cNvSpPr>
+          <p:nvPr>
+            <p:ph type="dt" sz="half" idx="10"/>
+          </p:nvPr>
+        </p:nvSpPr>
+        <p:spPr/>
+        <p:txBody>
+          <a:bodyPr/>
+          <a:lstStyle/>
+          <a:p>
+            <a:fld id="{F1C92752-C3AA-4A5A-8540-7D075EE62FAD}" type="datetimeFigureOut">
+              <a:rPr lang="zh-CN" altLang="en-US" smtClean="0"/>
+              <a:t>2017/9/13</a:t>
+            </a:fld>
+            <a:endParaRPr lang="zh-CN" altLang="en-US"/>
+          </a:p>
+        </p:txBody>
+      </p:sp>
+      <p:sp>
+        <p:nvSpPr>
+          <p:cNvPr id="5" name="Footer Placeholder 4"/>
+          <p:cNvSpPr>
+            <a:spLocks noGrp="1"/>
+          </p:cNvSpPr>
+          <p:nvPr>
+            <p:ph type="ftr" sz="quarter" idx="11"/>
+          </p:nvPr>
+        </p:nvSpPr>
+        <p:spPr/>
+        <p:txBody>
+          <a:bodyPr/>
+          <a:lstStyle/>
+          <a:p>
+            <a:endParaRPr lang="zh-CN" altLang="en-US"/>
+          </a:p>
+        </p:txBody>
+      </p:sp>
+      <p:sp>
+        <p:nvSpPr>
+          <p:cNvPr id="6" name="Slide Number Placeholder 5"/>
+          <p:cNvSpPr>
+            <a:spLocks noGrp="1"/>
+          </p:cNvSpPr>
+          <p:nvPr>
+            <p:ph type="sldNum" sz="quarter" idx="12"/>
+          </p:nvPr>
+        </p:nvSpPr>
+        <p:spPr/>
+        <p:txBody>
+          <a:bodyPr/>
+          <a:lstStyle/>
+          <a:p>
+            <a:fld id="{1B948B72-432E-4841-A94A-8C040C98AB27}" type="slidenum">
+              <a:rPr lang="zh-CN" altLang="en-US" smtClean="0"/>
+              <a:t>‹#›</a:t>
+            </a:fld>
+            <a:endParaRPr lang="zh-CN" altLang="en-US"/>
+          </a:p>
+        </p:txBody>
+      </p:sp>
+      <p:sp>
+        <p:nvSpPr>
+          <p:cNvPr id="24" name="TextBox 23"/>
+          <p:cNvSpPr txBox="1"/>
+          <p:nvPr/>
+        </p:nvSpPr>
+        <p:spPr>
+          <a:xfrm>
+            <a:off x="482711" y="790378"/>
+            <a:ext cx="457319" cy="584776"/>
+          </a:xfrm>
+          <a:prstGeom prst="rect">
+            <a:avLst/>
+          </a:prstGeom>
+        </p:spPr>
+        <p:txBody>
+          <a:bodyPr vert="horz" lIns="91440" tIns="45720" rIns="91440" bIns="45720" rtlCol="0" anchor="ctr">
+            <a:noAutofit/>
+          </a:bodyPr>
+          <a:lstStyle/>
+          <a:p>
+            <a:pPr lvl="0"/>
+            <a:r>
+              <a:rPr lang="en-US" sz="8000" baseline="0" dirty="0">
+                <a:ln w="3175" cmpd="sng">
+                  <a:noFill/>
+                </a:ln>
+                <a:solidFill>
+                  <a:schemeClr val="accent1">
+                    <a:lumMod val="60000"/>
+                    <a:lumOff val="40000"/>
+                  </a:schemeClr>
+                </a:solidFill>
+                <a:effectLst/>
+                <a:latin typeface="Arial"/>
+              </a:rPr>
+              <a:t>“</a:t>
+            </a:r>
+          </a:p>
+        </p:txBody>
+      </p:sp>
+      <p:sp>
+        <p:nvSpPr>
+          <p:cNvPr id="25" name="TextBox 24"/>
+          <p:cNvSpPr txBox="1"/>
+          <p:nvPr/>
+        </p:nvSpPr>
+        <p:spPr>
+          <a:xfrm>
+            <a:off x="6747699" y="2886556"/>
+            <a:ext cx="457319" cy="584776"/>
+          </a:xfrm>
+          <a:prstGeom prst="rect">
+            <a:avLst/>
+          </a:prstGeom>
+        </p:spPr>
+        <p:txBody>
+          <a:bodyPr vert="horz" lIns="91440" tIns="45720" rIns="91440" bIns="45720" rtlCol="0" anchor="ctr">
+            <a:noAutofit/>
+          </a:bodyPr>
+          <a:lstStyle/>
+          <a:p>
+            <a:pPr lvl="0"/>
+            <a:r>
+              <a:rPr lang="en-US" sz="8000" baseline="0" dirty="0">
+                <a:ln w="3175" cmpd="sng">
+                  <a:noFill/>
+                </a:ln>
+                <a:solidFill>
+                  <a:schemeClr val="accent1">
+                    <a:lumMod val="60000"/>
+                    <a:lumOff val="40000"/>
+                  </a:schemeClr>
+                </a:solidFill>
+                <a:effectLst/>
+                <a:latin typeface="Arial"/>
+              </a:rPr>
+              <a:t>”</a:t>
+            </a:r>
+          </a:p>
+        </p:txBody>
+      </p:sp>
+    </p:spTree>
+    <p:extLst>
+      <p:ext uri="{BB962C8B-B14F-4D97-AF65-F5344CB8AC3E}">
+        <p14:creationId xmlns:p14="http://schemas.microsoft.com/office/powerpoint/2010/main" val="2173376899"/>
+      </p:ext>
+    </p:extLst>
+  </p:cSld>
+  <p:clrMapOvr>
+    <a:masterClrMapping/>
+  </p:clrMapOvr>
+</p:sldLayout>
+</file>
+
+<file path=ppt/slideLayouts/slideLayout14.xml><?xml version="1.0" encoding="utf-8"?>
+<p:sldLayout xmlns:a="http://schemas.openxmlformats.org/drawingml/2006/main" xmlns:r="http://schemas.openxmlformats.org/officeDocument/2006/relationships" xmlns:p="http://schemas.openxmlformats.org/presentationml/2006/main" preserve="1">
+  <p:cSld name="真或假">
+    <p:spTree>
+      <p:nvGrpSpPr>
+        <p:cNvPr id="1" name=""/>
+        <p:cNvGrpSpPr/>
+        <p:nvPr/>
+      </p:nvGrpSpPr>
+      <p:grpSpPr>
+        <a:xfrm>
+          <a:off x="0" y="0"/>
+          <a:ext cx="0" cy="0"/>
+          <a:chOff x="0" y="0"/>
+          <a:chExt cx="0" cy="0"/>
+        </a:xfrm>
+      </p:grpSpPr>
+      <p:sp>
+        <p:nvSpPr>
+          <p:cNvPr id="2" name="Title 1"/>
+          <p:cNvSpPr>
+            <a:spLocks noGrp="1"/>
+          </p:cNvSpPr>
+          <p:nvPr>
+            <p:ph type="title"/>
+          </p:nvPr>
+        </p:nvSpPr>
+        <p:spPr>
+          <a:xfrm>
+            <a:off x="615848" y="609600"/>
+            <a:ext cx="6341465" cy="3022600"/>
+          </a:xfrm>
+        </p:spPr>
+        <p:txBody>
+          <a:bodyPr anchor="ctr">
+            <a:normAutofit/>
+          </a:bodyPr>
+          <a:lstStyle>
+            <a:lvl1pPr algn="l">
+              <a:defRPr sz="4400" b="0" cap="none"/>
+            </a:lvl1pPr>
+          </a:lstStyle>
+          <a:p>
+            <a:r>
+              <a:rPr lang="zh-CN" altLang="en-US" smtClean="0"/>
+              <a:t>单击此处编辑母版标题样式</a:t>
+            </a:r>
+            <a:endParaRPr lang="en-US" dirty="0"/>
+          </a:p>
+        </p:txBody>
+      </p:sp>
+      <p:sp>
+        <p:nvSpPr>
+          <p:cNvPr id="23" name="Text Placeholder 9"/>
+          <p:cNvSpPr>
+            <a:spLocks noGrp="1"/>
+          </p:cNvSpPr>
+          <p:nvPr>
+            <p:ph type="body" sz="quarter" idx="13"/>
+          </p:nvPr>
+        </p:nvSpPr>
+        <p:spPr>
+          <a:xfrm>
+            <a:off x="609597" y="4013200"/>
+            <a:ext cx="6347716" cy="514248"/>
+          </a:xfrm>
+        </p:spPr>
+        <p:txBody>
+          <a:bodyPr anchor="b">
+            <a:noAutofit/>
+          </a:bodyPr>
+          <a:lstStyle>
+            <a:lvl1pPr marL="0" indent="0">
+              <a:buFontTx/>
+              <a:buNone/>
+              <a:defRPr sz="2400">
+                <a:solidFill>
+                  <a:schemeClr val="accent1"/>
+                </a:solidFill>
+              </a:defRPr>
+            </a:lvl1pPr>
+            <a:lvl2pPr marL="457200" indent="0">
+              <a:buFontTx/>
+              <a:buNone/>
+              <a:defRPr/>
+            </a:lvl2pPr>
+            <a:lvl3pPr marL="914400" indent="0">
+              <a:buFontTx/>
+              <a:buNone/>
+              <a:defRPr/>
+            </a:lvl3pPr>
+            <a:lvl4pPr marL="1371600" indent="0">
+              <a:buFontTx/>
+              <a:buNone/>
+              <a:defRPr/>
+            </a:lvl4pPr>
+            <a:lvl5pPr marL="1828800" indent="0">
+              <a:buFontTx/>
+              <a:buNone/>
+              <a:defRPr/>
+            </a:lvl5pPr>
+          </a:lstStyle>
+          <a:p>
+            <a:pPr lvl="0"/>
+            <a:r>
+              <a:rPr lang="zh-CN" altLang="en-US" smtClean="0"/>
+              <a:t>单击此处编辑母版文本样式</a:t>
+            </a:r>
+          </a:p>
+        </p:txBody>
+      </p:sp>
+      <p:sp>
+        <p:nvSpPr>
+          <p:cNvPr id="3" name="Text Placeholder 2"/>
+          <p:cNvSpPr>
+            <a:spLocks noGrp="1"/>
+          </p:cNvSpPr>
+          <p:nvPr>
+            <p:ph type="body" idx="1"/>
+          </p:nvPr>
+        </p:nvSpPr>
+        <p:spPr>
+          <a:xfrm>
+            <a:off x="609598" y="4527448"/>
+            <a:ext cx="6347715" cy="1513914"/>
+          </a:xfrm>
+        </p:spPr>
+        <p:txBody>
+          <a:bodyPr anchor="t">
+            <a:normAutofit/>
+          </a:bodyPr>
+          <a:lstStyle>
+            <a:lvl1pPr marL="0" indent="0" algn="l">
+              <a:buNone/>
+              <a:defRPr sz="1800">
+                <a:solidFill>
+                  <a:schemeClr val="tx1">
+                    <a:lumMod val="50000"/>
+                    <a:lumOff val="50000"/>
+                  </a:schemeClr>
+                </a:solidFill>
+              </a:defRPr>
+            </a:lvl1pPr>
+            <a:lvl2pPr marL="457200" indent="0">
+              <a:buNone/>
+              <a:defRPr sz="1800">
+                <a:solidFill>
+                  <a:schemeClr val="tx1">
+                    <a:tint val="75000"/>
+                  </a:schemeClr>
+                </a:solidFill>
+              </a:defRPr>
+            </a:lvl2pPr>
+            <a:lvl3pPr marL="914400" indent="0">
+              <a:buNone/>
+              <a:defRPr sz="1600">
+                <a:solidFill>
+                  <a:schemeClr val="tx1">
+                    <a:tint val="75000"/>
+                  </a:schemeClr>
+                </a:solidFill>
+              </a:defRPr>
+            </a:lvl3pPr>
+            <a:lvl4pPr marL="1371600" indent="0">
+              <a:buNone/>
+              <a:defRPr sz="1400">
+                <a:solidFill>
+                  <a:schemeClr val="tx1">
+                    <a:tint val="75000"/>
+                  </a:schemeClr>
+                </a:solidFill>
+              </a:defRPr>
+            </a:lvl4pPr>
+            <a:lvl5pPr marL="1828800" indent="0">
+              <a:buNone/>
+              <a:defRPr sz="1400">
+                <a:solidFill>
+                  <a:schemeClr val="tx1">
+                    <a:tint val="75000"/>
+                  </a:schemeClr>
+                </a:solidFill>
+              </a:defRPr>
+            </a:lvl5pPr>
+            <a:lvl6pPr marL="2286000" indent="0">
+              <a:buNone/>
+              <a:defRPr sz="1400">
+                <a:solidFill>
+                  <a:schemeClr val="tx1">
+                    <a:tint val="75000"/>
+                  </a:schemeClr>
+                </a:solidFill>
+              </a:defRPr>
+            </a:lvl6pPr>
+            <a:lvl7pPr marL="2743200" indent="0">
+              <a:buNone/>
+              <a:defRPr sz="1400">
+                <a:solidFill>
+                  <a:schemeClr val="tx1">
+                    <a:tint val="75000"/>
+                  </a:schemeClr>
+                </a:solidFill>
+              </a:defRPr>
+            </a:lvl7pPr>
+            <a:lvl8pPr marL="3200400" indent="0">
+              <a:buNone/>
+              <a:defRPr sz="1400">
+                <a:solidFill>
+                  <a:schemeClr val="tx1">
+                    <a:tint val="75000"/>
+                  </a:schemeClr>
+                </a:solidFill>
+              </a:defRPr>
+            </a:lvl8pPr>
+            <a:lvl9pPr marL="3657600" indent="0">
+              <a:buNone/>
+              <a:defRPr sz="1400">
+                <a:solidFill>
+                  <a:schemeClr val="tx1">
+                    <a:tint val="75000"/>
+                  </a:schemeClr>
+                </a:solidFill>
+              </a:defRPr>
+            </a:lvl9pPr>
+          </a:lstStyle>
+          <a:p>
+            <a:pPr lvl="0"/>
+            <a:r>
+              <a:rPr lang="zh-CN" altLang="en-US" smtClean="0"/>
+              <a:t>单击此处编辑母版文本样式</a:t>
+            </a:r>
+          </a:p>
+        </p:txBody>
+      </p:sp>
+      <p:sp>
+        <p:nvSpPr>
+          <p:cNvPr id="4" name="Date Placeholder 3"/>
+          <p:cNvSpPr>
+            <a:spLocks noGrp="1"/>
+          </p:cNvSpPr>
+          <p:nvPr>
+            <p:ph type="dt" sz="half" idx="10"/>
+          </p:nvPr>
+        </p:nvSpPr>
+        <p:spPr/>
+        <p:txBody>
+          <a:bodyPr/>
+          <a:lstStyle/>
+          <a:p>
+            <a:fld id="{F1C92752-C3AA-4A5A-8540-7D075EE62FAD}" type="datetimeFigureOut">
+              <a:rPr lang="zh-CN" altLang="en-US" smtClean="0"/>
+              <a:t>2017/9/13</a:t>
+            </a:fld>
+            <a:endParaRPr lang="zh-CN" altLang="en-US"/>
+          </a:p>
+        </p:txBody>
+      </p:sp>
+      <p:sp>
+        <p:nvSpPr>
+          <p:cNvPr id="5" name="Footer Placeholder 4"/>
+          <p:cNvSpPr>
+            <a:spLocks noGrp="1"/>
+          </p:cNvSpPr>
+          <p:nvPr>
+            <p:ph type="ftr" sz="quarter" idx="11"/>
+          </p:nvPr>
+        </p:nvSpPr>
+        <p:spPr/>
+        <p:txBody>
+          <a:bodyPr/>
+          <a:lstStyle/>
+          <a:p>
+            <a:endParaRPr lang="zh-CN" altLang="en-US"/>
+          </a:p>
+        </p:txBody>
+      </p:sp>
+      <p:sp>
+        <p:nvSpPr>
+          <p:cNvPr id="6" name="Slide Number Placeholder 5"/>
+          <p:cNvSpPr>
+            <a:spLocks noGrp="1"/>
+          </p:cNvSpPr>
+          <p:nvPr>
+            <p:ph type="sldNum" sz="quarter" idx="12"/>
+          </p:nvPr>
+        </p:nvSpPr>
+        <p:spPr/>
+        <p:txBody>
+          <a:bodyPr/>
+          <a:lstStyle/>
+          <a:p>
+            <a:fld id="{1B948B72-432E-4841-A94A-8C040C98AB27}" type="slidenum">
+              <a:rPr lang="zh-CN" altLang="en-US" smtClean="0"/>
+              <a:t>‹#›</a:t>
+            </a:fld>
+            <a:endParaRPr lang="zh-CN" altLang="en-US"/>
+          </a:p>
+        </p:txBody>
+      </p:sp>
+    </p:spTree>
+    <p:extLst>
+      <p:ext uri="{BB962C8B-B14F-4D97-AF65-F5344CB8AC3E}">
+        <p14:creationId xmlns:p14="http://schemas.microsoft.com/office/powerpoint/2010/main" val="3616863499"/>
+      </p:ext>
+    </p:extLst>
+  </p:cSld>
+  <p:clrMapOvr>
+    <a:masterClrMapping/>
+  </p:clrMapOvr>
+</p:sldLayout>
+</file>
+
+<file path=ppt/slideLayouts/slideLayout15.xml><?xml version="1.0" encoding="utf-8"?>
 <p:sldLayout xmlns:a="http://schemas.openxmlformats.org/drawingml/2006/main" xmlns:r="http://schemas.openxmlformats.org/officeDocument/2006/relationships" xmlns:p="http://schemas.openxmlformats.org/presentationml/2006/main" type="vertTx" preserve="1">
   <p:cSld name="标题和竖排文字">
     <p:spTree>
@@ -896,7 +3130,7 @@
       </p:grpSpPr>
       <p:sp>
         <p:nvSpPr>
-          <p:cNvPr id="2" name="标题 1"/>
+          <p:cNvPr id="2" name="Title 1"/>
           <p:cNvSpPr>
             <a:spLocks noGrp="1"/>
           </p:cNvSpPr>
@@ -913,13 +3147,13 @@
               <a:rPr lang="zh-CN" altLang="en-US" smtClean="0"/>
               <a:t>单击此处编辑母版标题样式</a:t>
             </a:r>
-            <a:endParaRPr lang="zh-CN" altLang="en-US"/>
-          </a:p>
-        </p:txBody>
-      </p:sp>
-      <p:sp>
-        <p:nvSpPr>
-          <p:cNvPr id="3" name="竖排文字占位符 2"/>
+            <a:endParaRPr lang="en-US" dirty="0"/>
+          </a:p>
+        </p:txBody>
+      </p:sp>
+      <p:sp>
+        <p:nvSpPr>
+          <p:cNvPr id="3" name="Vertical Text Placeholder 2"/>
           <p:cNvSpPr>
             <a:spLocks noGrp="1"/>
           </p:cNvSpPr>
@@ -965,13 +3199,13 @@
               <a:rPr lang="zh-CN" altLang="en-US" smtClean="0"/>
               <a:t>第五级</a:t>
             </a:r>
-            <a:endParaRPr lang="zh-CN" altLang="en-US"/>
-          </a:p>
-        </p:txBody>
-      </p:sp>
-      <p:sp>
-        <p:nvSpPr>
-          <p:cNvPr id="4" name="日期占位符 3"/>
+            <a:endParaRPr lang="en-US" dirty="0"/>
+          </a:p>
+        </p:txBody>
+      </p:sp>
+      <p:sp>
+        <p:nvSpPr>
+          <p:cNvPr id="4" name="Date Placeholder 3"/>
           <p:cNvSpPr>
             <a:spLocks noGrp="1"/>
           </p:cNvSpPr>
@@ -994,7 +3228,7 @@
       </p:sp>
       <p:sp>
         <p:nvSpPr>
-          <p:cNvPr id="5" name="页脚占位符 4"/>
+          <p:cNvPr id="5" name="Footer Placeholder 4"/>
           <p:cNvSpPr>
             <a:spLocks noGrp="1"/>
           </p:cNvSpPr>
@@ -1013,7 +3247,7 @@
       </p:sp>
       <p:sp>
         <p:nvSpPr>
-          <p:cNvPr id="6" name="灯片编号占位符 5"/>
+          <p:cNvPr id="6" name="Slide Number Placeholder 5"/>
           <p:cNvSpPr>
             <a:spLocks noGrp="1"/>
           </p:cNvSpPr>
@@ -1037,7 +3271,7 @@
     </p:spTree>
     <p:extLst>
       <p:ext uri="{BB962C8B-B14F-4D97-AF65-F5344CB8AC3E}">
-        <p14:creationId xmlns:p14="http://schemas.microsoft.com/office/powerpoint/2010/main" val="3107394485"/>
+        <p14:creationId xmlns:p14="http://schemas.microsoft.com/office/powerpoint/2010/main" val="114477694"/>
       </p:ext>
     </p:extLst>
   </p:cSld>
@@ -1047,9 +3281,9 @@
 </p:sldLayout>
 </file>
 
-<file path=ppt/slideLayouts/slideLayout11.xml><?xml version="1.0" encoding="utf-8"?>
+<file path=ppt/slideLayouts/slideLayout16.xml><?xml version="1.0" encoding="utf-8"?>
 <p:sldLayout xmlns:a="http://schemas.openxmlformats.org/drawingml/2006/main" xmlns:r="http://schemas.openxmlformats.org/officeDocument/2006/relationships" xmlns:p="http://schemas.openxmlformats.org/presentationml/2006/main" type="vertTitleAndTx" preserve="1">
-  <p:cSld name="垂直排列标题与文本">
+  <p:cSld name="垂直排列标题与&#10;文本">
     <p:spTree>
       <p:nvGrpSpPr>
         <p:cNvPr id="1" name=""/>
@@ -1066,7 +3300,7 @@
       </p:grpSpPr>
       <p:sp>
         <p:nvSpPr>
-          <p:cNvPr id="2" name="竖排标题 1"/>
+          <p:cNvPr id="2" name="Vertical Title 1"/>
           <p:cNvSpPr>
             <a:spLocks noGrp="1"/>
           </p:cNvSpPr>
@@ -1076,42 +3310,42 @@
         </p:nvSpPr>
         <p:spPr>
           <a:xfrm>
-            <a:off x="6629400" y="274638"/>
-            <a:ext cx="2057400" cy="5851525"/>
+            <a:off x="5977312" y="609600"/>
+            <a:ext cx="978812" cy="5251451"/>
           </a:xfrm>
         </p:spPr>
         <p:txBody>
+          <a:bodyPr vert="eaVert" anchor="ctr"/>
+          <a:lstStyle/>
+          <a:p>
+            <a:r>
+              <a:rPr lang="zh-CN" altLang="en-US" smtClean="0"/>
+              <a:t>单击此处编辑母版标题样式</a:t>
+            </a:r>
+            <a:endParaRPr lang="en-US" dirty="0"/>
+          </a:p>
+        </p:txBody>
+      </p:sp>
+      <p:sp>
+        <p:nvSpPr>
+          <p:cNvPr id="3" name="Vertical Text Placeholder 2"/>
+          <p:cNvSpPr>
+            <a:spLocks noGrp="1"/>
+          </p:cNvSpPr>
+          <p:nvPr>
+            <p:ph type="body" orient="vert" idx="1"/>
+          </p:nvPr>
+        </p:nvSpPr>
+        <p:spPr>
+          <a:xfrm>
+            <a:off x="609599" y="609600"/>
+            <a:ext cx="5195026" cy="5251451"/>
+          </a:xfrm>
+        </p:spPr>
+        <p:txBody>
           <a:bodyPr vert="eaVert"/>
           <a:lstStyle/>
           <a:p>
-            <a:r>
-              <a:rPr lang="zh-CN" altLang="en-US" smtClean="0"/>
-              <a:t>单击此处编辑母版标题样式</a:t>
-            </a:r>
-            <a:endParaRPr lang="zh-CN" altLang="en-US"/>
-          </a:p>
-        </p:txBody>
-      </p:sp>
-      <p:sp>
-        <p:nvSpPr>
-          <p:cNvPr id="3" name="竖排文字占位符 2"/>
-          <p:cNvSpPr>
-            <a:spLocks noGrp="1"/>
-          </p:cNvSpPr>
-          <p:nvPr>
-            <p:ph type="body" orient="vert" idx="1"/>
-          </p:nvPr>
-        </p:nvSpPr>
-        <p:spPr>
-          <a:xfrm>
-            <a:off x="457200" y="274638"/>
-            <a:ext cx="6019800" cy="5851525"/>
-          </a:xfrm>
-        </p:spPr>
-        <p:txBody>
-          <a:bodyPr vert="eaVert"/>
-          <a:lstStyle/>
-          <a:p>
             <a:pPr lvl="0"/>
             <a:r>
               <a:rPr lang="zh-CN" altLang="en-US" smtClean="0"/>
@@ -1145,13 +3379,13 @@
               <a:rPr lang="zh-CN" altLang="en-US" smtClean="0"/>
               <a:t>第五级</a:t>
             </a:r>
-            <a:endParaRPr lang="zh-CN" altLang="en-US"/>
-          </a:p>
-        </p:txBody>
-      </p:sp>
-      <p:sp>
-        <p:nvSpPr>
-          <p:cNvPr id="4" name="日期占位符 3"/>
+            <a:endParaRPr lang="en-US" dirty="0"/>
+          </a:p>
+        </p:txBody>
+      </p:sp>
+      <p:sp>
+        <p:nvSpPr>
+          <p:cNvPr id="4" name="Date Placeholder 3"/>
           <p:cNvSpPr>
             <a:spLocks noGrp="1"/>
           </p:cNvSpPr>
@@ -1174,7 +3408,7 @@
       </p:sp>
       <p:sp>
         <p:nvSpPr>
-          <p:cNvPr id="5" name="页脚占位符 4"/>
+          <p:cNvPr id="5" name="Footer Placeholder 4"/>
           <p:cNvSpPr>
             <a:spLocks noGrp="1"/>
           </p:cNvSpPr>
@@ -1193,7 +3427,7 @@
       </p:sp>
       <p:sp>
         <p:nvSpPr>
-          <p:cNvPr id="6" name="灯片编号占位符 5"/>
+          <p:cNvPr id="6" name="Slide Number Placeholder 5"/>
           <p:cNvSpPr>
             <a:spLocks noGrp="1"/>
           </p:cNvSpPr>
@@ -1217,7 +3451,7 @@
     </p:spTree>
     <p:extLst>
       <p:ext uri="{BB962C8B-B14F-4D97-AF65-F5344CB8AC3E}">
-        <p14:creationId xmlns:p14="http://schemas.microsoft.com/office/powerpoint/2010/main" val="1303183880"/>
+        <p14:creationId xmlns:p14="http://schemas.microsoft.com/office/powerpoint/2010/main" val="3920818392"/>
       </p:ext>
     </p:extLst>
   </p:cSld>
@@ -1246,7 +3480,7 @@
       </p:grpSpPr>
       <p:sp>
         <p:nvSpPr>
-          <p:cNvPr id="2" name="标题 1"/>
+          <p:cNvPr id="2" name="Title 1"/>
           <p:cNvSpPr>
             <a:spLocks noGrp="1"/>
           </p:cNvSpPr>
@@ -1263,13 +3497,13 @@
               <a:rPr lang="zh-CN" altLang="en-US" smtClean="0"/>
               <a:t>单击此处编辑母版标题样式</a:t>
             </a:r>
-            <a:endParaRPr lang="zh-CN" altLang="en-US"/>
-          </a:p>
-        </p:txBody>
-      </p:sp>
-      <p:sp>
-        <p:nvSpPr>
-          <p:cNvPr id="3" name="内容占位符 2"/>
+            <a:endParaRPr lang="en-US" dirty="0"/>
+          </a:p>
+        </p:txBody>
+      </p:sp>
+      <p:sp>
+        <p:nvSpPr>
+          <p:cNvPr id="3" name="Content Placeholder 2"/>
           <p:cNvSpPr>
             <a:spLocks noGrp="1"/>
           </p:cNvSpPr>
@@ -1315,13 +3549,13 @@
               <a:rPr lang="zh-CN" altLang="en-US" smtClean="0"/>
               <a:t>第五级</a:t>
             </a:r>
-            <a:endParaRPr lang="zh-CN" altLang="en-US"/>
-          </a:p>
-        </p:txBody>
-      </p:sp>
-      <p:sp>
-        <p:nvSpPr>
-          <p:cNvPr id="4" name="日期占位符 3"/>
+            <a:endParaRPr lang="en-US" dirty="0"/>
+          </a:p>
+        </p:txBody>
+      </p:sp>
+      <p:sp>
+        <p:nvSpPr>
+          <p:cNvPr id="4" name="Date Placeholder 3"/>
           <p:cNvSpPr>
             <a:spLocks noGrp="1"/>
           </p:cNvSpPr>
@@ -1344,7 +3578,7 @@
       </p:sp>
       <p:sp>
         <p:nvSpPr>
-          <p:cNvPr id="5" name="页脚占位符 4"/>
+          <p:cNvPr id="5" name="Footer Placeholder 4"/>
           <p:cNvSpPr>
             <a:spLocks noGrp="1"/>
           </p:cNvSpPr>
@@ -1363,7 +3597,7 @@
       </p:sp>
       <p:sp>
         <p:nvSpPr>
-          <p:cNvPr id="6" name="灯片编号占位符 5"/>
+          <p:cNvPr id="6" name="Slide Number Placeholder 5"/>
           <p:cNvSpPr>
             <a:spLocks noGrp="1"/>
           </p:cNvSpPr>
@@ -1387,7 +3621,7 @@
     </p:spTree>
     <p:extLst>
       <p:ext uri="{BB962C8B-B14F-4D97-AF65-F5344CB8AC3E}">
-        <p14:creationId xmlns:p14="http://schemas.microsoft.com/office/powerpoint/2010/main" val="695876943"/>
+        <p14:creationId xmlns:p14="http://schemas.microsoft.com/office/powerpoint/2010/main" val="372534472"/>
       </p:ext>
     </p:extLst>
   </p:cSld>
@@ -1416,7 +3650,7 @@
       </p:grpSpPr>
       <p:sp>
         <p:nvSpPr>
-          <p:cNvPr id="2" name="标题 1"/>
+          <p:cNvPr id="2" name="Title 1"/>
           <p:cNvSpPr>
             <a:spLocks noGrp="1"/>
           </p:cNvSpPr>
@@ -1426,51 +3660,52 @@
         </p:nvSpPr>
         <p:spPr>
           <a:xfrm>
-            <a:off x="722313" y="4406900"/>
-            <a:ext cx="7772400" cy="1362075"/>
+            <a:off x="609598" y="2700868"/>
+            <a:ext cx="6347715" cy="1826581"/>
           </a:xfrm>
         </p:spPr>
         <p:txBody>
+          <a:bodyPr anchor="b"/>
+          <a:lstStyle>
+            <a:lvl1pPr algn="l">
+              <a:defRPr sz="4000" b="0" cap="none"/>
+            </a:lvl1pPr>
+          </a:lstStyle>
+          <a:p>
+            <a:r>
+              <a:rPr lang="zh-CN" altLang="en-US" smtClean="0"/>
+              <a:t>单击此处编辑母版标题样式</a:t>
+            </a:r>
+            <a:endParaRPr lang="en-US" dirty="0"/>
+          </a:p>
+        </p:txBody>
+      </p:sp>
+      <p:sp>
+        <p:nvSpPr>
+          <p:cNvPr id="3" name="Text Placeholder 2"/>
+          <p:cNvSpPr>
+            <a:spLocks noGrp="1"/>
+          </p:cNvSpPr>
+          <p:nvPr>
+            <p:ph type="body" idx="1"/>
+          </p:nvPr>
+        </p:nvSpPr>
+        <p:spPr>
+          <a:xfrm>
+            <a:off x="609598" y="4527448"/>
+            <a:ext cx="6347715" cy="860400"/>
+          </a:xfrm>
+        </p:spPr>
+        <p:txBody>
           <a:bodyPr anchor="t"/>
           <a:lstStyle>
-            <a:lvl1pPr algn="l">
-              <a:defRPr sz="4000" b="1" cap="all"/>
-            </a:lvl1pPr>
-          </a:lstStyle>
-          <a:p>
-            <a:r>
-              <a:rPr lang="zh-CN" altLang="en-US" smtClean="0"/>
-              <a:t>单击此处编辑母版标题样式</a:t>
-            </a:r>
-            <a:endParaRPr lang="zh-CN" altLang="en-US"/>
-          </a:p>
-        </p:txBody>
-      </p:sp>
-      <p:sp>
-        <p:nvSpPr>
-          <p:cNvPr id="3" name="文本占位符 2"/>
-          <p:cNvSpPr>
-            <a:spLocks noGrp="1"/>
-          </p:cNvSpPr>
-          <p:nvPr>
-            <p:ph type="body" idx="1"/>
-          </p:nvPr>
-        </p:nvSpPr>
-        <p:spPr>
-          <a:xfrm>
-            <a:off x="722313" y="2906713"/>
-            <a:ext cx="7772400" cy="1500187"/>
-          </a:xfrm>
-        </p:spPr>
-        <p:txBody>
-          <a:bodyPr anchor="b"/>
-          <a:lstStyle>
-            <a:lvl1pPr marL="0" indent="0">
+            <a:lvl1pPr marL="0" indent="0" algn="l">
               <a:buNone/>
               <a:defRPr sz="2000">
                 <a:solidFill>
                   <a:schemeClr val="tx1">
-                    <a:tint val="75000"/>
+                    <a:lumMod val="50000"/>
+                    <a:lumOff val="50000"/>
                   </a:schemeClr>
                 </a:solidFill>
               </a:defRPr>
@@ -1567,7 +3802,7 @@
       </p:sp>
       <p:sp>
         <p:nvSpPr>
-          <p:cNvPr id="4" name="日期占位符 3"/>
+          <p:cNvPr id="4" name="Date Placeholder 3"/>
           <p:cNvSpPr>
             <a:spLocks noGrp="1"/>
           </p:cNvSpPr>
@@ -1590,7 +3825,7 @@
       </p:sp>
       <p:sp>
         <p:nvSpPr>
-          <p:cNvPr id="5" name="页脚占位符 4"/>
+          <p:cNvPr id="5" name="Footer Placeholder 4"/>
           <p:cNvSpPr>
             <a:spLocks noGrp="1"/>
           </p:cNvSpPr>
@@ -1609,7 +3844,7 @@
       </p:sp>
       <p:sp>
         <p:nvSpPr>
-          <p:cNvPr id="6" name="灯片编号占位符 5"/>
+          <p:cNvPr id="6" name="Slide Number Placeholder 5"/>
           <p:cNvSpPr>
             <a:spLocks noGrp="1"/>
           </p:cNvSpPr>
@@ -1633,7 +3868,7 @@
     </p:spTree>
     <p:extLst>
       <p:ext uri="{BB962C8B-B14F-4D97-AF65-F5344CB8AC3E}">
-        <p14:creationId xmlns:p14="http://schemas.microsoft.com/office/powerpoint/2010/main" val="2485524376"/>
+        <p14:creationId xmlns:p14="http://schemas.microsoft.com/office/powerpoint/2010/main" val="3649188844"/>
       </p:ext>
     </p:extLst>
   </p:cSld>
@@ -1662,7 +3897,7 @@
       </p:grpSpPr>
       <p:sp>
         <p:nvSpPr>
-          <p:cNvPr id="2" name="标题 1"/>
+          <p:cNvPr id="2" name="Title 1"/>
           <p:cNvSpPr>
             <a:spLocks noGrp="1"/>
           </p:cNvSpPr>
@@ -1670,7 +3905,12 @@
             <p:ph type="title"/>
           </p:nvPr>
         </p:nvSpPr>
-        <p:spPr/>
+        <p:spPr>
+          <a:xfrm>
+            <a:off x="609600" y="609600"/>
+            <a:ext cx="6347714" cy="1320800"/>
+          </a:xfrm>
+        </p:spPr>
         <p:txBody>
           <a:bodyPr/>
           <a:lstStyle/>
@@ -1679,13 +3919,13 @@
               <a:rPr lang="zh-CN" altLang="en-US" smtClean="0"/>
               <a:t>单击此处编辑母版标题样式</a:t>
             </a:r>
-            <a:endParaRPr lang="zh-CN" altLang="en-US"/>
-          </a:p>
-        </p:txBody>
-      </p:sp>
-      <p:sp>
-        <p:nvSpPr>
-          <p:cNvPr id="3" name="内容占位符 2"/>
+            <a:endParaRPr lang="en-US" dirty="0"/>
+          </a:p>
+        </p:txBody>
+      </p:sp>
+      <p:sp>
+        <p:nvSpPr>
+          <p:cNvPr id="3" name="Content Placeholder 2"/>
           <p:cNvSpPr>
             <a:spLocks noGrp="1"/>
           </p:cNvSpPr>
@@ -1695,39 +3935,41 @@
         </p:nvSpPr>
         <p:spPr>
           <a:xfrm>
-            <a:off x="457200" y="1600200"/>
-            <a:ext cx="4038600" cy="4525963"/>
+            <a:off x="609600" y="2160589"/>
+            <a:ext cx="3088109" cy="3880772"/>
           </a:xfrm>
         </p:spPr>
         <p:txBody>
-          <a:bodyPr/>
+          <a:bodyPr>
+            <a:normAutofit/>
+          </a:bodyPr>
           <a:lstStyle>
             <a:lvl1pPr>
-              <a:defRPr sz="2800"/>
+              <a:defRPr sz="1800"/>
             </a:lvl1pPr>
             <a:lvl2pPr>
-              <a:defRPr sz="2400"/>
+              <a:defRPr sz="1600"/>
             </a:lvl2pPr>
             <a:lvl3pPr>
-              <a:defRPr sz="2000"/>
+              <a:defRPr sz="1400"/>
             </a:lvl3pPr>
             <a:lvl4pPr>
-              <a:defRPr sz="1800"/>
+              <a:defRPr sz="1200"/>
             </a:lvl4pPr>
             <a:lvl5pPr>
-              <a:defRPr sz="1800"/>
+              <a:defRPr sz="1200"/>
             </a:lvl5pPr>
             <a:lvl6pPr>
-              <a:defRPr sz="1800"/>
+              <a:defRPr sz="1200"/>
             </a:lvl6pPr>
             <a:lvl7pPr>
-              <a:defRPr sz="1800"/>
+              <a:defRPr sz="1200"/>
             </a:lvl7pPr>
             <a:lvl8pPr>
-              <a:defRPr sz="1800"/>
+              <a:defRPr sz="1200"/>
             </a:lvl8pPr>
             <a:lvl9pPr>
-              <a:defRPr sz="1800"/>
+              <a:defRPr sz="1200"/>
             </a:lvl9pPr>
           </a:lstStyle>
           <a:p>
@@ -1764,13 +4006,13 @@
               <a:rPr lang="zh-CN" altLang="en-US" smtClean="0"/>
               <a:t>第五级</a:t>
             </a:r>
-            <a:endParaRPr lang="zh-CN" altLang="en-US"/>
-          </a:p>
-        </p:txBody>
-      </p:sp>
-      <p:sp>
-        <p:nvSpPr>
-          <p:cNvPr id="4" name="内容占位符 3"/>
+            <a:endParaRPr lang="en-US" dirty="0"/>
+          </a:p>
+        </p:txBody>
+      </p:sp>
+      <p:sp>
+        <p:nvSpPr>
+          <p:cNvPr id="4" name="Content Placeholder 3"/>
           <p:cNvSpPr>
             <a:spLocks noGrp="1"/>
           </p:cNvSpPr>
@@ -1780,39 +4022,41 @@
         </p:nvSpPr>
         <p:spPr>
           <a:xfrm>
-            <a:off x="4648200" y="1600200"/>
-            <a:ext cx="4038600" cy="4525963"/>
+            <a:off x="3869204" y="2160590"/>
+            <a:ext cx="3088110" cy="3880773"/>
           </a:xfrm>
         </p:spPr>
         <p:txBody>
-          <a:bodyPr/>
+          <a:bodyPr>
+            <a:normAutofit/>
+          </a:bodyPr>
           <a:lstStyle>
             <a:lvl1pPr>
-              <a:defRPr sz="2800"/>
+              <a:defRPr sz="1800"/>
             </a:lvl1pPr>
             <a:lvl2pPr>
-              <a:defRPr sz="2400"/>
+              <a:defRPr sz="1600"/>
             </a:lvl2pPr>
             <a:lvl3pPr>
-              <a:defRPr sz="2000"/>
+              <a:defRPr sz="1400"/>
             </a:lvl3pPr>
             <a:lvl4pPr>
-              <a:defRPr sz="1800"/>
+              <a:defRPr sz="1200"/>
             </a:lvl4pPr>
             <a:lvl5pPr>
-              <a:defRPr sz="1800"/>
+              <a:defRPr sz="1200"/>
             </a:lvl5pPr>
             <a:lvl6pPr>
-              <a:defRPr sz="1800"/>
+              <a:defRPr sz="1200"/>
             </a:lvl6pPr>
             <a:lvl7pPr>
-              <a:defRPr sz="1800"/>
+              <a:defRPr sz="1200"/>
             </a:lvl7pPr>
             <a:lvl8pPr>
-              <a:defRPr sz="1800"/>
+              <a:defRPr sz="1200"/>
             </a:lvl8pPr>
             <a:lvl9pPr>
-              <a:defRPr sz="1800"/>
+              <a:defRPr sz="1200"/>
             </a:lvl9pPr>
           </a:lstStyle>
           <a:p>
@@ -1849,13 +4093,13 @@
               <a:rPr lang="zh-CN" altLang="en-US" smtClean="0"/>
               <a:t>第五级</a:t>
             </a:r>
-            <a:endParaRPr lang="zh-CN" altLang="en-US"/>
-          </a:p>
-        </p:txBody>
-      </p:sp>
-      <p:sp>
-        <p:nvSpPr>
-          <p:cNvPr id="5" name="日期占位符 4"/>
+            <a:endParaRPr lang="en-US" dirty="0"/>
+          </a:p>
+        </p:txBody>
+      </p:sp>
+      <p:sp>
+        <p:nvSpPr>
+          <p:cNvPr id="5" name="Date Placeholder 4"/>
           <p:cNvSpPr>
             <a:spLocks noGrp="1"/>
           </p:cNvSpPr>
@@ -1878,7 +4122,7 @@
       </p:sp>
       <p:sp>
         <p:nvSpPr>
-          <p:cNvPr id="6" name="页脚占位符 5"/>
+          <p:cNvPr id="6" name="Footer Placeholder 5"/>
           <p:cNvSpPr>
             <a:spLocks noGrp="1"/>
           </p:cNvSpPr>
@@ -1897,7 +4141,7 @@
       </p:sp>
       <p:sp>
         <p:nvSpPr>
-          <p:cNvPr id="7" name="灯片编号占位符 6"/>
+          <p:cNvPr id="7" name="Slide Number Placeholder 6"/>
           <p:cNvSpPr>
             <a:spLocks noGrp="1"/>
           </p:cNvSpPr>
@@ -1921,7 +4165,7 @@
     </p:spTree>
     <p:extLst>
       <p:ext uri="{BB962C8B-B14F-4D97-AF65-F5344CB8AC3E}">
-        <p14:creationId xmlns:p14="http://schemas.microsoft.com/office/powerpoint/2010/main" val="2300294879"/>
+        <p14:creationId xmlns:p14="http://schemas.microsoft.com/office/powerpoint/2010/main" val="3506016714"/>
       </p:ext>
     </p:extLst>
   </p:cSld>
@@ -1950,7 +4194,7 @@
       </p:grpSpPr>
       <p:sp>
         <p:nvSpPr>
-          <p:cNvPr id="2" name="标题 1"/>
+          <p:cNvPr id="2" name="Title 1"/>
           <p:cNvSpPr>
             <a:spLocks noGrp="1"/>
           </p:cNvSpPr>
@@ -1958,7 +4202,12 @@
             <p:ph type="title"/>
           </p:nvPr>
         </p:nvSpPr>
-        <p:spPr/>
+        <p:spPr>
+          <a:xfrm>
+            <a:off x="609599" y="609600"/>
+            <a:ext cx="6347713" cy="1320800"/>
+          </a:xfrm>
+        </p:spPr>
         <p:txBody>
           <a:bodyPr/>
           <a:lstStyle>
@@ -1971,13 +4220,13 @@
               <a:rPr lang="zh-CN" altLang="en-US" smtClean="0"/>
               <a:t>单击此处编辑母版标题样式</a:t>
             </a:r>
-            <a:endParaRPr lang="zh-CN" altLang="en-US"/>
-          </a:p>
-        </p:txBody>
-      </p:sp>
-      <p:sp>
-        <p:nvSpPr>
-          <p:cNvPr id="3" name="文本占位符 2"/>
+            <a:endParaRPr lang="en-US" dirty="0"/>
+          </a:p>
+        </p:txBody>
+      </p:sp>
+      <p:sp>
+        <p:nvSpPr>
+          <p:cNvPr id="3" name="Text Placeholder 2"/>
           <p:cNvSpPr>
             <a:spLocks noGrp="1"/>
           </p:cNvSpPr>
@@ -1987,16 +4236,18 @@
         </p:nvSpPr>
         <p:spPr>
           <a:xfrm>
-            <a:off x="457200" y="1535113"/>
-            <a:ext cx="4040188" cy="639762"/>
+            <a:off x="609599" y="2160983"/>
+            <a:ext cx="3090672" cy="576262"/>
           </a:xfrm>
         </p:spPr>
         <p:txBody>
-          <a:bodyPr anchor="b"/>
+          <a:bodyPr anchor="b">
+            <a:noAutofit/>
+          </a:bodyPr>
           <a:lstStyle>
             <a:lvl1pPr marL="0" indent="0">
               <a:buNone/>
-              <a:defRPr sz="2400" b="1"/>
+              <a:defRPr sz="2400" b="0"/>
             </a:lvl1pPr>
             <a:lvl2pPr marL="457200" indent="0">
               <a:buNone/>
@@ -2042,7 +4293,7 @@
       </p:sp>
       <p:sp>
         <p:nvSpPr>
-          <p:cNvPr id="4" name="内容占位符 3"/>
+          <p:cNvPr id="4" name="Content Placeholder 3"/>
           <p:cNvSpPr>
             <a:spLocks noGrp="1"/>
           </p:cNvSpPr>
@@ -2052,41 +4303,15 @@
         </p:nvSpPr>
         <p:spPr>
           <a:xfrm>
-            <a:off x="457200" y="2174875"/>
-            <a:ext cx="4040188" cy="3951288"/>
+            <a:off x="609599" y="2737246"/>
+            <a:ext cx="3090672" cy="3304117"/>
           </a:xfrm>
         </p:spPr>
         <p:txBody>
-          <a:bodyPr/>
-          <a:lstStyle>
-            <a:lvl1pPr>
-              <a:defRPr sz="2400"/>
-            </a:lvl1pPr>
-            <a:lvl2pPr>
-              <a:defRPr sz="2000"/>
-            </a:lvl2pPr>
-            <a:lvl3pPr>
-              <a:defRPr sz="1800"/>
-            </a:lvl3pPr>
-            <a:lvl4pPr>
-              <a:defRPr sz="1600"/>
-            </a:lvl4pPr>
-            <a:lvl5pPr>
-              <a:defRPr sz="1600"/>
-            </a:lvl5pPr>
-            <a:lvl6pPr>
-              <a:defRPr sz="1600"/>
-            </a:lvl6pPr>
-            <a:lvl7pPr>
-              <a:defRPr sz="1600"/>
-            </a:lvl7pPr>
-            <a:lvl8pPr>
-              <a:defRPr sz="1600"/>
-            </a:lvl8pPr>
-            <a:lvl9pPr>
-              <a:defRPr sz="1600"/>
-            </a:lvl9pPr>
-          </a:lstStyle>
+          <a:bodyPr>
+            <a:normAutofit/>
+          </a:bodyPr>
+          <a:lstStyle/>
           <a:p>
             <a:pPr lvl="0"/>
             <a:r>
@@ -2121,13 +4346,13 @@
               <a:rPr lang="zh-CN" altLang="en-US" smtClean="0"/>
               <a:t>第五级</a:t>
             </a:r>
-            <a:endParaRPr lang="zh-CN" altLang="en-US"/>
-          </a:p>
-        </p:txBody>
-      </p:sp>
-      <p:sp>
-        <p:nvSpPr>
-          <p:cNvPr id="5" name="文本占位符 4"/>
+            <a:endParaRPr lang="en-US" dirty="0"/>
+          </a:p>
+        </p:txBody>
+      </p:sp>
+      <p:sp>
+        <p:nvSpPr>
+          <p:cNvPr id="5" name="Text Placeholder 4"/>
           <p:cNvSpPr>
             <a:spLocks noGrp="1"/>
           </p:cNvSpPr>
@@ -2137,16 +4362,18 @@
         </p:nvSpPr>
         <p:spPr>
           <a:xfrm>
-            <a:off x="4645025" y="1535113"/>
-            <a:ext cx="4041775" cy="639762"/>
+            <a:off x="3866640" y="2160983"/>
+            <a:ext cx="3090672" cy="576262"/>
           </a:xfrm>
         </p:spPr>
         <p:txBody>
-          <a:bodyPr anchor="b"/>
+          <a:bodyPr anchor="b">
+            <a:noAutofit/>
+          </a:bodyPr>
           <a:lstStyle>
             <a:lvl1pPr marL="0" indent="0">
               <a:buNone/>
-              <a:defRPr sz="2400" b="1"/>
+              <a:defRPr sz="2400" b="0"/>
             </a:lvl1pPr>
             <a:lvl2pPr marL="457200" indent="0">
               <a:buNone/>
@@ -2192,7 +4419,7 @@
       </p:sp>
       <p:sp>
         <p:nvSpPr>
-          <p:cNvPr id="6" name="内容占位符 5"/>
+          <p:cNvPr id="6" name="Content Placeholder 5"/>
           <p:cNvSpPr>
             <a:spLocks noGrp="1"/>
           </p:cNvSpPr>
@@ -2202,41 +4429,15 @@
         </p:nvSpPr>
         <p:spPr>
           <a:xfrm>
-            <a:off x="4645025" y="2174875"/>
-            <a:ext cx="4041775" cy="3951288"/>
+            <a:off x="3866640" y="2737246"/>
+            <a:ext cx="3090672" cy="3304117"/>
           </a:xfrm>
         </p:spPr>
         <p:txBody>
-          <a:bodyPr/>
-          <a:lstStyle>
-            <a:lvl1pPr>
-              <a:defRPr sz="2400"/>
-            </a:lvl1pPr>
-            <a:lvl2pPr>
-              <a:defRPr sz="2000"/>
-            </a:lvl2pPr>
-            <a:lvl3pPr>
-              <a:defRPr sz="1800"/>
-            </a:lvl3pPr>
-            <a:lvl4pPr>
-              <a:defRPr sz="1600"/>
-            </a:lvl4pPr>
-            <a:lvl5pPr>
-              <a:defRPr sz="1600"/>
-            </a:lvl5pPr>
-            <a:lvl6pPr>
-              <a:defRPr sz="1600"/>
-            </a:lvl6pPr>
-            <a:lvl7pPr>
-              <a:defRPr sz="1600"/>
-            </a:lvl7pPr>
-            <a:lvl8pPr>
-              <a:defRPr sz="1600"/>
-            </a:lvl8pPr>
-            <a:lvl9pPr>
-              <a:defRPr sz="1600"/>
-            </a:lvl9pPr>
-          </a:lstStyle>
+          <a:bodyPr>
+            <a:normAutofit/>
+          </a:bodyPr>
+          <a:lstStyle/>
           <a:p>
             <a:pPr lvl="0"/>
             <a:r>
@@ -2271,13 +4472,13 @@
               <a:rPr lang="zh-CN" altLang="en-US" smtClean="0"/>
               <a:t>第五级</a:t>
             </a:r>
-            <a:endParaRPr lang="zh-CN" altLang="en-US"/>
-          </a:p>
-        </p:txBody>
-      </p:sp>
-      <p:sp>
-        <p:nvSpPr>
-          <p:cNvPr id="7" name="日期占位符 6"/>
+            <a:endParaRPr lang="en-US" dirty="0"/>
+          </a:p>
+        </p:txBody>
+      </p:sp>
+      <p:sp>
+        <p:nvSpPr>
+          <p:cNvPr id="7" name="Date Placeholder 6"/>
           <p:cNvSpPr>
             <a:spLocks noGrp="1"/>
           </p:cNvSpPr>
@@ -2300,7 +4501,7 @@
       </p:sp>
       <p:sp>
         <p:nvSpPr>
-          <p:cNvPr id="8" name="页脚占位符 7"/>
+          <p:cNvPr id="8" name="Footer Placeholder 7"/>
           <p:cNvSpPr>
             <a:spLocks noGrp="1"/>
           </p:cNvSpPr>
@@ -2319,7 +4520,7 @@
       </p:sp>
       <p:sp>
         <p:nvSpPr>
-          <p:cNvPr id="9" name="灯片编号占位符 8"/>
+          <p:cNvPr id="9" name="Slide Number Placeholder 8"/>
           <p:cNvSpPr>
             <a:spLocks noGrp="1"/>
           </p:cNvSpPr>
@@ -2343,7 +4544,7 @@
     </p:spTree>
     <p:extLst>
       <p:ext uri="{BB962C8B-B14F-4D97-AF65-F5344CB8AC3E}">
-        <p14:creationId xmlns:p14="http://schemas.microsoft.com/office/powerpoint/2010/main" val="2226347492"/>
+        <p14:creationId xmlns:p14="http://schemas.microsoft.com/office/powerpoint/2010/main" val="1101650501"/>
       </p:ext>
     </p:extLst>
   </p:cSld>
@@ -2372,7 +4573,7 @@
       </p:grpSpPr>
       <p:sp>
         <p:nvSpPr>
-          <p:cNvPr id="2" name="标题 1"/>
+          <p:cNvPr id="2" name="Title 1"/>
           <p:cNvSpPr>
             <a:spLocks noGrp="1"/>
           </p:cNvSpPr>
@@ -2380,7 +4581,12 @@
             <p:ph type="title"/>
           </p:nvPr>
         </p:nvSpPr>
-        <p:spPr/>
+        <p:spPr>
+          <a:xfrm>
+            <a:off x="609599" y="609600"/>
+            <a:ext cx="6347714" cy="1320800"/>
+          </a:xfrm>
+        </p:spPr>
         <p:txBody>
           <a:bodyPr/>
           <a:lstStyle/>
@@ -2389,13 +4595,13 @@
               <a:rPr lang="zh-CN" altLang="en-US" smtClean="0"/>
               <a:t>单击此处编辑母版标题样式</a:t>
             </a:r>
-            <a:endParaRPr lang="zh-CN" altLang="en-US"/>
-          </a:p>
-        </p:txBody>
-      </p:sp>
-      <p:sp>
-        <p:nvSpPr>
-          <p:cNvPr id="3" name="日期占位符 2"/>
+            <a:endParaRPr lang="en-US" dirty="0"/>
+          </a:p>
+        </p:txBody>
+      </p:sp>
+      <p:sp>
+        <p:nvSpPr>
+          <p:cNvPr id="3" name="Date Placeholder 2"/>
           <p:cNvSpPr>
             <a:spLocks noGrp="1"/>
           </p:cNvSpPr>
@@ -2418,7 +4624,7 @@
       </p:sp>
       <p:sp>
         <p:nvSpPr>
-          <p:cNvPr id="4" name="页脚占位符 3"/>
+          <p:cNvPr id="4" name="Footer Placeholder 3"/>
           <p:cNvSpPr>
             <a:spLocks noGrp="1"/>
           </p:cNvSpPr>
@@ -2437,7 +4643,7 @@
       </p:sp>
       <p:sp>
         <p:nvSpPr>
-          <p:cNvPr id="5" name="灯片编号占位符 4"/>
+          <p:cNvPr id="5" name="Slide Number Placeholder 4"/>
           <p:cNvSpPr>
             <a:spLocks noGrp="1"/>
           </p:cNvSpPr>
@@ -2461,7 +4667,7 @@
     </p:spTree>
     <p:extLst>
       <p:ext uri="{BB962C8B-B14F-4D97-AF65-F5344CB8AC3E}">
-        <p14:creationId xmlns:p14="http://schemas.microsoft.com/office/powerpoint/2010/main" val="1541191587"/>
+        <p14:creationId xmlns:p14="http://schemas.microsoft.com/office/powerpoint/2010/main" val="1745197874"/>
       </p:ext>
     </p:extLst>
   </p:cSld>
@@ -2490,7 +4696,7 @@
       </p:grpSpPr>
       <p:sp>
         <p:nvSpPr>
-          <p:cNvPr id="2" name="日期占位符 1"/>
+          <p:cNvPr id="2" name="Date Placeholder 1"/>
           <p:cNvSpPr>
             <a:spLocks noGrp="1"/>
           </p:cNvSpPr>
@@ -2513,7 +4719,7 @@
       </p:sp>
       <p:sp>
         <p:nvSpPr>
-          <p:cNvPr id="3" name="页脚占位符 2"/>
+          <p:cNvPr id="3" name="Footer Placeholder 2"/>
           <p:cNvSpPr>
             <a:spLocks noGrp="1"/>
           </p:cNvSpPr>
@@ -2532,7 +4738,7 @@
       </p:sp>
       <p:sp>
         <p:nvSpPr>
-          <p:cNvPr id="4" name="灯片编号占位符 3"/>
+          <p:cNvPr id="4" name="Slide Number Placeholder 3"/>
           <p:cNvSpPr>
             <a:spLocks noGrp="1"/>
           </p:cNvSpPr>
@@ -2556,7 +4762,7 @@
     </p:spTree>
     <p:extLst>
       <p:ext uri="{BB962C8B-B14F-4D97-AF65-F5344CB8AC3E}">
-        <p14:creationId xmlns:p14="http://schemas.microsoft.com/office/powerpoint/2010/main" val="3795182783"/>
+        <p14:creationId xmlns:p14="http://schemas.microsoft.com/office/powerpoint/2010/main" val="4051752903"/>
       </p:ext>
     </p:extLst>
   </p:cSld>
@@ -2585,7 +4791,7 @@
       </p:grpSpPr>
       <p:sp>
         <p:nvSpPr>
-          <p:cNvPr id="2" name="标题 1"/>
+          <p:cNvPr id="2" name="Title 1"/>
           <p:cNvSpPr>
             <a:spLocks noGrp="1"/>
           </p:cNvSpPr>
@@ -2595,15 +4801,17 @@
         </p:nvSpPr>
         <p:spPr>
           <a:xfrm>
-            <a:off x="457200" y="273050"/>
-            <a:ext cx="3008313" cy="1162050"/>
+            <a:off x="609599" y="1498604"/>
+            <a:ext cx="2790182" cy="1278466"/>
           </a:xfrm>
         </p:spPr>
         <p:txBody>
-          <a:bodyPr anchor="b"/>
+          <a:bodyPr anchor="b">
+            <a:normAutofit/>
+          </a:bodyPr>
           <a:lstStyle>
-            <a:lvl1pPr algn="l">
-              <a:defRPr sz="2000" b="1"/>
+            <a:lvl1pPr>
+              <a:defRPr sz="2000"/>
             </a:lvl1pPr>
           </a:lstStyle>
           <a:p>
@@ -2611,13 +4819,13 @@
               <a:rPr lang="zh-CN" altLang="en-US" smtClean="0"/>
               <a:t>单击此处编辑母版标题样式</a:t>
             </a:r>
-            <a:endParaRPr lang="zh-CN" altLang="en-US"/>
-          </a:p>
-        </p:txBody>
-      </p:sp>
-      <p:sp>
-        <p:nvSpPr>
-          <p:cNvPr id="3" name="内容占位符 2"/>
+            <a:endParaRPr lang="en-US" dirty="0"/>
+          </a:p>
+        </p:txBody>
+      </p:sp>
+      <p:sp>
+        <p:nvSpPr>
+          <p:cNvPr id="3" name="Content Placeholder 2"/>
           <p:cNvSpPr>
             <a:spLocks noGrp="1"/>
           </p:cNvSpPr>
@@ -2627,39 +4835,109 @@
         </p:nvSpPr>
         <p:spPr>
           <a:xfrm>
-            <a:off x="3575050" y="273050"/>
-            <a:ext cx="5111750" cy="5853113"/>
+            <a:off x="3571275" y="514925"/>
+            <a:ext cx="3386037" cy="5526437"/>
           </a:xfrm>
         </p:spPr>
         <p:txBody>
-          <a:bodyPr/>
+          <a:bodyPr>
+            <a:normAutofit/>
+          </a:bodyPr>
+          <a:lstStyle/>
+          <a:p>
+            <a:pPr lvl="0"/>
+            <a:r>
+              <a:rPr lang="zh-CN" altLang="en-US" smtClean="0"/>
+              <a:t>单击此处编辑母版文本样式</a:t>
+            </a:r>
+          </a:p>
+          <a:p>
+            <a:pPr lvl="1"/>
+            <a:r>
+              <a:rPr lang="zh-CN" altLang="en-US" smtClean="0"/>
+              <a:t>第二级</a:t>
+            </a:r>
+          </a:p>
+          <a:p>
+            <a:pPr lvl="2"/>
+            <a:r>
+              <a:rPr lang="zh-CN" altLang="en-US" smtClean="0"/>
+              <a:t>第三级</a:t>
+            </a:r>
+          </a:p>
+          <a:p>
+            <a:pPr lvl="3"/>
+            <a:r>
+              <a:rPr lang="zh-CN" altLang="en-US" smtClean="0"/>
+              <a:t>第四级</a:t>
+            </a:r>
+          </a:p>
+          <a:p>
+            <a:pPr lvl="4"/>
+            <a:r>
+              <a:rPr lang="zh-CN" altLang="en-US" smtClean="0"/>
+              <a:t>第五级</a:t>
+            </a:r>
+            <a:endParaRPr lang="en-US" dirty="0"/>
+          </a:p>
+        </p:txBody>
+      </p:sp>
+      <p:sp>
+        <p:nvSpPr>
+          <p:cNvPr id="4" name="Text Placeholder 3"/>
+          <p:cNvSpPr>
+            <a:spLocks noGrp="1"/>
+          </p:cNvSpPr>
+          <p:nvPr>
+            <p:ph type="body" sz="half" idx="2"/>
+          </p:nvPr>
+        </p:nvSpPr>
+        <p:spPr>
+          <a:xfrm>
+            <a:off x="609599" y="2777069"/>
+            <a:ext cx="2790182" cy="2584449"/>
+          </a:xfrm>
+        </p:spPr>
+        <p:txBody>
+          <a:bodyPr>
+            <a:normAutofit/>
+          </a:bodyPr>
           <a:lstStyle>
-            <a:lvl1pPr>
-              <a:defRPr sz="3200"/>
+            <a:lvl1pPr marL="0" indent="0">
+              <a:buNone/>
+              <a:defRPr sz="1400"/>
             </a:lvl1pPr>
-            <a:lvl2pPr>
-              <a:defRPr sz="2800"/>
+            <a:lvl2pPr marL="342900" indent="0">
+              <a:buNone/>
+              <a:defRPr sz="1050"/>
             </a:lvl2pPr>
-            <a:lvl3pPr>
-              <a:defRPr sz="2400"/>
+            <a:lvl3pPr marL="685800" indent="0">
+              <a:buNone/>
+              <a:defRPr sz="900"/>
             </a:lvl3pPr>
-            <a:lvl4pPr>
-              <a:defRPr sz="2000"/>
+            <a:lvl4pPr marL="1028700" indent="0">
+              <a:buNone/>
+              <a:defRPr sz="750"/>
             </a:lvl4pPr>
-            <a:lvl5pPr>
-              <a:defRPr sz="2000"/>
+            <a:lvl5pPr marL="1371600" indent="0">
+              <a:buNone/>
+              <a:defRPr sz="750"/>
             </a:lvl5pPr>
-            <a:lvl6pPr>
-              <a:defRPr sz="2000"/>
+            <a:lvl6pPr marL="1714500" indent="0">
+              <a:buNone/>
+              <a:defRPr sz="750"/>
             </a:lvl6pPr>
-            <a:lvl7pPr>
-              <a:defRPr sz="2000"/>
+            <a:lvl7pPr marL="2057400" indent="0">
+              <a:buNone/>
+              <a:defRPr sz="750"/>
             </a:lvl7pPr>
-            <a:lvl8pPr>
-              <a:defRPr sz="2000"/>
+            <a:lvl8pPr marL="2400300" indent="0">
+              <a:buNone/>
+              <a:defRPr sz="750"/>
             </a:lvl8pPr>
-            <a:lvl9pPr>
-              <a:defRPr sz="2000"/>
+            <a:lvl9pPr marL="2743200" indent="0">
+              <a:buNone/>
+              <a:defRPr sz="750"/>
             </a:lvl9pPr>
           </a:lstStyle>
           <a:p>
@@ -2669,105 +4947,11 @@
               <a:t>单击此处编辑母版文本样式</a:t>
             </a:r>
           </a:p>
-          <a:p>
-            <a:pPr lvl="1"/>
-            <a:r>
-              <a:rPr lang="zh-CN" altLang="en-US" smtClean="0"/>
-              <a:t>第二级</a:t>
-            </a:r>
-          </a:p>
-          <a:p>
-            <a:pPr lvl="2"/>
-            <a:r>
-              <a:rPr lang="zh-CN" altLang="en-US" smtClean="0"/>
-              <a:t>第三级</a:t>
-            </a:r>
-          </a:p>
-          <a:p>
-            <a:pPr lvl="3"/>
-            <a:r>
-              <a:rPr lang="zh-CN" altLang="en-US" smtClean="0"/>
-              <a:t>第四级</a:t>
-            </a:r>
-          </a:p>
-          <a:p>
-            <a:pPr lvl="4"/>
-            <a:r>
-              <a:rPr lang="zh-CN" altLang="en-US" smtClean="0"/>
-              <a:t>第五级</a:t>
-            </a:r>
-            <a:endParaRPr lang="zh-CN" altLang="en-US"/>
-          </a:p>
-        </p:txBody>
-      </p:sp>
-      <p:sp>
-        <p:nvSpPr>
-          <p:cNvPr id="4" name="文本占位符 3"/>
-          <p:cNvSpPr>
-            <a:spLocks noGrp="1"/>
-          </p:cNvSpPr>
-          <p:nvPr>
-            <p:ph type="body" sz="half" idx="2"/>
-          </p:nvPr>
-        </p:nvSpPr>
-        <p:spPr>
-          <a:xfrm>
-            <a:off x="457200" y="1435100"/>
-            <a:ext cx="3008313" cy="4691063"/>
-          </a:xfrm>
-        </p:spPr>
-        <p:txBody>
-          <a:bodyPr/>
-          <a:lstStyle>
-            <a:lvl1pPr marL="0" indent="0">
-              <a:buNone/>
-              <a:defRPr sz="1400"/>
-            </a:lvl1pPr>
-            <a:lvl2pPr marL="457200" indent="0">
-              <a:buNone/>
-              <a:defRPr sz="1200"/>
-            </a:lvl2pPr>
-            <a:lvl3pPr marL="914400" indent="0">
-              <a:buNone/>
-              <a:defRPr sz="1000"/>
-            </a:lvl3pPr>
-            <a:lvl4pPr marL="1371600" indent="0">
-              <a:buNone/>
-              <a:defRPr sz="900"/>
-            </a:lvl4pPr>
-            <a:lvl5pPr marL="1828800" indent="0">
-              <a:buNone/>
-              <a:defRPr sz="900"/>
-            </a:lvl5pPr>
-            <a:lvl6pPr marL="2286000" indent="0">
-              <a:buNone/>
-              <a:defRPr sz="900"/>
-            </a:lvl6pPr>
-            <a:lvl7pPr marL="2743200" indent="0">
-              <a:buNone/>
-              <a:defRPr sz="900"/>
-            </a:lvl7pPr>
-            <a:lvl8pPr marL="3200400" indent="0">
-              <a:buNone/>
-              <a:defRPr sz="900"/>
-            </a:lvl8pPr>
-            <a:lvl9pPr marL="3657600" indent="0">
-              <a:buNone/>
-              <a:defRPr sz="900"/>
-            </a:lvl9pPr>
-          </a:lstStyle>
-          <a:p>
-            <a:pPr lvl="0"/>
-            <a:r>
-              <a:rPr lang="zh-CN" altLang="en-US" smtClean="0"/>
-              <a:t>单击此处编辑母版文本样式</a:t>
-            </a:r>
-          </a:p>
-        </p:txBody>
-      </p:sp>
-      <p:sp>
-        <p:nvSpPr>
-          <p:cNvPr id="5" name="日期占位符 4"/>
+        </p:txBody>
+      </p:sp>
+      <p:sp>
+        <p:nvSpPr>
+          <p:cNvPr id="5" name="Date Placeholder 4"/>
           <p:cNvSpPr>
             <a:spLocks noGrp="1"/>
           </p:cNvSpPr>
@@ -2790,7 +4974,7 @@
       </p:sp>
       <p:sp>
         <p:nvSpPr>
-          <p:cNvPr id="6" name="页脚占位符 5"/>
+          <p:cNvPr id="6" name="Footer Placeholder 5"/>
           <p:cNvSpPr>
             <a:spLocks noGrp="1"/>
           </p:cNvSpPr>
@@ -2809,7 +4993,7 @@
       </p:sp>
       <p:sp>
         <p:nvSpPr>
-          <p:cNvPr id="7" name="灯片编号占位符 6"/>
+          <p:cNvPr id="7" name="Slide Number Placeholder 6"/>
           <p:cNvSpPr>
             <a:spLocks noGrp="1"/>
           </p:cNvSpPr>
@@ -2833,7 +5017,7 @@
     </p:spTree>
     <p:extLst>
       <p:ext uri="{BB962C8B-B14F-4D97-AF65-F5344CB8AC3E}">
-        <p14:creationId xmlns:p14="http://schemas.microsoft.com/office/powerpoint/2010/main" val="3990666802"/>
+        <p14:creationId xmlns:p14="http://schemas.microsoft.com/office/powerpoint/2010/main" val="2367880243"/>
       </p:ext>
     </p:extLst>
   </p:cSld>
@@ -2862,7 +5046,7 @@
       </p:grpSpPr>
       <p:sp>
         <p:nvSpPr>
-          <p:cNvPr id="2" name="标题 1"/>
+          <p:cNvPr id="2" name="Title 1"/>
           <p:cNvSpPr>
             <a:spLocks noGrp="1"/>
           </p:cNvSpPr>
@@ -2872,15 +5056,17 @@
         </p:nvSpPr>
         <p:spPr>
           <a:xfrm>
-            <a:off x="1792288" y="4800600"/>
-            <a:ext cx="5486400" cy="566738"/>
+            <a:off x="609599" y="4800600"/>
+            <a:ext cx="6347714" cy="566738"/>
           </a:xfrm>
         </p:spPr>
         <p:txBody>
-          <a:bodyPr anchor="b"/>
+          <a:bodyPr anchor="b">
+            <a:normAutofit/>
+          </a:bodyPr>
           <a:lstStyle>
             <a:lvl1pPr algn="l">
-              <a:defRPr sz="2000" b="1"/>
+              <a:defRPr sz="2400" b="0"/>
             </a:lvl1pPr>
           </a:lstStyle>
           <a:p>
@@ -2888,15 +5074,15 @@
               <a:rPr lang="zh-CN" altLang="en-US" smtClean="0"/>
               <a:t>单击此处编辑母版标题样式</a:t>
             </a:r>
-            <a:endParaRPr lang="zh-CN" altLang="en-US"/>
-          </a:p>
-        </p:txBody>
-      </p:sp>
-      <p:sp>
-        <p:nvSpPr>
-          <p:cNvPr id="3" name="图片占位符 2"/>
-          <p:cNvSpPr>
-            <a:spLocks noGrp="1"/>
+            <a:endParaRPr lang="en-US" dirty="0"/>
+          </a:p>
+        </p:txBody>
+      </p:sp>
+      <p:sp>
+        <p:nvSpPr>
+          <p:cNvPr id="3" name="Picture Placeholder 2"/>
+          <p:cNvSpPr>
+            <a:spLocks noGrp="1" noChangeAspect="1"/>
           </p:cNvSpPr>
           <p:nvPr>
             <p:ph type="pic" idx="1"/>
@@ -2904,77 +5090,85 @@
         </p:nvSpPr>
         <p:spPr>
           <a:xfrm>
-            <a:off x="1792288" y="612775"/>
-            <a:ext cx="5486400" cy="4114800"/>
+            <a:off x="609599" y="609600"/>
+            <a:ext cx="6347714" cy="3845718"/>
           </a:xfrm>
         </p:spPr>
         <p:txBody>
-          <a:bodyPr/>
+          <a:bodyPr anchor="t">
+            <a:normAutofit/>
+          </a:bodyPr>
+          <a:lstStyle>
+            <a:lvl1pPr marL="0" indent="0" algn="ctr">
+              <a:buNone/>
+              <a:defRPr sz="1600"/>
+            </a:lvl1pPr>
+            <a:lvl2pPr marL="457200" indent="0">
+              <a:buNone/>
+              <a:defRPr sz="1600"/>
+            </a:lvl2pPr>
+            <a:lvl3pPr marL="914400" indent="0">
+              <a:buNone/>
+              <a:defRPr sz="1600"/>
+            </a:lvl3pPr>
+            <a:lvl4pPr marL="1371600" indent="0">
+              <a:buNone/>
+              <a:defRPr sz="1600"/>
+            </a:lvl4pPr>
+            <a:lvl5pPr marL="1828800" indent="0">
+              <a:buNone/>
+              <a:defRPr sz="1600"/>
+            </a:lvl5pPr>
+            <a:lvl6pPr marL="2286000" indent="0">
+              <a:buNone/>
+              <a:defRPr sz="1600"/>
+            </a:lvl6pPr>
+            <a:lvl7pPr marL="2743200" indent="0">
+              <a:buNone/>
+              <a:defRPr sz="1600"/>
+            </a:lvl7pPr>
+            <a:lvl8pPr marL="3200400" indent="0">
+              <a:buNone/>
+              <a:defRPr sz="1600"/>
+            </a:lvl8pPr>
+            <a:lvl9pPr marL="3657600" indent="0">
+              <a:buNone/>
+              <a:defRPr sz="1600"/>
+            </a:lvl9pPr>
+          </a:lstStyle>
+          <a:p>
+            <a:r>
+              <a:rPr lang="zh-CN" altLang="en-US" smtClean="0"/>
+              <a:t>单击图标添加图片</a:t>
+            </a:r>
+            <a:endParaRPr lang="en-US" dirty="0"/>
+          </a:p>
+        </p:txBody>
+      </p:sp>
+      <p:sp>
+        <p:nvSpPr>
+          <p:cNvPr id="4" name="Text Placeholder 3"/>
+          <p:cNvSpPr>
+            <a:spLocks noGrp="1"/>
+          </p:cNvSpPr>
+          <p:nvPr>
+            <p:ph type="body" sz="half" idx="2"/>
+          </p:nvPr>
+        </p:nvSpPr>
+        <p:spPr>
+          <a:xfrm>
+            <a:off x="609599" y="5367338"/>
+            <a:ext cx="6347714" cy="674024"/>
+          </a:xfrm>
+        </p:spPr>
+        <p:txBody>
+          <a:bodyPr>
+            <a:normAutofit/>
+          </a:bodyPr>
           <a:lstStyle>
             <a:lvl1pPr marL="0" indent="0">
               <a:buNone/>
-              <a:defRPr sz="3200"/>
-            </a:lvl1pPr>
-            <a:lvl2pPr marL="457200" indent="0">
-              <a:buNone/>
-              <a:defRPr sz="2800"/>
-            </a:lvl2pPr>
-            <a:lvl3pPr marL="914400" indent="0">
-              <a:buNone/>
-              <a:defRPr sz="2400"/>
-            </a:lvl3pPr>
-            <a:lvl4pPr marL="1371600" indent="0">
-              <a:buNone/>
-              <a:defRPr sz="2000"/>
-            </a:lvl4pPr>
-            <a:lvl5pPr marL="1828800" indent="0">
-              <a:buNone/>
-              <a:defRPr sz="2000"/>
-            </a:lvl5pPr>
-            <a:lvl6pPr marL="2286000" indent="0">
-              <a:buNone/>
-              <a:defRPr sz="2000"/>
-            </a:lvl6pPr>
-            <a:lvl7pPr marL="2743200" indent="0">
-              <a:buNone/>
-              <a:defRPr sz="2000"/>
-            </a:lvl7pPr>
-            <a:lvl8pPr marL="3200400" indent="0">
-              <a:buNone/>
-              <a:defRPr sz="2000"/>
-            </a:lvl8pPr>
-            <a:lvl9pPr marL="3657600" indent="0">
-              <a:buNone/>
-              <a:defRPr sz="2000"/>
-            </a:lvl9pPr>
-          </a:lstStyle>
-          <a:p>
-            <a:endParaRPr lang="zh-CN" altLang="en-US"/>
-          </a:p>
-        </p:txBody>
-      </p:sp>
-      <p:sp>
-        <p:nvSpPr>
-          <p:cNvPr id="4" name="文本占位符 3"/>
-          <p:cNvSpPr>
-            <a:spLocks noGrp="1"/>
-          </p:cNvSpPr>
-          <p:nvPr>
-            <p:ph type="body" sz="half" idx="2"/>
-          </p:nvPr>
-        </p:nvSpPr>
-        <p:spPr>
-          <a:xfrm>
-            <a:off x="1792288" y="5367338"/>
-            <a:ext cx="5486400" cy="804862"/>
-          </a:xfrm>
-        </p:spPr>
-        <p:txBody>
-          <a:bodyPr/>
-          <a:lstStyle>
-            <a:lvl1pPr marL="0" indent="0">
-              <a:buNone/>
-              <a:defRPr sz="1400"/>
+              <a:defRPr sz="1200"/>
             </a:lvl1pPr>
             <a:lvl2pPr marL="457200" indent="0">
               <a:buNone/>
@@ -3020,7 +5214,7 @@
       </p:sp>
       <p:sp>
         <p:nvSpPr>
-          <p:cNvPr id="5" name="日期占位符 4"/>
+          <p:cNvPr id="5" name="Date Placeholder 4"/>
           <p:cNvSpPr>
             <a:spLocks noGrp="1"/>
           </p:cNvSpPr>
@@ -3043,7 +5237,7 @@
       </p:sp>
       <p:sp>
         <p:nvSpPr>
-          <p:cNvPr id="6" name="页脚占位符 5"/>
+          <p:cNvPr id="6" name="Footer Placeholder 5"/>
           <p:cNvSpPr>
             <a:spLocks noGrp="1"/>
           </p:cNvSpPr>
@@ -3062,7 +5256,7 @@
       </p:sp>
       <p:sp>
         <p:nvSpPr>
-          <p:cNvPr id="7" name="灯片编号占位符 6"/>
+          <p:cNvPr id="7" name="Slide Number Placeholder 6"/>
           <p:cNvSpPr>
             <a:spLocks noGrp="1"/>
           </p:cNvSpPr>
@@ -3086,7 +5280,7 @@
     </p:spTree>
     <p:extLst>
       <p:ext uri="{BB962C8B-B14F-4D97-AF65-F5344CB8AC3E}">
-        <p14:creationId xmlns:p14="http://schemas.microsoft.com/office/powerpoint/2010/main" val="3343444420"/>
+        <p14:creationId xmlns:p14="http://schemas.microsoft.com/office/powerpoint/2010/main" val="1401927393"/>
       </p:ext>
     </p:extLst>
   </p:cSld>
@@ -3118,9 +5312,610 @@
           <a:chExt cx="0" cy="0"/>
         </a:xfrm>
       </p:grpSpPr>
-      <p:sp>
-        <p:nvSpPr>
-          <p:cNvPr id="2" name="标题占位符 1"/>
+      <p:grpSp>
+        <p:nvGrpSpPr>
+          <p:cNvPr id="17" name="Group 16"/>
+          <p:cNvGrpSpPr/>
+          <p:nvPr/>
+        </p:nvGrpSpPr>
+        <p:grpSpPr>
+          <a:xfrm>
+            <a:off x="-8467" y="-8468"/>
+            <a:ext cx="9169805" cy="6874935"/>
+            <a:chOff x="-8467" y="-8468"/>
+            <a:chExt cx="9169805" cy="6874935"/>
+          </a:xfrm>
+        </p:grpSpPr>
+        <p:sp>
+          <p:nvSpPr>
+            <p:cNvPr id="7" name="Freeform 6"/>
+            <p:cNvSpPr/>
+            <p:nvPr/>
+          </p:nvSpPr>
+          <p:spPr>
+            <a:xfrm>
+              <a:off x="-8467" y="4013200"/>
+              <a:ext cx="457200" cy="2853267"/>
+            </a:xfrm>
+            <a:custGeom>
+              <a:avLst/>
+              <a:gdLst/>
+              <a:ahLst/>
+              <a:cxnLst/>
+              <a:rect l="l" t="t" r="r" b="b"/>
+              <a:pathLst>
+                <a:path w="457200" h="2853267">
+                  <a:moveTo>
+                    <a:pt x="0" y="0"/>
+                  </a:moveTo>
+                  <a:lnTo>
+                    <a:pt x="457200" y="2853267"/>
+                  </a:lnTo>
+                  <a:lnTo>
+                    <a:pt x="0" y="2844800"/>
+                  </a:lnTo>
+                  <a:cubicBezTo>
+                    <a:pt x="2822" y="1905000"/>
+                    <a:pt x="5645" y="965200"/>
+                    <a:pt x="0" y="0"/>
+                  </a:cubicBezTo>
+                  <a:close/>
+                </a:path>
+              </a:pathLst>
+            </a:custGeom>
+            <a:solidFill>
+              <a:schemeClr val="accent1">
+                <a:alpha val="85000"/>
+              </a:schemeClr>
+            </a:solidFill>
+            <a:ln>
+              <a:noFill/>
+            </a:ln>
+            <a:effectLst/>
+          </p:spPr>
+          <p:style>
+            <a:lnRef idx="1">
+              <a:schemeClr val="accent1"/>
+            </a:lnRef>
+            <a:fillRef idx="3">
+              <a:schemeClr val="accent1"/>
+            </a:fillRef>
+            <a:effectRef idx="2">
+              <a:schemeClr val="accent1"/>
+            </a:effectRef>
+            <a:fontRef idx="minor">
+              <a:schemeClr val="lt1"/>
+            </a:fontRef>
+          </p:style>
+        </p:sp>
+        <p:cxnSp>
+          <p:nvCxnSpPr>
+            <p:cNvPr id="8" name="Straight Connector 7"/>
+            <p:cNvCxnSpPr/>
+            <p:nvPr/>
+          </p:nvCxnSpPr>
+          <p:spPr>
+            <a:xfrm flipV="1">
+              <a:off x="5130830" y="4175605"/>
+              <a:ext cx="4022475" cy="2682396"/>
+            </a:xfrm>
+            <a:prstGeom prst="line">
+              <a:avLst/>
+            </a:prstGeom>
+            <a:ln w="9525">
+              <a:solidFill>
+                <a:schemeClr val="bg1">
+                  <a:lumMod val="85000"/>
+                </a:schemeClr>
+              </a:solidFill>
+            </a:ln>
+          </p:spPr>
+          <p:style>
+            <a:lnRef idx="2">
+              <a:schemeClr val="accent1"/>
+            </a:lnRef>
+            <a:fillRef idx="0">
+              <a:schemeClr val="accent1"/>
+            </a:fillRef>
+            <a:effectRef idx="1">
+              <a:schemeClr val="accent1"/>
+            </a:effectRef>
+            <a:fontRef idx="minor">
+              <a:schemeClr val="tx1"/>
+            </a:fontRef>
+          </p:style>
+        </p:cxnSp>
+        <p:cxnSp>
+          <p:nvCxnSpPr>
+            <p:cNvPr id="9" name="Straight Connector 8"/>
+            <p:cNvCxnSpPr/>
+            <p:nvPr/>
+          </p:nvCxnSpPr>
+          <p:spPr>
+            <a:xfrm>
+              <a:off x="7042707" y="0"/>
+              <a:ext cx="1219200" cy="6858000"/>
+            </a:xfrm>
+            <a:prstGeom prst="line">
+              <a:avLst/>
+            </a:prstGeom>
+            <a:ln w="9525">
+              <a:solidFill>
+                <a:schemeClr val="bg1">
+                  <a:lumMod val="75000"/>
+                </a:schemeClr>
+              </a:solidFill>
+            </a:ln>
+          </p:spPr>
+          <p:style>
+            <a:lnRef idx="2">
+              <a:schemeClr val="accent1"/>
+            </a:lnRef>
+            <a:fillRef idx="0">
+              <a:schemeClr val="accent1"/>
+            </a:fillRef>
+            <a:effectRef idx="1">
+              <a:schemeClr val="accent1"/>
+            </a:effectRef>
+            <a:fontRef idx="minor">
+              <a:schemeClr val="tx1"/>
+            </a:fontRef>
+          </p:style>
+        </p:cxnSp>
+        <p:sp>
+          <p:nvSpPr>
+            <p:cNvPr id="10" name="Freeform 9"/>
+            <p:cNvSpPr/>
+            <p:nvPr/>
+          </p:nvSpPr>
+          <p:spPr>
+            <a:xfrm>
+              <a:off x="6891896" y="1"/>
+              <a:ext cx="2269442" cy="6866466"/>
+            </a:xfrm>
+            <a:custGeom>
+              <a:avLst/>
+              <a:gdLst/>
+              <a:ahLst/>
+              <a:cxnLst/>
+              <a:rect l="l" t="t" r="r" b="b"/>
+              <a:pathLst>
+                <a:path w="2269442" h="6866466">
+                  <a:moveTo>
+                    <a:pt x="2023534" y="0"/>
+                  </a:moveTo>
+                  <a:lnTo>
+                    <a:pt x="0" y="6858000"/>
+                  </a:lnTo>
+                  <a:lnTo>
+                    <a:pt x="2269067" y="6866466"/>
+                  </a:lnTo>
+                  <a:cubicBezTo>
+                    <a:pt x="2271889" y="4580466"/>
+                    <a:pt x="2257778" y="2294466"/>
+                    <a:pt x="2260600" y="8466"/>
+                  </a:cubicBezTo>
+                  <a:lnTo>
+                    <a:pt x="2023534" y="0"/>
+                  </a:lnTo>
+                  <a:close/>
+                </a:path>
+              </a:pathLst>
+            </a:custGeom>
+            <a:solidFill>
+              <a:schemeClr val="accent1">
+                <a:alpha val="30000"/>
+              </a:schemeClr>
+            </a:solidFill>
+            <a:ln>
+              <a:noFill/>
+            </a:ln>
+            <a:effectLst/>
+          </p:spPr>
+          <p:style>
+            <a:lnRef idx="1">
+              <a:schemeClr val="accent1"/>
+            </a:lnRef>
+            <a:fillRef idx="3">
+              <a:schemeClr val="accent1"/>
+            </a:fillRef>
+            <a:effectRef idx="2">
+              <a:schemeClr val="accent1"/>
+            </a:effectRef>
+            <a:fontRef idx="minor">
+              <a:schemeClr val="lt1"/>
+            </a:fontRef>
+          </p:style>
+        </p:sp>
+        <p:sp>
+          <p:nvSpPr>
+            <p:cNvPr id="11" name="Freeform 10"/>
+            <p:cNvSpPr/>
+            <p:nvPr/>
+          </p:nvSpPr>
+          <p:spPr>
+            <a:xfrm>
+              <a:off x="7205158" y="-8467"/>
+              <a:ext cx="1948147" cy="6866467"/>
+            </a:xfrm>
+            <a:custGeom>
+              <a:avLst/>
+              <a:gdLst/>
+              <a:ahLst/>
+              <a:cxnLst/>
+              <a:rect l="l" t="t" r="r" b="b"/>
+              <a:pathLst>
+                <a:path w="1948147" h="6866467">
+                  <a:moveTo>
+                    <a:pt x="0" y="0"/>
+                  </a:moveTo>
+                  <a:lnTo>
+                    <a:pt x="1202267" y="6866467"/>
+                  </a:lnTo>
+                  <a:lnTo>
+                    <a:pt x="1947333" y="6866467"/>
+                  </a:lnTo>
+                  <a:cubicBezTo>
+                    <a:pt x="1944511" y="4577645"/>
+                    <a:pt x="1950155" y="2288822"/>
+                    <a:pt x="1947333" y="0"/>
+                  </a:cubicBezTo>
+                  <a:lnTo>
+                    <a:pt x="0" y="0"/>
+                  </a:lnTo>
+                  <a:close/>
+                </a:path>
+              </a:pathLst>
+            </a:custGeom>
+            <a:solidFill>
+              <a:schemeClr val="accent1">
+                <a:alpha val="20000"/>
+              </a:schemeClr>
+            </a:solidFill>
+            <a:ln>
+              <a:noFill/>
+            </a:ln>
+            <a:effectLst/>
+          </p:spPr>
+          <p:style>
+            <a:lnRef idx="1">
+              <a:schemeClr val="accent1"/>
+            </a:lnRef>
+            <a:fillRef idx="3">
+              <a:schemeClr val="accent1"/>
+            </a:fillRef>
+            <a:effectRef idx="2">
+              <a:schemeClr val="accent1"/>
+            </a:effectRef>
+            <a:fontRef idx="minor">
+              <a:schemeClr val="lt1"/>
+            </a:fontRef>
+          </p:style>
+        </p:sp>
+        <p:sp>
+          <p:nvSpPr>
+            <p:cNvPr id="12" name="Freeform 11"/>
+            <p:cNvSpPr/>
+            <p:nvPr/>
+          </p:nvSpPr>
+          <p:spPr>
+            <a:xfrm>
+              <a:off x="6637896" y="3920066"/>
+              <a:ext cx="2513565" cy="2937933"/>
+            </a:xfrm>
+            <a:custGeom>
+              <a:avLst/>
+              <a:gdLst/>
+              <a:ahLst/>
+              <a:cxnLst/>
+              <a:rect l="l" t="t" r="r" b="b"/>
+              <a:pathLst>
+                <a:path w="3259667" h="3810000">
+                  <a:moveTo>
+                    <a:pt x="0" y="3810000"/>
+                  </a:moveTo>
+                  <a:lnTo>
+                    <a:pt x="3251200" y="0"/>
+                  </a:lnTo>
+                  <a:cubicBezTo>
+                    <a:pt x="3254022" y="1270000"/>
+                    <a:pt x="3256845" y="2540000"/>
+                    <a:pt x="3259667" y="3810000"/>
+                  </a:cubicBezTo>
+                  <a:lnTo>
+                    <a:pt x="0" y="3810000"/>
+                  </a:lnTo>
+                  <a:close/>
+                </a:path>
+              </a:pathLst>
+            </a:custGeom>
+            <a:solidFill>
+              <a:schemeClr val="accent2">
+                <a:alpha val="72000"/>
+              </a:schemeClr>
+            </a:solidFill>
+            <a:ln>
+              <a:noFill/>
+            </a:ln>
+            <a:effectLst/>
+          </p:spPr>
+          <p:style>
+            <a:lnRef idx="1">
+              <a:schemeClr val="accent1"/>
+            </a:lnRef>
+            <a:fillRef idx="3">
+              <a:schemeClr val="accent1"/>
+            </a:fillRef>
+            <a:effectRef idx="2">
+              <a:schemeClr val="accent1"/>
+            </a:effectRef>
+            <a:fontRef idx="minor">
+              <a:schemeClr val="lt1"/>
+            </a:fontRef>
+          </p:style>
+        </p:sp>
+        <p:sp>
+          <p:nvSpPr>
+            <p:cNvPr id="13" name="Freeform 12"/>
+            <p:cNvSpPr/>
+            <p:nvPr/>
+          </p:nvSpPr>
+          <p:spPr>
+            <a:xfrm>
+              <a:off x="7010429" y="-8467"/>
+              <a:ext cx="2142876" cy="6866467"/>
+            </a:xfrm>
+            <a:custGeom>
+              <a:avLst/>
+              <a:gdLst/>
+              <a:ahLst/>
+              <a:cxnLst/>
+              <a:rect l="l" t="t" r="r" b="b"/>
+              <a:pathLst>
+                <a:path w="2853267" h="6866467">
+                  <a:moveTo>
+                    <a:pt x="0" y="0"/>
+                  </a:moveTo>
+                  <a:lnTo>
+                    <a:pt x="2472267" y="6866467"/>
+                  </a:lnTo>
+                  <a:lnTo>
+                    <a:pt x="2853267" y="6858000"/>
+                  </a:lnTo>
+                  <a:lnTo>
+                    <a:pt x="2853267" y="0"/>
+                  </a:lnTo>
+                  <a:lnTo>
+                    <a:pt x="0" y="0"/>
+                  </a:lnTo>
+                  <a:close/>
+                </a:path>
+              </a:pathLst>
+            </a:custGeom>
+            <a:solidFill>
+              <a:schemeClr val="accent2">
+                <a:lumMod val="75000"/>
+                <a:alpha val="70000"/>
+              </a:schemeClr>
+            </a:solidFill>
+            <a:ln>
+              <a:noFill/>
+            </a:ln>
+            <a:effectLst/>
+          </p:spPr>
+          <p:style>
+            <a:lnRef idx="1">
+              <a:schemeClr val="accent1"/>
+            </a:lnRef>
+            <a:fillRef idx="3">
+              <a:schemeClr val="accent1"/>
+            </a:fillRef>
+            <a:effectRef idx="2">
+              <a:schemeClr val="accent1"/>
+            </a:effectRef>
+            <a:fontRef idx="minor">
+              <a:schemeClr val="lt1"/>
+            </a:fontRef>
+          </p:style>
+        </p:sp>
+        <p:sp>
+          <p:nvSpPr>
+            <p:cNvPr id="14" name="Freeform 13"/>
+            <p:cNvSpPr/>
+            <p:nvPr/>
+          </p:nvSpPr>
+          <p:spPr>
+            <a:xfrm>
+              <a:off x="8295776" y="-8467"/>
+              <a:ext cx="857530" cy="6866467"/>
+            </a:xfrm>
+            <a:custGeom>
+              <a:avLst/>
+              <a:gdLst/>
+              <a:ahLst/>
+              <a:cxnLst/>
+              <a:rect l="l" t="t" r="r" b="b"/>
+              <a:pathLst>
+                <a:path w="1286933" h="6866467">
+                  <a:moveTo>
+                    <a:pt x="1016000" y="0"/>
+                  </a:moveTo>
+                  <a:lnTo>
+                    <a:pt x="0" y="6866467"/>
+                  </a:lnTo>
+                  <a:lnTo>
+                    <a:pt x="1286933" y="6866467"/>
+                  </a:lnTo>
+                  <a:cubicBezTo>
+                    <a:pt x="1284111" y="4577645"/>
+                    <a:pt x="1281288" y="2288822"/>
+                    <a:pt x="1278466" y="0"/>
+                  </a:cubicBezTo>
+                  <a:lnTo>
+                    <a:pt x="1016000" y="0"/>
+                  </a:lnTo>
+                  <a:close/>
+                </a:path>
+              </a:pathLst>
+            </a:custGeom>
+            <a:solidFill>
+              <a:schemeClr val="accent1">
+                <a:lumMod val="60000"/>
+                <a:lumOff val="40000"/>
+                <a:alpha val="70000"/>
+              </a:schemeClr>
+            </a:solidFill>
+            <a:ln>
+              <a:noFill/>
+            </a:ln>
+            <a:effectLst/>
+          </p:spPr>
+          <p:style>
+            <a:lnRef idx="1">
+              <a:schemeClr val="accent1"/>
+            </a:lnRef>
+            <a:fillRef idx="3">
+              <a:schemeClr val="accent1"/>
+            </a:fillRef>
+            <a:effectRef idx="2">
+              <a:schemeClr val="accent1"/>
+            </a:effectRef>
+            <a:fontRef idx="minor">
+              <a:schemeClr val="lt1"/>
+            </a:fontRef>
+          </p:style>
+        </p:sp>
+        <p:sp>
+          <p:nvSpPr>
+            <p:cNvPr id="15" name="Freeform 14"/>
+            <p:cNvSpPr/>
+            <p:nvPr/>
+          </p:nvSpPr>
+          <p:spPr>
+            <a:xfrm>
+              <a:off x="8077231" y="-8468"/>
+              <a:ext cx="1066770" cy="6866467"/>
+            </a:xfrm>
+            <a:custGeom>
+              <a:avLst/>
+              <a:gdLst/>
+              <a:ahLst/>
+              <a:cxnLst/>
+              <a:rect l="l" t="t" r="r" b="b"/>
+              <a:pathLst>
+                <a:path w="1270244" h="6866467">
+                  <a:moveTo>
+                    <a:pt x="0" y="0"/>
+                  </a:moveTo>
+                  <a:lnTo>
+                    <a:pt x="1117600" y="6866467"/>
+                  </a:lnTo>
+                  <a:lnTo>
+                    <a:pt x="1270000" y="6866467"/>
+                  </a:lnTo>
+                  <a:cubicBezTo>
+                    <a:pt x="1272822" y="4574822"/>
+                    <a:pt x="1250245" y="2291645"/>
+                    <a:pt x="1253067" y="0"/>
+                  </a:cubicBezTo>
+                  <a:lnTo>
+                    <a:pt x="0" y="0"/>
+                  </a:lnTo>
+                  <a:close/>
+                </a:path>
+              </a:pathLst>
+            </a:custGeom>
+            <a:solidFill>
+              <a:schemeClr val="accent1">
+                <a:alpha val="65000"/>
+              </a:schemeClr>
+            </a:solidFill>
+            <a:ln>
+              <a:noFill/>
+            </a:ln>
+            <a:effectLst/>
+          </p:spPr>
+          <p:style>
+            <a:lnRef idx="1">
+              <a:schemeClr val="accent1"/>
+            </a:lnRef>
+            <a:fillRef idx="3">
+              <a:schemeClr val="accent1"/>
+            </a:fillRef>
+            <a:effectRef idx="2">
+              <a:schemeClr val="accent1"/>
+            </a:effectRef>
+            <a:fontRef idx="minor">
+              <a:schemeClr val="lt1"/>
+            </a:fontRef>
+          </p:style>
+        </p:sp>
+        <p:sp>
+          <p:nvSpPr>
+            <p:cNvPr id="16" name="Freeform 15"/>
+            <p:cNvSpPr/>
+            <p:nvPr/>
+          </p:nvSpPr>
+          <p:spPr>
+            <a:xfrm>
+              <a:off x="8060297" y="4893733"/>
+              <a:ext cx="1094086" cy="1964267"/>
+            </a:xfrm>
+            <a:custGeom>
+              <a:avLst/>
+              <a:gdLst/>
+              <a:ahLst/>
+              <a:cxnLst/>
+              <a:rect l="l" t="t" r="r" b="b"/>
+              <a:pathLst>
+                <a:path w="1820333" h="3268133">
+                  <a:moveTo>
+                    <a:pt x="0" y="3268133"/>
+                  </a:moveTo>
+                  <a:lnTo>
+                    <a:pt x="1811866" y="0"/>
+                  </a:lnTo>
+                  <a:cubicBezTo>
+                    <a:pt x="1814688" y="1086555"/>
+                    <a:pt x="1817511" y="2173111"/>
+                    <a:pt x="1820333" y="3259666"/>
+                  </a:cubicBezTo>
+                  <a:lnTo>
+                    <a:pt x="0" y="3268133"/>
+                  </a:lnTo>
+                  <a:close/>
+                </a:path>
+              </a:pathLst>
+            </a:custGeom>
+            <a:solidFill>
+              <a:schemeClr val="accent1">
+                <a:alpha val="80000"/>
+              </a:schemeClr>
+            </a:solidFill>
+            <a:ln>
+              <a:noFill/>
+            </a:ln>
+            <a:effectLst/>
+          </p:spPr>
+          <p:style>
+            <a:lnRef idx="1">
+              <a:schemeClr val="accent1"/>
+            </a:lnRef>
+            <a:fillRef idx="3">
+              <a:schemeClr val="accent1"/>
+            </a:fillRef>
+            <a:effectRef idx="2">
+              <a:schemeClr val="accent1"/>
+            </a:effectRef>
+            <a:fontRef idx="minor">
+              <a:schemeClr val="lt1"/>
+            </a:fontRef>
+          </p:style>
+        </p:sp>
+      </p:grpSp>
+      <p:sp>
+        <p:nvSpPr>
+          <p:cNvPr id="2" name="Title Placeholder 1"/>
           <p:cNvSpPr>
             <a:spLocks noGrp="1"/>
           </p:cNvSpPr>
@@ -3130,15 +5925,15 @@
         </p:nvSpPr>
         <p:spPr>
           <a:xfrm>
-            <a:off x="457200" y="274638"/>
-            <a:ext cx="8229600" cy="1143000"/>
+            <a:off x="609599" y="609600"/>
+            <a:ext cx="6347713" cy="1320800"/>
           </a:xfrm>
           <a:prstGeom prst="rect">
             <a:avLst/>
           </a:prstGeom>
         </p:spPr>
         <p:txBody>
-          <a:bodyPr vert="horz" lIns="91440" tIns="45720" rIns="91440" bIns="45720" rtlCol="0" anchor="ctr">
+          <a:bodyPr vert="horz" lIns="91440" tIns="45720" rIns="91440" bIns="45720" rtlCol="0" anchor="t">
             <a:normAutofit/>
           </a:bodyPr>
           <a:lstStyle/>
@@ -3147,13 +5942,13 @@
               <a:rPr lang="zh-CN" altLang="en-US" smtClean="0"/>
               <a:t>单击此处编辑母版标题样式</a:t>
             </a:r>
-            <a:endParaRPr lang="zh-CN" altLang="en-US"/>
-          </a:p>
-        </p:txBody>
-      </p:sp>
-      <p:sp>
-        <p:nvSpPr>
-          <p:cNvPr id="3" name="文本占位符 2"/>
+            <a:endParaRPr lang="en-US" dirty="0"/>
+          </a:p>
+        </p:txBody>
+      </p:sp>
+      <p:sp>
+        <p:nvSpPr>
+          <p:cNvPr id="3" name="Text Placeholder 2"/>
           <p:cNvSpPr>
             <a:spLocks noGrp="1"/>
           </p:cNvSpPr>
@@ -3163,8 +5958,8 @@
         </p:nvSpPr>
         <p:spPr>
           <a:xfrm>
-            <a:off x="457200" y="1600200"/>
-            <a:ext cx="8229600" cy="4525963"/>
+            <a:off x="609599" y="2160590"/>
+            <a:ext cx="6347714" cy="3880773"/>
           </a:xfrm>
           <a:prstGeom prst="rect">
             <a:avLst/>
@@ -3209,13 +6004,13 @@
               <a:rPr lang="zh-CN" altLang="en-US" smtClean="0"/>
               <a:t>第五级</a:t>
             </a:r>
-            <a:endParaRPr lang="zh-CN" altLang="en-US"/>
-          </a:p>
-        </p:txBody>
-      </p:sp>
-      <p:sp>
-        <p:nvSpPr>
-          <p:cNvPr id="4" name="日期占位符 3"/>
+            <a:endParaRPr lang="en-US" dirty="0"/>
+          </a:p>
+        </p:txBody>
+      </p:sp>
+      <p:sp>
+        <p:nvSpPr>
+          <p:cNvPr id="4" name="Date Placeholder 3"/>
           <p:cNvSpPr>
             <a:spLocks noGrp="1"/>
           </p:cNvSpPr>
@@ -3225,8 +6020,8 @@
         </p:nvSpPr>
         <p:spPr>
           <a:xfrm>
-            <a:off x="457200" y="6356350"/>
-            <a:ext cx="2133600" cy="365125"/>
+            <a:off x="5405258" y="6041363"/>
+            <a:ext cx="684132" cy="365125"/>
           </a:xfrm>
           <a:prstGeom prst="rect">
             <a:avLst/>
@@ -3235,8 +6030,8 @@
         <p:txBody>
           <a:bodyPr vert="horz" lIns="91440" tIns="45720" rIns="91440" bIns="45720" rtlCol="0" anchor="ctr"/>
           <a:lstStyle>
-            <a:lvl1pPr algn="l">
-              <a:defRPr sz="1200">
+            <a:lvl1pPr algn="r">
+              <a:defRPr sz="900">
                 <a:solidFill>
                   <a:schemeClr val="tx1">
                     <a:tint val="75000"/>
@@ -3256,7 +6051,7 @@
       </p:sp>
       <p:sp>
         <p:nvSpPr>
-          <p:cNvPr id="5" name="页脚占位符 4"/>
+          <p:cNvPr id="5" name="Footer Placeholder 4"/>
           <p:cNvSpPr>
             <a:spLocks noGrp="1"/>
           </p:cNvSpPr>
@@ -3266,8 +6061,8 @@
         </p:nvSpPr>
         <p:spPr>
           <a:xfrm>
-            <a:off x="3124200" y="6356350"/>
-            <a:ext cx="2895600" cy="365125"/>
+            <a:off x="609599" y="6041363"/>
+            <a:ext cx="4622973" cy="365125"/>
           </a:xfrm>
           <a:prstGeom prst="rect">
             <a:avLst/>
@@ -3276,8 +6071,8 @@
         <p:txBody>
           <a:bodyPr vert="horz" lIns="91440" tIns="45720" rIns="91440" bIns="45720" rtlCol="0" anchor="ctr"/>
           <a:lstStyle>
-            <a:lvl1pPr algn="ctr">
-              <a:defRPr sz="1200">
+            <a:lvl1pPr algn="l">
+              <a:defRPr sz="900">
                 <a:solidFill>
                   <a:schemeClr val="tx1">
                     <a:tint val="75000"/>
@@ -3293,7 +6088,7 @@
       </p:sp>
       <p:sp>
         <p:nvSpPr>
-          <p:cNvPr id="6" name="灯片编号占位符 5"/>
+          <p:cNvPr id="6" name="Slide Number Placeholder 5"/>
           <p:cNvSpPr>
             <a:spLocks noGrp="1"/>
           </p:cNvSpPr>
@@ -3303,8 +6098,8 @@
         </p:nvSpPr>
         <p:spPr>
           <a:xfrm>
-            <a:off x="6553200" y="6356350"/>
-            <a:ext cx="2133600" cy="365125"/>
+            <a:off x="6444676" y="6041363"/>
+            <a:ext cx="512638" cy="365125"/>
           </a:xfrm>
           <a:prstGeom prst="rect">
             <a:avLst/>
@@ -3314,11 +6109,9 @@
           <a:bodyPr vert="horz" lIns="91440" tIns="45720" rIns="91440" bIns="45720" rtlCol="0" anchor="ctr"/>
           <a:lstStyle>
             <a:lvl1pPr algn="r">
-              <a:defRPr sz="1200">
+              <a:defRPr sz="900">
                 <a:solidFill>
-                  <a:schemeClr val="tx1">
-                    <a:tint val="75000"/>
-                  </a:schemeClr>
+                  <a:schemeClr val="accent1"/>
                 </a:solidFill>
               </a:defRPr>
             </a:lvl1pPr>
@@ -3335,171 +6128,322 @@
     </p:spTree>
     <p:extLst>
       <p:ext uri="{BB962C8B-B14F-4D97-AF65-F5344CB8AC3E}">
-        <p14:creationId xmlns:p14="http://schemas.microsoft.com/office/powerpoint/2010/main" val="3977745123"/>
+        <p14:creationId xmlns:p14="http://schemas.microsoft.com/office/powerpoint/2010/main" val="1313737524"/>
       </p:ext>
     </p:extLst>
   </p:cSld>
   <p:clrMap bg1="lt1" tx1="dk1" bg2="lt2" tx2="dk2" accent1="accent1" accent2="accent2" accent3="accent3" accent4="accent4" accent5="accent5" accent6="accent6" hlink="hlink" folHlink="folHlink"/>
   <p:sldLayoutIdLst>
-    <p:sldLayoutId id="2147483649" r:id="rId1"/>
-    <p:sldLayoutId id="2147483650" r:id="rId2"/>
-    <p:sldLayoutId id="2147483651" r:id="rId3"/>
-    <p:sldLayoutId id="2147483652" r:id="rId4"/>
-    <p:sldLayoutId id="2147483653" r:id="rId5"/>
-    <p:sldLayoutId id="2147483654" r:id="rId6"/>
-    <p:sldLayoutId id="2147483655" r:id="rId7"/>
-    <p:sldLayoutId id="2147483656" r:id="rId8"/>
-    <p:sldLayoutId id="2147483657" r:id="rId9"/>
-    <p:sldLayoutId id="2147483658" r:id="rId10"/>
-    <p:sldLayoutId id="2147483659" r:id="rId11"/>
+    <p:sldLayoutId id="2147483661" r:id="rId1"/>
+    <p:sldLayoutId id="2147483662" r:id="rId2"/>
+    <p:sldLayoutId id="2147483663" r:id="rId3"/>
+    <p:sldLayoutId id="2147483664" r:id="rId4"/>
+    <p:sldLayoutId id="2147483665" r:id="rId5"/>
+    <p:sldLayoutId id="2147483666" r:id="rId6"/>
+    <p:sldLayoutId id="2147483667" r:id="rId7"/>
+    <p:sldLayoutId id="2147483668" r:id="rId8"/>
+    <p:sldLayoutId id="2147483669" r:id="rId9"/>
+    <p:sldLayoutId id="2147483670" r:id="rId10"/>
+    <p:sldLayoutId id="2147483671" r:id="rId11"/>
+    <p:sldLayoutId id="2147483672" r:id="rId12"/>
+    <p:sldLayoutId id="2147483673" r:id="rId13"/>
+    <p:sldLayoutId id="2147483674" r:id="rId14"/>
+    <p:sldLayoutId id="2147483675" r:id="rId15"/>
+    <p:sldLayoutId id="2147483676" r:id="rId16"/>
   </p:sldLayoutIdLst>
   <p:txStyles>
     <p:titleStyle>
-      <a:lvl1pPr algn="ctr" defTabSz="914400" rtl="0" eaLnBrk="1" latinLnBrk="0" hangingPunct="1">
+      <a:lvl1pPr algn="l" defTabSz="457200" rtl="0" eaLnBrk="1" latinLnBrk="0" hangingPunct="1">
         <a:spcBef>
           <a:spcPct val="0"/>
         </a:spcBef>
         <a:buNone/>
-        <a:defRPr sz="4400" kern="1200">
+        <a:defRPr sz="3600" kern="1200">
           <a:solidFill>
-            <a:schemeClr val="tx1"/>
+            <a:schemeClr val="accent1"/>
           </a:solidFill>
           <a:latin typeface="+mj-lt"/>
           <a:ea typeface="+mj-ea"/>
           <a:cs typeface="+mj-cs"/>
         </a:defRPr>
       </a:lvl1pPr>
+      <a:lvl2pPr eaLnBrk="1" hangingPunct="1">
+        <a:defRPr>
+          <a:solidFill>
+            <a:schemeClr val="tx2"/>
+          </a:solidFill>
+        </a:defRPr>
+      </a:lvl2pPr>
+      <a:lvl3pPr eaLnBrk="1" hangingPunct="1">
+        <a:defRPr>
+          <a:solidFill>
+            <a:schemeClr val="tx2"/>
+          </a:solidFill>
+        </a:defRPr>
+      </a:lvl3pPr>
+      <a:lvl4pPr eaLnBrk="1" hangingPunct="1">
+        <a:defRPr>
+          <a:solidFill>
+            <a:schemeClr val="tx2"/>
+          </a:solidFill>
+        </a:defRPr>
+      </a:lvl4pPr>
+      <a:lvl5pPr eaLnBrk="1" hangingPunct="1">
+        <a:defRPr>
+          <a:solidFill>
+            <a:schemeClr val="tx2"/>
+          </a:solidFill>
+        </a:defRPr>
+      </a:lvl5pPr>
+      <a:lvl6pPr eaLnBrk="1" hangingPunct="1">
+        <a:defRPr>
+          <a:solidFill>
+            <a:schemeClr val="tx2"/>
+          </a:solidFill>
+        </a:defRPr>
+      </a:lvl6pPr>
+      <a:lvl7pPr eaLnBrk="1" hangingPunct="1">
+        <a:defRPr>
+          <a:solidFill>
+            <a:schemeClr val="tx2"/>
+          </a:solidFill>
+        </a:defRPr>
+      </a:lvl7pPr>
+      <a:lvl8pPr eaLnBrk="1" hangingPunct="1">
+        <a:defRPr>
+          <a:solidFill>
+            <a:schemeClr val="tx2"/>
+          </a:solidFill>
+        </a:defRPr>
+      </a:lvl8pPr>
+      <a:lvl9pPr eaLnBrk="1" hangingPunct="1">
+        <a:defRPr>
+          <a:solidFill>
+            <a:schemeClr val="tx2"/>
+          </a:solidFill>
+        </a:defRPr>
+      </a:lvl9pPr>
     </p:titleStyle>
     <p:bodyStyle>
-      <a:lvl1pPr marL="342900" indent="-342900" algn="l" defTabSz="914400" rtl="0" eaLnBrk="1" latinLnBrk="0" hangingPunct="1">
+      <a:lvl1pPr marL="342900" indent="-342900" algn="l" defTabSz="457200" rtl="0" eaLnBrk="1" latinLnBrk="0" hangingPunct="1">
         <a:spcBef>
-          <a:spcPct val="20000"/>
+          <a:spcPts val="1000"/>
         </a:spcBef>
-        <a:buFont typeface="Arial" pitchFamily="34" charset="0"/>
-        <a:buChar char="•"/>
-        <a:defRPr sz="3200" kern="1200">
+        <a:spcAft>
+          <a:spcPts val="0"/>
+        </a:spcAft>
+        <a:buClr>
+          <a:schemeClr val="accent1"/>
+        </a:buClr>
+        <a:buSzPct val="80000"/>
+        <a:buFont typeface="Wingdings 3" charset="2"/>
+        <a:buChar char=""/>
+        <a:defRPr sz="1800" kern="1200">
           <a:solidFill>
-            <a:schemeClr val="tx1"/>
+            <a:schemeClr val="tx1">
+              <a:lumMod val="75000"/>
+              <a:lumOff val="25000"/>
+            </a:schemeClr>
           </a:solidFill>
           <a:latin typeface="+mn-lt"/>
           <a:ea typeface="+mn-ea"/>
           <a:cs typeface="+mn-cs"/>
         </a:defRPr>
       </a:lvl1pPr>
-      <a:lvl2pPr marL="742950" indent="-285750" algn="l" defTabSz="914400" rtl="0" eaLnBrk="1" latinLnBrk="0" hangingPunct="1">
+      <a:lvl2pPr marL="742950" indent="-285750" algn="l" defTabSz="457200" rtl="0" eaLnBrk="1" latinLnBrk="0" hangingPunct="1">
         <a:spcBef>
-          <a:spcPct val="20000"/>
+          <a:spcPts val="1000"/>
         </a:spcBef>
-        <a:buFont typeface="Arial" pitchFamily="34" charset="0"/>
-        <a:buChar char="–"/>
-        <a:defRPr sz="2800" kern="1200">
+        <a:spcAft>
+          <a:spcPts val="0"/>
+        </a:spcAft>
+        <a:buClr>
+          <a:schemeClr val="accent1"/>
+        </a:buClr>
+        <a:buSzPct val="80000"/>
+        <a:buFont typeface="Wingdings 3" charset="2"/>
+        <a:buChar char=""/>
+        <a:defRPr sz="1600" kern="1200">
           <a:solidFill>
-            <a:schemeClr val="tx1"/>
+            <a:schemeClr val="tx1">
+              <a:lumMod val="75000"/>
+              <a:lumOff val="25000"/>
+            </a:schemeClr>
           </a:solidFill>
           <a:latin typeface="+mn-lt"/>
           <a:ea typeface="+mn-ea"/>
           <a:cs typeface="+mn-cs"/>
         </a:defRPr>
       </a:lvl2pPr>
-      <a:lvl3pPr marL="1143000" indent="-228600" algn="l" defTabSz="914400" rtl="0" eaLnBrk="1" latinLnBrk="0" hangingPunct="1">
+      <a:lvl3pPr marL="1143000" indent="-228600" algn="l" defTabSz="457200" rtl="0" eaLnBrk="1" latinLnBrk="0" hangingPunct="1">
         <a:spcBef>
-          <a:spcPct val="20000"/>
+          <a:spcPts val="1000"/>
         </a:spcBef>
-        <a:buFont typeface="Arial" pitchFamily="34" charset="0"/>
-        <a:buChar char="•"/>
-        <a:defRPr sz="2400" kern="1200">
+        <a:spcAft>
+          <a:spcPts val="0"/>
+        </a:spcAft>
+        <a:buClr>
+          <a:schemeClr val="accent1"/>
+        </a:buClr>
+        <a:buSzPct val="80000"/>
+        <a:buFont typeface="Wingdings 3" charset="2"/>
+        <a:buChar char=""/>
+        <a:defRPr sz="1400" kern="1200">
           <a:solidFill>
-            <a:schemeClr val="tx1"/>
+            <a:schemeClr val="tx1">
+              <a:lumMod val="75000"/>
+              <a:lumOff val="25000"/>
+            </a:schemeClr>
           </a:solidFill>
           <a:latin typeface="+mn-lt"/>
           <a:ea typeface="+mn-ea"/>
           <a:cs typeface="+mn-cs"/>
         </a:defRPr>
       </a:lvl3pPr>
-      <a:lvl4pPr marL="1600200" indent="-228600" algn="l" defTabSz="914400" rtl="0" eaLnBrk="1" latinLnBrk="0" hangingPunct="1">
+      <a:lvl4pPr marL="1600200" indent="-228600" algn="l" defTabSz="457200" rtl="0" eaLnBrk="1" latinLnBrk="0" hangingPunct="1">
         <a:spcBef>
-          <a:spcPct val="20000"/>
+          <a:spcPts val="1000"/>
         </a:spcBef>
-        <a:buFont typeface="Arial" pitchFamily="34" charset="0"/>
-        <a:buChar char="–"/>
-        <a:defRPr sz="2000" kern="1200">
+        <a:spcAft>
+          <a:spcPts val="0"/>
+        </a:spcAft>
+        <a:buClr>
+          <a:schemeClr val="accent1"/>
+        </a:buClr>
+        <a:buSzPct val="80000"/>
+        <a:buFont typeface="Wingdings 3" charset="2"/>
+        <a:buChar char=""/>
+        <a:defRPr sz="1200" kern="1200">
           <a:solidFill>
-            <a:schemeClr val="tx1"/>
+            <a:schemeClr val="tx1">
+              <a:lumMod val="75000"/>
+              <a:lumOff val="25000"/>
+            </a:schemeClr>
           </a:solidFill>
           <a:latin typeface="+mn-lt"/>
           <a:ea typeface="+mn-ea"/>
           <a:cs typeface="+mn-cs"/>
         </a:defRPr>
       </a:lvl4pPr>
-      <a:lvl5pPr marL="2057400" indent="-228600" algn="l" defTabSz="914400" rtl="0" eaLnBrk="1" latinLnBrk="0" hangingPunct="1">
+      <a:lvl5pPr marL="2057400" indent="-228600" algn="l" defTabSz="457200" rtl="0" eaLnBrk="1" latinLnBrk="0" hangingPunct="1">
         <a:spcBef>
-          <a:spcPct val="20000"/>
+          <a:spcPts val="1000"/>
         </a:spcBef>
-        <a:buFont typeface="Arial" pitchFamily="34" charset="0"/>
-        <a:buChar char="»"/>
-        <a:defRPr sz="2000" kern="1200">
+        <a:spcAft>
+          <a:spcPts val="0"/>
+        </a:spcAft>
+        <a:buClr>
+          <a:schemeClr val="accent1"/>
+        </a:buClr>
+        <a:buSzPct val="80000"/>
+        <a:buFont typeface="Wingdings 3" charset="2"/>
+        <a:buChar char=""/>
+        <a:defRPr sz="1200" kern="1200">
           <a:solidFill>
-            <a:schemeClr val="tx1"/>
+            <a:schemeClr val="tx1">
+              <a:lumMod val="75000"/>
+              <a:lumOff val="25000"/>
+            </a:schemeClr>
           </a:solidFill>
           <a:latin typeface="+mn-lt"/>
           <a:ea typeface="+mn-ea"/>
           <a:cs typeface="+mn-cs"/>
         </a:defRPr>
       </a:lvl5pPr>
-      <a:lvl6pPr marL="2514600" indent="-228600" algn="l" defTabSz="914400" rtl="0" eaLnBrk="1" latinLnBrk="0" hangingPunct="1">
+      <a:lvl6pPr marL="2514600" indent="-228600" algn="l" defTabSz="457200" rtl="0" eaLnBrk="1" latinLnBrk="0" hangingPunct="1">
         <a:spcBef>
-          <a:spcPct val="20000"/>
+          <a:spcPts val="1000"/>
         </a:spcBef>
-        <a:buFont typeface="Arial" pitchFamily="34" charset="0"/>
-        <a:buChar char="•"/>
-        <a:defRPr sz="2000" kern="1200">
+        <a:spcAft>
+          <a:spcPts val="0"/>
+        </a:spcAft>
+        <a:buClr>
+          <a:schemeClr val="accent1"/>
+        </a:buClr>
+        <a:buSzPct val="80000"/>
+        <a:buFont typeface="Wingdings 3" charset="2"/>
+        <a:buChar char=""/>
+        <a:defRPr sz="1200" kern="1200">
           <a:solidFill>
-            <a:schemeClr val="tx1"/>
+            <a:schemeClr val="tx1">
+              <a:lumMod val="75000"/>
+              <a:lumOff val="25000"/>
+            </a:schemeClr>
           </a:solidFill>
           <a:latin typeface="+mn-lt"/>
           <a:ea typeface="+mn-ea"/>
           <a:cs typeface="+mn-cs"/>
         </a:defRPr>
       </a:lvl6pPr>
-      <a:lvl7pPr marL="2971800" indent="-228600" algn="l" defTabSz="914400" rtl="0" eaLnBrk="1" latinLnBrk="0" hangingPunct="1">
+      <a:lvl7pPr marL="2971800" indent="-228600" algn="l" defTabSz="457200" rtl="0" eaLnBrk="1" latinLnBrk="0" hangingPunct="1">
         <a:spcBef>
-          <a:spcPct val="20000"/>
+          <a:spcPts val="1000"/>
         </a:spcBef>
-        <a:buFont typeface="Arial" pitchFamily="34" charset="0"/>
-        <a:buChar char="•"/>
-        <a:defRPr sz="2000" kern="1200">
+        <a:spcAft>
+          <a:spcPts val="0"/>
+        </a:spcAft>
+        <a:buClr>
+          <a:schemeClr val="accent1"/>
+        </a:buClr>
+        <a:buSzPct val="80000"/>
+        <a:buFont typeface="Wingdings 3" charset="2"/>
+        <a:buChar char=""/>
+        <a:defRPr sz="1200" kern="1200">
           <a:solidFill>
-            <a:schemeClr val="tx1"/>
+            <a:schemeClr val="tx1">
+              <a:lumMod val="75000"/>
+              <a:lumOff val="25000"/>
+            </a:schemeClr>
           </a:solidFill>
           <a:latin typeface="+mn-lt"/>
           <a:ea typeface="+mn-ea"/>
           <a:cs typeface="+mn-cs"/>
         </a:defRPr>
       </a:lvl7pPr>
-      <a:lvl8pPr marL="3429000" indent="-228600" algn="l" defTabSz="914400" rtl="0" eaLnBrk="1" latinLnBrk="0" hangingPunct="1">
+      <a:lvl8pPr marL="3429000" indent="-228600" algn="l" defTabSz="457200" rtl="0" eaLnBrk="1" latinLnBrk="0" hangingPunct="1">
         <a:spcBef>
-          <a:spcPct val="20000"/>
+          <a:spcPts val="1000"/>
         </a:spcBef>
-        <a:buFont typeface="Arial" pitchFamily="34" charset="0"/>
-        <a:buChar char="•"/>
-        <a:defRPr sz="2000" kern="1200">
+        <a:spcAft>
+          <a:spcPts val="0"/>
+        </a:spcAft>
+        <a:buClr>
+          <a:schemeClr val="accent1"/>
+        </a:buClr>
+        <a:buSzPct val="80000"/>
+        <a:buFont typeface="Wingdings 3" charset="2"/>
+        <a:buChar char=""/>
+        <a:defRPr sz="1200" kern="1200">
           <a:solidFill>
-            <a:schemeClr val="tx1"/>
+            <a:schemeClr val="tx1">
+              <a:lumMod val="75000"/>
+              <a:lumOff val="25000"/>
+            </a:schemeClr>
           </a:solidFill>
           <a:latin typeface="+mn-lt"/>
           <a:ea typeface="+mn-ea"/>
           <a:cs typeface="+mn-cs"/>
         </a:defRPr>
       </a:lvl8pPr>
-      <a:lvl9pPr marL="3886200" indent="-228600" algn="l" defTabSz="914400" rtl="0" eaLnBrk="1" latinLnBrk="0" hangingPunct="1">
+      <a:lvl9pPr marL="3886200" indent="-228600" algn="l" defTabSz="457200" rtl="0" eaLnBrk="1" latinLnBrk="0" hangingPunct="1">
         <a:spcBef>
-          <a:spcPct val="20000"/>
+          <a:spcPts val="1000"/>
         </a:spcBef>
-        <a:buFont typeface="Arial" pitchFamily="34" charset="0"/>
-        <a:buChar char="•"/>
-        <a:defRPr sz="2000" kern="1200">
+        <a:spcAft>
+          <a:spcPts val="0"/>
+        </a:spcAft>
+        <a:buClr>
+          <a:schemeClr val="accent1"/>
+        </a:buClr>
+        <a:buSzPct val="80000"/>
+        <a:buFont typeface="Wingdings 3" charset="2"/>
+        <a:buChar char=""/>
+        <a:defRPr sz="1200" kern="1200">
           <a:solidFill>
-            <a:schemeClr val="tx1"/>
+            <a:schemeClr val="tx1">
+              <a:lumMod val="75000"/>
+              <a:lumOff val="25000"/>
+            </a:schemeClr>
           </a:solidFill>
           <a:latin typeface="+mn-lt"/>
           <a:ea typeface="+mn-ea"/>
@@ -3509,9 +6453,9 @@
     </p:bodyStyle>
     <p:otherStyle>
       <a:defPPr>
-        <a:defRPr lang="zh-CN"/>
+        <a:defRPr lang="en-US"/>
       </a:defPPr>
-      <a:lvl1pPr marL="0" algn="l" defTabSz="914400" rtl="0" eaLnBrk="1" latinLnBrk="0" hangingPunct="1">
+      <a:lvl1pPr marL="0" algn="l" defTabSz="457200" rtl="0" eaLnBrk="1" latinLnBrk="0" hangingPunct="1">
         <a:defRPr sz="1800" kern="1200">
           <a:solidFill>
             <a:schemeClr val="tx1"/>
@@ -3521,7 +6465,7 @@
           <a:cs typeface="+mn-cs"/>
         </a:defRPr>
       </a:lvl1pPr>
-      <a:lvl2pPr marL="457200" algn="l" defTabSz="914400" rtl="0" eaLnBrk="1" latinLnBrk="0" hangingPunct="1">
+      <a:lvl2pPr marL="457200" algn="l" defTabSz="457200" rtl="0" eaLnBrk="1" latinLnBrk="0" hangingPunct="1">
         <a:defRPr sz="1800" kern="1200">
           <a:solidFill>
             <a:schemeClr val="tx1"/>
@@ -3531,7 +6475,7 @@
           <a:cs typeface="+mn-cs"/>
         </a:defRPr>
       </a:lvl2pPr>
-      <a:lvl3pPr marL="914400" algn="l" defTabSz="914400" rtl="0" eaLnBrk="1" latinLnBrk="0" hangingPunct="1">
+      <a:lvl3pPr marL="914400" algn="l" defTabSz="457200" rtl="0" eaLnBrk="1" latinLnBrk="0" hangingPunct="1">
         <a:defRPr sz="1800" kern="1200">
           <a:solidFill>
             <a:schemeClr val="tx1"/>
@@ -3541,7 +6485,7 @@
           <a:cs typeface="+mn-cs"/>
         </a:defRPr>
       </a:lvl3pPr>
-      <a:lvl4pPr marL="1371600" algn="l" defTabSz="914400" rtl="0" eaLnBrk="1" latinLnBrk="0" hangingPunct="1">
+      <a:lvl4pPr marL="1371600" algn="l" defTabSz="457200" rtl="0" eaLnBrk="1" latinLnBrk="0" hangingPunct="1">
         <a:defRPr sz="1800" kern="1200">
           <a:solidFill>
             <a:schemeClr val="tx1"/>
@@ -3551,7 +6495,7 @@
           <a:cs typeface="+mn-cs"/>
         </a:defRPr>
       </a:lvl4pPr>
-      <a:lvl5pPr marL="1828800" algn="l" defTabSz="914400" rtl="0" eaLnBrk="1" latinLnBrk="0" hangingPunct="1">
+      <a:lvl5pPr marL="1828800" algn="l" defTabSz="457200" rtl="0" eaLnBrk="1" latinLnBrk="0" hangingPunct="1">
         <a:defRPr sz="1800" kern="1200">
           <a:solidFill>
             <a:schemeClr val="tx1"/>
@@ -3561,7 +6505,7 @@
           <a:cs typeface="+mn-cs"/>
         </a:defRPr>
       </a:lvl5pPr>
-      <a:lvl6pPr marL="2286000" algn="l" defTabSz="914400" rtl="0" eaLnBrk="1" latinLnBrk="0" hangingPunct="1">
+      <a:lvl6pPr marL="2286000" algn="l" defTabSz="457200" rtl="0" eaLnBrk="1" latinLnBrk="0" hangingPunct="1">
         <a:defRPr sz="1800" kern="1200">
           <a:solidFill>
             <a:schemeClr val="tx1"/>
@@ -3571,7 +6515,7 @@
           <a:cs typeface="+mn-cs"/>
         </a:defRPr>
       </a:lvl6pPr>
-      <a:lvl7pPr marL="2743200" algn="l" defTabSz="914400" rtl="0" eaLnBrk="1" latinLnBrk="0" hangingPunct="1">
+      <a:lvl7pPr marL="2743200" algn="l" defTabSz="457200" rtl="0" eaLnBrk="1" latinLnBrk="0" hangingPunct="1">
         <a:defRPr sz="1800" kern="1200">
           <a:solidFill>
             <a:schemeClr val="tx1"/>
@@ -3581,7 +6525,7 @@
           <a:cs typeface="+mn-cs"/>
         </a:defRPr>
       </a:lvl7pPr>
-      <a:lvl8pPr marL="3200400" algn="l" defTabSz="914400" rtl="0" eaLnBrk="1" latinLnBrk="0" hangingPunct="1">
+      <a:lvl8pPr marL="3200400" algn="l" defTabSz="457200" rtl="0" eaLnBrk="1" latinLnBrk="0" hangingPunct="1">
         <a:defRPr sz="1800" kern="1200">
           <a:solidFill>
             <a:schemeClr val="tx1"/>
@@ -3591,7 +6535,7 @@
           <a:cs typeface="+mn-cs"/>
         </a:defRPr>
       </a:lvl8pPr>
-      <a:lvl9pPr marL="3657600" algn="l" defTabSz="914400" rtl="0" eaLnBrk="1" latinLnBrk="0" hangingPunct="1">
+      <a:lvl9pPr marL="3657600" algn="l" defTabSz="457200" rtl="0" eaLnBrk="1" latinLnBrk="0" hangingPunct="1">
         <a:defRPr sz="1800" kern="1200">
           <a:solidFill>
             <a:schemeClr val="tx1"/>
@@ -3635,14 +6579,15 @@
         </p:nvSpPr>
         <p:spPr>
           <a:xfrm>
-            <a:off x="611560" y="2564904"/>
-            <a:ext cx="7772400" cy="1470025"/>
+            <a:off x="179512" y="2564904"/>
+            <a:ext cx="8204448" cy="1470025"/>
           </a:xfrm>
         </p:spPr>
         <p:txBody>
           <a:bodyPr/>
           <a:lstStyle/>
           <a:p>
+            <a:pPr algn="ctr"/>
             <a:r>
               <a:rPr lang="zh-CN" altLang="en-US" dirty="0" smtClean="0">
                 <a:latin typeface="微软雅黑" pitchFamily="34" charset="-122"/>
@@ -3651,18 +6596,11 @@
               <a:t>搭建</a:t>
             </a:r>
             <a:r>
-              <a:rPr lang="zh-CN" altLang="en-US" dirty="0">
+              <a:rPr lang="zh-CN" altLang="en-US" dirty="0" smtClean="0">
                 <a:latin typeface="微软雅黑" pitchFamily="34" charset="-122"/>
                 <a:ea typeface="微软雅黑" pitchFamily="34" charset="-122"/>
               </a:rPr>
               <a:t>简单</a:t>
-            </a:r>
-            <a:r>
-              <a:rPr lang="zh-CN" altLang="en-US" dirty="0" smtClean="0">
-                <a:latin typeface="微软雅黑" pitchFamily="34" charset="-122"/>
-                <a:ea typeface="微软雅黑" pitchFamily="34" charset="-122"/>
-              </a:rPr>
-              <a:t>易用</a:t>
             </a:r>
             <a:r>
               <a:rPr lang="en-US" altLang="zh-CN" dirty="0" smtClean="0">
@@ -3758,7 +6696,7 @@
         <p:spPr/>
         <p:txBody>
           <a:bodyPr>
-            <a:normAutofit/>
+            <a:normAutofit fontScale="92500" lnSpcReduction="10000"/>
           </a:bodyPr>
           <a:lstStyle/>
           <a:p>
@@ -3901,9 +6839,283 @@
   <p:timing>
     <p:tnLst>
       <p:par>
-        <p:cTn id="1" dur="indefinite" restart="never" nodeType="tmRoot"/>
+        <p:cTn id="1" dur="indefinite" restart="never" nodeType="tmRoot">
+          <p:childTnLst>
+            <p:seq concurrent="1" nextAc="seek">
+              <p:cTn id="2" restart="whenNotActive" fill="hold" evtFilter="cancelBubble" nodeType="interactiveSeq">
+                <p:stCondLst>
+                  <p:cond evt="onClick" delay="0">
+                    <p:tgtEl>
+                      <p:spTgt spid="2"/>
+                    </p:tgtEl>
+                  </p:cond>
+                </p:stCondLst>
+                <p:endSync evt="end" delay="0">
+                  <p:rtn val="all"/>
+                </p:endSync>
+                <p:childTnLst>
+                  <p:par>
+                    <p:cTn id="3" fill="hold">
+                      <p:stCondLst>
+                        <p:cond delay="0"/>
+                      </p:stCondLst>
+                      <p:childTnLst>
+                        <p:par>
+                          <p:cTn id="4" fill="hold">
+                            <p:stCondLst>
+                              <p:cond delay="0"/>
+                            </p:stCondLst>
+                            <p:childTnLst>
+                              <p:par>
+                                <p:cTn id="5" presetID="1" presetClass="entr" presetSubtype="0" fill="hold" grpId="0" nodeType="clickEffect">
+                                  <p:stCondLst>
+                                    <p:cond delay="0"/>
+                                  </p:stCondLst>
+                                  <p:childTnLst>
+                                    <p:set>
+                                      <p:cBhvr>
+                                        <p:cTn id="6" dur="1" fill="hold">
+                                          <p:stCondLst>
+                                            <p:cond delay="0"/>
+                                          </p:stCondLst>
+                                        </p:cTn>
+                                        <p:tgtEl>
+                                          <p:spTgt spid="3">
+                                            <p:txEl>
+                                              <p:pRg st="0" end="0"/>
+                                            </p:txEl>
+                                          </p:spTgt>
+                                        </p:tgtEl>
+                                        <p:attrNameLst>
+                                          <p:attrName>style.visibility</p:attrName>
+                                        </p:attrNameLst>
+                                      </p:cBhvr>
+                                      <p:to>
+                                        <p:strVal val="visible"/>
+                                      </p:to>
+                                    </p:set>
+                                  </p:childTnLst>
+                                </p:cTn>
+                              </p:par>
+                            </p:childTnLst>
+                          </p:cTn>
+                        </p:par>
+                      </p:childTnLst>
+                    </p:cTn>
+                  </p:par>
+                  <p:par>
+                    <p:cTn id="7" fill="hold">
+                      <p:stCondLst>
+                        <p:cond delay="indefinite"/>
+                      </p:stCondLst>
+                      <p:childTnLst>
+                        <p:par>
+                          <p:cTn id="8" fill="hold">
+                            <p:stCondLst>
+                              <p:cond delay="0"/>
+                            </p:stCondLst>
+                            <p:childTnLst>
+                              <p:par>
+                                <p:cTn id="9" presetID="1" presetClass="entr" presetSubtype="0" fill="hold" grpId="0" nodeType="clickEffect">
+                                  <p:stCondLst>
+                                    <p:cond delay="0"/>
+                                  </p:stCondLst>
+                                  <p:childTnLst>
+                                    <p:set>
+                                      <p:cBhvr>
+                                        <p:cTn id="10" dur="1" fill="hold">
+                                          <p:stCondLst>
+                                            <p:cond delay="0"/>
+                                          </p:stCondLst>
+                                        </p:cTn>
+                                        <p:tgtEl>
+                                          <p:spTgt spid="3">
+                                            <p:txEl>
+                                              <p:pRg st="1" end="1"/>
+                                            </p:txEl>
+                                          </p:spTgt>
+                                        </p:tgtEl>
+                                        <p:attrNameLst>
+                                          <p:attrName>style.visibility</p:attrName>
+                                        </p:attrNameLst>
+                                      </p:cBhvr>
+                                      <p:to>
+                                        <p:strVal val="visible"/>
+                                      </p:to>
+                                    </p:set>
+                                  </p:childTnLst>
+                                </p:cTn>
+                              </p:par>
+                            </p:childTnLst>
+                          </p:cTn>
+                        </p:par>
+                      </p:childTnLst>
+                    </p:cTn>
+                  </p:par>
+                  <p:par>
+                    <p:cTn id="11" fill="hold">
+                      <p:stCondLst>
+                        <p:cond delay="indefinite"/>
+                      </p:stCondLst>
+                      <p:childTnLst>
+                        <p:par>
+                          <p:cTn id="12" fill="hold">
+                            <p:stCondLst>
+                              <p:cond delay="0"/>
+                            </p:stCondLst>
+                            <p:childTnLst>
+                              <p:par>
+                                <p:cTn id="13" presetID="1" presetClass="entr" presetSubtype="0" fill="hold" grpId="0" nodeType="clickEffect">
+                                  <p:stCondLst>
+                                    <p:cond delay="0"/>
+                                  </p:stCondLst>
+                                  <p:childTnLst>
+                                    <p:set>
+                                      <p:cBhvr>
+                                        <p:cTn id="14" dur="1" fill="hold">
+                                          <p:stCondLst>
+                                            <p:cond delay="0"/>
+                                          </p:stCondLst>
+                                        </p:cTn>
+                                        <p:tgtEl>
+                                          <p:spTgt spid="3">
+                                            <p:txEl>
+                                              <p:pRg st="2" end="2"/>
+                                            </p:txEl>
+                                          </p:spTgt>
+                                        </p:tgtEl>
+                                        <p:attrNameLst>
+                                          <p:attrName>style.visibility</p:attrName>
+                                        </p:attrNameLst>
+                                      </p:cBhvr>
+                                      <p:to>
+                                        <p:strVal val="visible"/>
+                                      </p:to>
+                                    </p:set>
+                                  </p:childTnLst>
+                                </p:cTn>
+                              </p:par>
+                            </p:childTnLst>
+                          </p:cTn>
+                        </p:par>
+                      </p:childTnLst>
+                    </p:cTn>
+                  </p:par>
+                  <p:par>
+                    <p:cTn id="15" fill="hold">
+                      <p:stCondLst>
+                        <p:cond delay="indefinite"/>
+                      </p:stCondLst>
+                      <p:childTnLst>
+                        <p:par>
+                          <p:cTn id="16" fill="hold">
+                            <p:stCondLst>
+                              <p:cond delay="0"/>
+                            </p:stCondLst>
+                            <p:childTnLst>
+                              <p:par>
+                                <p:cTn id="17" presetID="1" presetClass="entr" presetSubtype="0" fill="hold" grpId="0" nodeType="clickEffect">
+                                  <p:stCondLst>
+                                    <p:cond delay="0"/>
+                                  </p:stCondLst>
+                                  <p:childTnLst>
+                                    <p:set>
+                                      <p:cBhvr>
+                                        <p:cTn id="18" dur="1" fill="hold">
+                                          <p:stCondLst>
+                                            <p:cond delay="0"/>
+                                          </p:stCondLst>
+                                        </p:cTn>
+                                        <p:tgtEl>
+                                          <p:spTgt spid="3">
+                                            <p:txEl>
+                                              <p:pRg st="4" end="4"/>
+                                            </p:txEl>
+                                          </p:spTgt>
+                                        </p:tgtEl>
+                                        <p:attrNameLst>
+                                          <p:attrName>style.visibility</p:attrName>
+                                        </p:attrNameLst>
+                                      </p:cBhvr>
+                                      <p:to>
+                                        <p:strVal val="visible"/>
+                                      </p:to>
+                                    </p:set>
+                                  </p:childTnLst>
+                                </p:cTn>
+                              </p:par>
+                            </p:childTnLst>
+                          </p:cTn>
+                        </p:par>
+                      </p:childTnLst>
+                    </p:cTn>
+                  </p:par>
+                  <p:par>
+                    <p:cTn id="19" fill="hold">
+                      <p:stCondLst>
+                        <p:cond delay="indefinite"/>
+                      </p:stCondLst>
+                      <p:childTnLst>
+                        <p:par>
+                          <p:cTn id="20" fill="hold">
+                            <p:stCondLst>
+                              <p:cond delay="0"/>
+                            </p:stCondLst>
+                            <p:childTnLst>
+                              <p:par>
+                                <p:cTn id="21" presetID="1" presetClass="entr" presetSubtype="0" fill="hold" grpId="0" nodeType="clickEffect">
+                                  <p:stCondLst>
+                                    <p:cond delay="0"/>
+                                  </p:stCondLst>
+                                  <p:childTnLst>
+                                    <p:set>
+                                      <p:cBhvr>
+                                        <p:cTn id="22" dur="1" fill="hold">
+                                          <p:stCondLst>
+                                            <p:cond delay="0"/>
+                                          </p:stCondLst>
+                                        </p:cTn>
+                                        <p:tgtEl>
+                                          <p:spTgt spid="3">
+                                            <p:txEl>
+                                              <p:pRg st="6" end="6"/>
+                                            </p:txEl>
+                                          </p:spTgt>
+                                        </p:tgtEl>
+                                        <p:attrNameLst>
+                                          <p:attrName>style.visibility</p:attrName>
+                                        </p:attrNameLst>
+                                      </p:cBhvr>
+                                      <p:to>
+                                        <p:strVal val="visible"/>
+                                      </p:to>
+                                    </p:set>
+                                  </p:childTnLst>
+                                </p:cTn>
+                              </p:par>
+                            </p:childTnLst>
+                          </p:cTn>
+                        </p:par>
+                      </p:childTnLst>
+                    </p:cTn>
+                  </p:par>
+                </p:childTnLst>
+              </p:cTn>
+              <p:nextCondLst>
+                <p:cond evt="onClick" delay="0">
+                  <p:tgtEl>
+                    <p:spTgt spid="2"/>
+                  </p:tgtEl>
+                </p:cond>
+              </p:nextCondLst>
+            </p:seq>
+          </p:childTnLst>
+        </p:cTn>
       </p:par>
     </p:tnLst>
+    <p:bldLst>
+      <p:bldP spid="3" grpId="0" uiExpand="1" build="p"/>
+    </p:bldLst>
   </p:timing>
 </p:sld>
 </file>
@@ -3968,7 +7180,7 @@
         </p:spPr>
         <p:txBody>
           <a:bodyPr>
-            <a:normAutofit fontScale="85000" lnSpcReduction="20000"/>
+            <a:normAutofit fontScale="70000" lnSpcReduction="20000"/>
           </a:bodyPr>
           <a:lstStyle/>
           <a:p>
@@ -4175,9 +7387,381 @@
   <p:timing>
     <p:tnLst>
       <p:par>
-        <p:cTn id="1" dur="indefinite" restart="never" nodeType="tmRoot"/>
+        <p:cTn id="1" dur="indefinite" restart="never" nodeType="tmRoot">
+          <p:childTnLst>
+            <p:seq concurrent="1" nextAc="seek">
+              <p:cTn id="2" restart="whenNotActive" fill="hold" evtFilter="cancelBubble" nodeType="interactiveSeq">
+                <p:stCondLst>
+                  <p:cond evt="onClick" delay="0">
+                    <p:tgtEl>
+                      <p:spTgt spid="2"/>
+                    </p:tgtEl>
+                  </p:cond>
+                </p:stCondLst>
+                <p:endSync evt="end" delay="0">
+                  <p:rtn val="all"/>
+                </p:endSync>
+                <p:childTnLst>
+                  <p:par>
+                    <p:cTn id="3" fill="hold">
+                      <p:stCondLst>
+                        <p:cond delay="0"/>
+                      </p:stCondLst>
+                      <p:childTnLst>
+                        <p:par>
+                          <p:cTn id="4" fill="hold">
+                            <p:stCondLst>
+                              <p:cond delay="0"/>
+                            </p:stCondLst>
+                            <p:childTnLst>
+                              <p:par>
+                                <p:cTn id="5" presetID="1" presetClass="entr" presetSubtype="0" fill="hold" grpId="0" nodeType="clickEffect">
+                                  <p:stCondLst>
+                                    <p:cond delay="0"/>
+                                  </p:stCondLst>
+                                  <p:childTnLst>
+                                    <p:set>
+                                      <p:cBhvr>
+                                        <p:cTn id="6" dur="1" fill="hold">
+                                          <p:stCondLst>
+                                            <p:cond delay="0"/>
+                                          </p:stCondLst>
+                                        </p:cTn>
+                                        <p:tgtEl>
+                                          <p:spTgt spid="3">
+                                            <p:txEl>
+                                              <p:pRg st="0" end="0"/>
+                                            </p:txEl>
+                                          </p:spTgt>
+                                        </p:tgtEl>
+                                        <p:attrNameLst>
+                                          <p:attrName>style.visibility</p:attrName>
+                                        </p:attrNameLst>
+                                      </p:cBhvr>
+                                      <p:to>
+                                        <p:strVal val="visible"/>
+                                      </p:to>
+                                    </p:set>
+                                  </p:childTnLst>
+                                </p:cTn>
+                              </p:par>
+                            </p:childTnLst>
+                          </p:cTn>
+                        </p:par>
+                      </p:childTnLst>
+                    </p:cTn>
+                  </p:par>
+                  <p:par>
+                    <p:cTn id="7" fill="hold">
+                      <p:stCondLst>
+                        <p:cond delay="indefinite"/>
+                      </p:stCondLst>
+                      <p:childTnLst>
+                        <p:par>
+                          <p:cTn id="8" fill="hold">
+                            <p:stCondLst>
+                              <p:cond delay="0"/>
+                            </p:stCondLst>
+                            <p:childTnLst>
+                              <p:par>
+                                <p:cTn id="9" presetID="1" presetClass="entr" presetSubtype="0" fill="hold" grpId="0" nodeType="clickEffect">
+                                  <p:stCondLst>
+                                    <p:cond delay="0"/>
+                                  </p:stCondLst>
+                                  <p:childTnLst>
+                                    <p:set>
+                                      <p:cBhvr>
+                                        <p:cTn id="10" dur="1" fill="hold">
+                                          <p:stCondLst>
+                                            <p:cond delay="0"/>
+                                          </p:stCondLst>
+                                        </p:cTn>
+                                        <p:tgtEl>
+                                          <p:spTgt spid="3">
+                                            <p:txEl>
+                                              <p:pRg st="1" end="1"/>
+                                            </p:txEl>
+                                          </p:spTgt>
+                                        </p:tgtEl>
+                                        <p:attrNameLst>
+                                          <p:attrName>style.visibility</p:attrName>
+                                        </p:attrNameLst>
+                                      </p:cBhvr>
+                                      <p:to>
+                                        <p:strVal val="visible"/>
+                                      </p:to>
+                                    </p:set>
+                                  </p:childTnLst>
+                                </p:cTn>
+                              </p:par>
+                            </p:childTnLst>
+                          </p:cTn>
+                        </p:par>
+                      </p:childTnLst>
+                    </p:cTn>
+                  </p:par>
+                  <p:par>
+                    <p:cTn id="11" fill="hold">
+                      <p:stCondLst>
+                        <p:cond delay="indefinite"/>
+                      </p:stCondLst>
+                      <p:childTnLst>
+                        <p:par>
+                          <p:cTn id="12" fill="hold">
+                            <p:stCondLst>
+                              <p:cond delay="0"/>
+                            </p:stCondLst>
+                            <p:childTnLst>
+                              <p:par>
+                                <p:cTn id="13" presetID="1" presetClass="entr" presetSubtype="0" fill="hold" grpId="0" nodeType="clickEffect">
+                                  <p:stCondLst>
+                                    <p:cond delay="0"/>
+                                  </p:stCondLst>
+                                  <p:childTnLst>
+                                    <p:set>
+                                      <p:cBhvr>
+                                        <p:cTn id="14" dur="1" fill="hold">
+                                          <p:stCondLst>
+                                            <p:cond delay="0"/>
+                                          </p:stCondLst>
+                                        </p:cTn>
+                                        <p:tgtEl>
+                                          <p:spTgt spid="3">
+                                            <p:txEl>
+                                              <p:pRg st="2" end="2"/>
+                                            </p:txEl>
+                                          </p:spTgt>
+                                        </p:tgtEl>
+                                        <p:attrNameLst>
+                                          <p:attrName>style.visibility</p:attrName>
+                                        </p:attrNameLst>
+                                      </p:cBhvr>
+                                      <p:to>
+                                        <p:strVal val="visible"/>
+                                      </p:to>
+                                    </p:set>
+                                  </p:childTnLst>
+                                </p:cTn>
+                              </p:par>
+                            </p:childTnLst>
+                          </p:cTn>
+                        </p:par>
+                      </p:childTnLst>
+                    </p:cTn>
+                  </p:par>
+                  <p:par>
+                    <p:cTn id="15" fill="hold">
+                      <p:stCondLst>
+                        <p:cond delay="indefinite"/>
+                      </p:stCondLst>
+                      <p:childTnLst>
+                        <p:par>
+                          <p:cTn id="16" fill="hold">
+                            <p:stCondLst>
+                              <p:cond delay="0"/>
+                            </p:stCondLst>
+                            <p:childTnLst>
+                              <p:par>
+                                <p:cTn id="17" presetID="1" presetClass="entr" presetSubtype="0" fill="hold" grpId="0" nodeType="clickEffect">
+                                  <p:stCondLst>
+                                    <p:cond delay="0"/>
+                                  </p:stCondLst>
+                                  <p:childTnLst>
+                                    <p:set>
+                                      <p:cBhvr>
+                                        <p:cTn id="18" dur="1" fill="hold">
+                                          <p:stCondLst>
+                                            <p:cond delay="0"/>
+                                          </p:stCondLst>
+                                        </p:cTn>
+                                        <p:tgtEl>
+                                          <p:spTgt spid="3">
+                                            <p:txEl>
+                                              <p:pRg st="3" end="3"/>
+                                            </p:txEl>
+                                          </p:spTgt>
+                                        </p:tgtEl>
+                                        <p:attrNameLst>
+                                          <p:attrName>style.visibility</p:attrName>
+                                        </p:attrNameLst>
+                                      </p:cBhvr>
+                                      <p:to>
+                                        <p:strVal val="visible"/>
+                                      </p:to>
+                                    </p:set>
+                                  </p:childTnLst>
+                                </p:cTn>
+                              </p:par>
+                            </p:childTnLst>
+                          </p:cTn>
+                        </p:par>
+                      </p:childTnLst>
+                    </p:cTn>
+                  </p:par>
+                  <p:par>
+                    <p:cTn id="19" fill="hold">
+                      <p:stCondLst>
+                        <p:cond delay="indefinite"/>
+                      </p:stCondLst>
+                      <p:childTnLst>
+                        <p:par>
+                          <p:cTn id="20" fill="hold">
+                            <p:stCondLst>
+                              <p:cond delay="0"/>
+                            </p:stCondLst>
+                            <p:childTnLst>
+                              <p:par>
+                                <p:cTn id="21" presetID="1" presetClass="entr" presetSubtype="0" fill="hold" grpId="0" nodeType="clickEffect">
+                                  <p:stCondLst>
+                                    <p:cond delay="0"/>
+                                  </p:stCondLst>
+                                  <p:childTnLst>
+                                    <p:set>
+                                      <p:cBhvr>
+                                        <p:cTn id="22" dur="1" fill="hold">
+                                          <p:stCondLst>
+                                            <p:cond delay="0"/>
+                                          </p:stCondLst>
+                                        </p:cTn>
+                                        <p:tgtEl>
+                                          <p:spTgt spid="3">
+                                            <p:txEl>
+                                              <p:pRg st="4" end="4"/>
+                                            </p:txEl>
+                                          </p:spTgt>
+                                        </p:tgtEl>
+                                        <p:attrNameLst>
+                                          <p:attrName>style.visibility</p:attrName>
+                                        </p:attrNameLst>
+                                      </p:cBhvr>
+                                      <p:to>
+                                        <p:strVal val="visible"/>
+                                      </p:to>
+                                    </p:set>
+                                  </p:childTnLst>
+                                </p:cTn>
+                              </p:par>
+                            </p:childTnLst>
+                          </p:cTn>
+                        </p:par>
+                      </p:childTnLst>
+                    </p:cTn>
+                  </p:par>
+                  <p:par>
+                    <p:cTn id="23" fill="hold">
+                      <p:stCondLst>
+                        <p:cond delay="indefinite"/>
+                      </p:stCondLst>
+                      <p:childTnLst>
+                        <p:par>
+                          <p:cTn id="24" fill="hold">
+                            <p:stCondLst>
+                              <p:cond delay="0"/>
+                            </p:stCondLst>
+                            <p:childTnLst>
+                              <p:par>
+                                <p:cTn id="25" presetID="1" presetClass="entr" presetSubtype="0" fill="hold" grpId="0" nodeType="clickEffect">
+                                  <p:stCondLst>
+                                    <p:cond delay="0"/>
+                                  </p:stCondLst>
+                                  <p:childTnLst>
+                                    <p:set>
+                                      <p:cBhvr>
+                                        <p:cTn id="26" dur="1" fill="hold">
+                                          <p:stCondLst>
+                                            <p:cond delay="0"/>
+                                          </p:stCondLst>
+                                        </p:cTn>
+                                        <p:tgtEl>
+                                          <p:spTgt spid="3">
+                                            <p:txEl>
+                                              <p:pRg st="6" end="6"/>
+                                            </p:txEl>
+                                          </p:spTgt>
+                                        </p:tgtEl>
+                                        <p:attrNameLst>
+                                          <p:attrName>style.visibility</p:attrName>
+                                        </p:attrNameLst>
+                                      </p:cBhvr>
+                                      <p:to>
+                                        <p:strVal val="visible"/>
+                                      </p:to>
+                                    </p:set>
+                                  </p:childTnLst>
+                                </p:cTn>
+                              </p:par>
+                            </p:childTnLst>
+                          </p:cTn>
+                        </p:par>
+                      </p:childTnLst>
+                    </p:cTn>
+                  </p:par>
+                  <p:par>
+                    <p:cTn id="27" fill="hold">
+                      <p:stCondLst>
+                        <p:cond delay="indefinite"/>
+                      </p:stCondLst>
+                      <p:childTnLst>
+                        <p:par>
+                          <p:cTn id="28" fill="hold">
+                            <p:stCondLst>
+                              <p:cond delay="0"/>
+                            </p:stCondLst>
+                            <p:childTnLst>
+                              <p:par>
+                                <p:cTn id="29" presetID="1" presetClass="entr" presetSubtype="0" fill="hold" grpId="0" nodeType="clickEffect">
+                                  <p:stCondLst>
+                                    <p:cond delay="0"/>
+                                  </p:stCondLst>
+                                  <p:childTnLst>
+                                    <p:set>
+                                      <p:cBhvr>
+                                        <p:cTn id="30" dur="1" fill="hold">
+                                          <p:stCondLst>
+                                            <p:cond delay="0"/>
+                                          </p:stCondLst>
+                                        </p:cTn>
+                                        <p:tgtEl>
+                                          <p:spTgt spid="3">
+                                            <p:txEl>
+                                              <p:pRg st="7" end="7"/>
+                                            </p:txEl>
+                                          </p:spTgt>
+                                        </p:tgtEl>
+                                        <p:attrNameLst>
+                                          <p:attrName>style.visibility</p:attrName>
+                                        </p:attrNameLst>
+                                      </p:cBhvr>
+                                      <p:to>
+                                        <p:strVal val="visible"/>
+                                      </p:to>
+                                    </p:set>
+                                  </p:childTnLst>
+                                </p:cTn>
+                              </p:par>
+                            </p:childTnLst>
+                          </p:cTn>
+                        </p:par>
+                      </p:childTnLst>
+                    </p:cTn>
+                  </p:par>
+                </p:childTnLst>
+              </p:cTn>
+              <p:nextCondLst>
+                <p:cond evt="onClick" delay="0">
+                  <p:tgtEl>
+                    <p:spTgt spid="2"/>
+                  </p:tgtEl>
+                </p:cond>
+              </p:nextCondLst>
+            </p:seq>
+          </p:childTnLst>
+        </p:cTn>
       </p:par>
     </p:tnLst>
+    <p:bldLst>
+      <p:bldP spid="3" grpId="0" build="p"/>
+    </p:bldLst>
   </p:timing>
 </p:sld>
 </file>
@@ -4261,35 +7845,31 @@
       </p:sp>
       <p:sp>
         <p:nvSpPr>
-          <p:cNvPr id="5" name="TextBox 4"/>
-          <p:cNvSpPr txBox="1"/>
-          <p:nvPr/>
+          <p:cNvPr id="4" name="标题 1"/>
+          <p:cNvSpPr>
+            <a:spLocks noGrp="1"/>
+          </p:cNvSpPr>
+          <p:nvPr>
+            <p:ph type="title"/>
+          </p:nvPr>
         </p:nvSpPr>
         <p:spPr>
           <a:xfrm>
-            <a:off x="2683567" y="552186"/>
-            <a:ext cx="4134465" cy="769441"/>
+            <a:off x="609599" y="609600"/>
+            <a:ext cx="6347713" cy="1320800"/>
           </a:xfrm>
-          <a:prstGeom prst="rect">
-            <a:avLst/>
-          </a:prstGeom>
-          <a:noFill/>
         </p:spPr>
         <p:txBody>
-          <a:bodyPr wrap="none" rtlCol="0">
-            <a:spAutoFit/>
+          <a:bodyPr>
+            <a:normAutofit/>
           </a:bodyPr>
           <a:lstStyle/>
           <a:p>
             <a:r>
-              <a:rPr lang="zh-CN" altLang="en-US" sz="4400" b="1" dirty="0" smtClean="0">
-                <a:latin typeface="+mj-lt"/>
-              </a:rPr>
-              <a:t>常见的几种方法</a:t>
-            </a:r>
-            <a:endParaRPr lang="zh-CN" altLang="en-US" sz="4400" b="1" dirty="0">
-              <a:latin typeface="+mj-lt"/>
-            </a:endParaRPr>
+              <a:rPr lang="zh-CN" altLang="en-US" b="1" dirty="0" smtClean="0"/>
+              <a:t>方法</a:t>
+            </a:r>
+            <a:endParaRPr lang="zh-CN" altLang="en-US" dirty="0"/>
           </a:p>
         </p:txBody>
       </p:sp>
@@ -4536,7 +8116,7 @@
         <p:spPr/>
         <p:txBody>
           <a:bodyPr>
-            <a:normAutofit/>
+            <a:normAutofit lnSpcReduction="10000"/>
           </a:bodyPr>
           <a:lstStyle/>
           <a:p>
@@ -4721,6 +8301,25 @@
           <a:bodyPr/>
           <a:lstStyle/>
           <a:p>
+            <a:r>
+              <a:rPr lang="en-US" altLang="zh-CN" dirty="0" smtClean="0"/>
+              <a:t>Gulp</a:t>
+            </a:r>
+            <a:r>
+              <a:rPr lang="zh-CN" altLang="en-US" dirty="0" smtClean="0"/>
+              <a:t>不能做到什么</a:t>
+            </a:r>
+            <a:endParaRPr lang="en-US" altLang="zh-CN" dirty="0" smtClean="0"/>
+          </a:p>
+          <a:p>
+            <a:r>
+              <a:rPr lang="en-US" altLang="zh-CN" dirty="0" err="1" smtClean="0"/>
+              <a:t>Webpack</a:t>
+            </a:r>
+            <a:r>
+              <a:rPr lang="zh-CN" altLang="en-US" dirty="0" smtClean="0"/>
+              <a:t>不能做到什么</a:t>
+            </a:r>
             <a:endParaRPr lang="zh-CN" altLang="en-US" dirty="0"/>
           </a:p>
         </p:txBody>
@@ -4735,6 +8334,13 @@
   <p:clrMapOvr>
     <a:masterClrMapping/>
   </p:clrMapOvr>
+  <p:timing>
+    <p:tnLst>
+      <p:par>
+        <p:cTn id="1" dur="indefinite" restart="never" nodeType="tmRoot"/>
+      </p:par>
+    </p:tnLst>
+  </p:timing>
 </p:sld>
 </file>
 
@@ -4768,7 +8374,7 @@
         <p:spPr/>
         <p:txBody>
           <a:bodyPr>
-            <a:normAutofit fontScale="90000"/>
+            <a:normAutofit/>
           </a:bodyPr>
           <a:lstStyle/>
           <a:p>
@@ -4796,7 +8402,7 @@
         <p:spPr/>
         <p:txBody>
           <a:bodyPr>
-            <a:normAutofit fontScale="55000" lnSpcReduction="20000"/>
+            <a:normAutofit fontScale="47500" lnSpcReduction="20000"/>
           </a:bodyPr>
           <a:lstStyle/>
           <a:p>
@@ -5122,13 +8728,20 @@
   <p:clrMapOvr>
     <a:masterClrMapping/>
   </p:clrMapOvr>
+  <p:timing>
+    <p:tnLst>
+      <p:par>
+        <p:cTn id="1" dur="indefinite" restart="never" nodeType="tmRoot"/>
+      </p:par>
+    </p:tnLst>
+  </p:timing>
 </p:sld>
 </file>
 
 <file path=ppt/theme/theme1.xml><?xml version="1.0" encoding="utf-8"?>
-<a:theme xmlns:a="http://schemas.openxmlformats.org/drawingml/2006/main" name="Office 主题​​">
+<a:theme xmlns:a="http://schemas.openxmlformats.org/drawingml/2006/main" name="平面">
   <a:themeElements>
-    <a:clrScheme name="Office">
+    <a:clrScheme name="平面">
       <a:dk1>
         <a:sysClr val="windowText" lastClr="000000"/>
       </a:dk1>
@@ -5136,52 +8749,52 @@
         <a:sysClr val="window" lastClr="FFFFFF"/>
       </a:lt1>
       <a:dk2>
-        <a:srgbClr val="1F497D"/>
+        <a:srgbClr val="2C3C43"/>
       </a:dk2>
       <a:lt2>
-        <a:srgbClr val="EEECE1"/>
+        <a:srgbClr val="EBEBEB"/>
       </a:lt2>
       <a:accent1>
-        <a:srgbClr val="4F81BD"/>
+        <a:srgbClr val="90C226"/>
       </a:accent1>
       <a:accent2>
-        <a:srgbClr val="C0504D"/>
+        <a:srgbClr val="54A021"/>
       </a:accent2>
       <a:accent3>
-        <a:srgbClr val="9BBB59"/>
+        <a:srgbClr val="E6B91E"/>
       </a:accent3>
       <a:accent4>
-        <a:srgbClr val="8064A2"/>
+        <a:srgbClr val="E76618"/>
       </a:accent4>
       <a:accent5>
-        <a:srgbClr val="4BACC6"/>
+        <a:srgbClr val="C42F1A"/>
       </a:accent5>
       <a:accent6>
-        <a:srgbClr val="F79646"/>
+        <a:srgbClr val="918655"/>
       </a:accent6>
       <a:hlink>
-        <a:srgbClr val="0000FF"/>
+        <a:srgbClr val="99CA3C"/>
       </a:hlink>
       <a:folHlink>
-        <a:srgbClr val="800080"/>
+        <a:srgbClr val="B9D181"/>
       </a:folHlink>
     </a:clrScheme>
-    <a:fontScheme name="Office">
+    <a:fontScheme name="平面">
       <a:majorFont>
-        <a:latin typeface="Calibri"/>
+        <a:latin typeface="Trebuchet MS" panose="020B0603020202020204"/>
         <a:ea typeface=""/>
         <a:cs typeface=""/>
-        <a:font script="Jpan" typeface="ＭＳ Ｐゴシック"/>
+        <a:font script="Jpan" typeface="メイリオ"/>
         <a:font script="Hang" typeface="맑은 고딕"/>
-        <a:font script="Hans" typeface="宋体"/>
-        <a:font script="Hant" typeface="新細明體"/>
-        <a:font script="Arab" typeface="Times New Roman"/>
-        <a:font script="Hebr" typeface="Times New Roman"/>
-        <a:font script="Thai" typeface="Angsana New"/>
+        <a:font script="Hans" typeface="方正姚体"/>
+        <a:font script="Hant" typeface="微軟正黑體"/>
+        <a:font script="Arab" typeface="Tahoma"/>
+        <a:font script="Hebr" typeface="Arial"/>
+        <a:font script="Thai" typeface="Cordia New"/>
         <a:font script="Ethi" typeface="Nyala"/>
         <a:font script="Beng" typeface="Vrinda"/>
         <a:font script="Gujr" typeface="Shruti"/>
-        <a:font script="Khmr" typeface="MoolBoran"/>
+        <a:font script="Khmr" typeface="DaunPenh"/>
         <a:font script="Knda" typeface="Tunga"/>
         <a:font script="Guru" typeface="Raavi"/>
         <a:font script="Cans" typeface="Euphemia"/>
@@ -5198,21 +8811,21 @@
         <a:font script="Laoo" typeface="DokChampa"/>
         <a:font script="Sinh" typeface="Iskoola Pota"/>
         <a:font script="Mong" typeface="Mongolian Baiti"/>
-        <a:font script="Viet" typeface="Times New Roman"/>
+        <a:font script="Viet" typeface="Tahoma"/>
         <a:font script="Uigh" typeface="Microsoft Uighur"/>
         <a:font script="Geor" typeface="Sylfaen"/>
       </a:majorFont>
       <a:minorFont>
-        <a:latin typeface="Calibri"/>
+        <a:latin typeface="Trebuchet MS" panose="020B0603020202020204"/>
         <a:ea typeface=""/>
         <a:cs typeface=""/>
-        <a:font script="Jpan" typeface="ＭＳ Ｐゴシック"/>
-        <a:font script="Hang" typeface="맑은 고딕"/>
-        <a:font script="Hans" typeface="宋体"/>
-        <a:font script="Hant" typeface="新細明體"/>
-        <a:font script="Arab" typeface="Arial"/>
-        <a:font script="Hebr" typeface="Arial"/>
-        <a:font script="Thai" typeface="Cordia New"/>
+        <a:font script="Jpan" typeface="メイリオ"/>
+        <a:font script="Hang" typeface="HY그래픽M"/>
+        <a:font script="Hans" typeface="华文新魏"/>
+        <a:font script="Hant" typeface="微軟正黑體"/>
+        <a:font script="Arab" typeface="Tahoma"/>
+        <a:font script="Hebr" typeface="Gisha"/>
+        <a:font script="Thai" typeface="IrisUPC"/>
         <a:font script="Ethi" typeface="Nyala"/>
         <a:font script="Beng" typeface="Vrinda"/>
         <a:font script="Gujr" typeface="Shruti"/>
@@ -5238,7 +8851,7 @@
         <a:font script="Geor" typeface="Sylfaen"/>
       </a:minorFont>
     </a:fontScheme>
-    <a:fmtScheme name="Office">
+    <a:fmtScheme name="平面">
       <a:fillStyleLst>
         <a:solidFill>
           <a:schemeClr val="phClr"/>
@@ -5247,66 +8860,50 @@
           <a:gsLst>
             <a:gs pos="0">
               <a:schemeClr val="phClr">
-                <a:tint val="50000"/>
-                <a:satMod val="300000"/>
+                <a:tint val="65000"/>
+                <a:lumMod val="110000"/>
               </a:schemeClr>
             </a:gs>
-            <a:gs pos="35000">
+            <a:gs pos="88000">
               <a:schemeClr val="phClr">
-                <a:tint val="37000"/>
-                <a:satMod val="300000"/>
-              </a:schemeClr>
-            </a:gs>
-            <a:gs pos="100000">
-              <a:schemeClr val="phClr">
-                <a:tint val="15000"/>
-                <a:satMod val="350000"/>
+                <a:tint val="90000"/>
               </a:schemeClr>
             </a:gs>
           </a:gsLst>
-          <a:lin ang="16200000" scaled="1"/>
+          <a:lin ang="5400000" scaled="0"/>
         </a:gradFill>
         <a:gradFill rotWithShape="1">
           <a:gsLst>
             <a:gs pos="0">
               <a:schemeClr val="phClr">
-                <a:shade val="51000"/>
-                <a:satMod val="130000"/>
+                <a:tint val="96000"/>
+                <a:lumMod val="100000"/>
               </a:schemeClr>
             </a:gs>
-            <a:gs pos="80000">
-              <a:schemeClr val="phClr">
-                <a:shade val="93000"/>
-                <a:satMod val="130000"/>
-              </a:schemeClr>
-            </a:gs>
-            <a:gs pos="100000">
+            <a:gs pos="78000">
               <a:schemeClr val="phClr">
                 <a:shade val="94000"/>
-                <a:satMod val="135000"/>
+                <a:lumMod val="94000"/>
               </a:schemeClr>
             </a:gs>
           </a:gsLst>
-          <a:lin ang="16200000" scaled="0"/>
+          <a:lin ang="5400000" scaled="0"/>
         </a:gradFill>
       </a:fillStyleLst>
       <a:lnStyleLst>
-        <a:ln w="9525" cap="flat" cmpd="sng" algn="ctr">
-          <a:solidFill>
-            <a:schemeClr val="phClr">
-              <a:shade val="95000"/>
-              <a:satMod val="105000"/>
-            </a:schemeClr>
-          </a:solidFill>
-          <a:prstDash val="solid"/>
-        </a:ln>
-        <a:ln w="25400" cap="flat" cmpd="sng" algn="ctr">
+        <a:ln w="12700" cap="rnd" cmpd="sng" algn="ctr">
           <a:solidFill>
             <a:schemeClr val="phClr"/>
           </a:solidFill>
           <a:prstDash val="solid"/>
         </a:ln>
-        <a:ln w="38100" cap="flat" cmpd="sng" algn="ctr">
+        <a:ln w="19050" cap="rnd" cmpd="sng" algn="ctr">
+          <a:solidFill>
+            <a:schemeClr val="phClr"/>
+          </a:solidFill>
+          <a:prstDash val="solid"/>
+        </a:ln>
+        <a:ln w="25400" cap="rnd" cmpd="sng" algn="ctr">
           <a:solidFill>
             <a:schemeClr val="phClr"/>
           </a:solidFill>
@@ -5315,17 +8912,11 @@
       </a:lnStyleLst>
       <a:effectStyleLst>
         <a:effectStyle>
-          <a:effectLst>
-            <a:outerShdw blurRad="40000" dist="20000" dir="5400000" rotWithShape="0">
-              <a:srgbClr val="000000">
-                <a:alpha val="38000"/>
-              </a:srgbClr>
-            </a:outerShdw>
-          </a:effectLst>
+          <a:effectLst/>
         </a:effectStyle>
         <a:effectStyle>
           <a:effectLst>
-            <a:outerShdw blurRad="40000" dist="23000" dir="5400000" rotWithShape="0">
+            <a:outerShdw blurRad="38100" dist="25400" dir="5400000" rotWithShape="0">
               <a:srgbClr val="000000">
                 <a:alpha val="35000"/>
               </a:srgbClr>
@@ -5334,7 +8925,7 @@
         </a:effectStyle>
         <a:effectStyle>
           <a:effectLst>
-            <a:outerShdw blurRad="40000" dist="23000" dir="5400000" rotWithShape="0">
+            <a:outerShdw blurRad="50800" dist="38100" dir="5400000" rotWithShape="0">
               <a:srgbClr val="000000">
                 <a:alpha val="35000"/>
               </a:srgbClr>
@@ -5344,12 +8935,10 @@
             <a:camera prst="orthographicFront">
               <a:rot lat="0" lon="0" rev="0"/>
             </a:camera>
-            <a:lightRig rig="threePt" dir="t">
-              <a:rot lat="0" lon="0" rev="1200000"/>
-            </a:lightRig>
+            <a:lightRig rig="threePt" dir="tl"/>
           </a:scene3d>
-          <a:sp3d>
-            <a:bevelT w="63500" h="25400"/>
+          <a:sp3d prstMaterial="plastic">
+            <a:bevelT w="0" h="0"/>
           </a:sp3d>
         </a:effectStyle>
       </a:effectStyleLst>
@@ -5361,45 +8950,36 @@
           <a:gsLst>
             <a:gs pos="0">
               <a:schemeClr val="phClr">
-                <a:tint val="40000"/>
-                <a:satMod val="350000"/>
+                <a:tint val="90000"/>
+                <a:lumMod val="104000"/>
               </a:schemeClr>
             </a:gs>
-            <a:gs pos="40000">
+            <a:gs pos="94000">
               <a:schemeClr val="phClr">
-                <a:tint val="45000"/>
-                <a:shade val="99000"/>
-                <a:satMod val="350000"/>
-              </a:schemeClr>
-            </a:gs>
-            <a:gs pos="100000">
-              <a:schemeClr val="phClr">
-                <a:shade val="20000"/>
-                <a:satMod val="255000"/>
+                <a:shade val="96000"/>
+                <a:lumMod val="82000"/>
               </a:schemeClr>
             </a:gs>
           </a:gsLst>
-          <a:path path="circle">
-            <a:fillToRect l="50000" t="-80000" r="50000" b="180000"/>
-          </a:path>
+          <a:lin ang="5400000" scaled="0"/>
         </a:gradFill>
         <a:gradFill rotWithShape="1">
           <a:gsLst>
             <a:gs pos="0">
               <a:schemeClr val="phClr">
-                <a:tint val="80000"/>
-                <a:satMod val="300000"/>
+                <a:tint val="90000"/>
+                <a:lumMod val="110000"/>
               </a:schemeClr>
             </a:gs>
             <a:gs pos="100000">
               <a:schemeClr val="phClr">
-                <a:shade val="30000"/>
-                <a:satMod val="200000"/>
+                <a:shade val="94000"/>
+                <a:lumMod val="96000"/>
               </a:schemeClr>
             </a:gs>
           </a:gsLst>
           <a:path path="circle">
-            <a:fillToRect l="50000" t="50000" r="50000" b="50000"/>
+            <a:fillToRect l="50000" t="50000" r="100000" b="100000"/>
           </a:path>
         </a:gradFill>
       </a:bgFillStyleLst>
@@ -5407,6 +8987,11 @@
   </a:themeElements>
   <a:objectDefaults/>
   <a:extraClrSchemeLst/>
+  <a:extLst>
+    <a:ext uri="{05A4C25C-085E-4340-85A3-A5531E510DB2}">
+      <thm15:themeFamily xmlns:thm15="http://schemas.microsoft.com/office/thememl/2012/main" name="Facet" id="{C0C680CD-088A-49FC-A102-D699147F32B2}" vid="{CFBC31BA-B70F-4F30-BCAA-4F3011E16C4D}"/>
+    </a:ext>
+  </a:extLst>
 </a:theme>
 </file>
 
